--- a/assets/DL_GUI.pptx
+++ b/assets/DL_GUI.pptx
@@ -5,11 +5,12 @@
     <p:sldMasterId id="2147483660" r:id="rId1"/>
   </p:sldMasterIdLst>
   <p:notesMasterIdLst>
-    <p:notesMasterId r:id="rId4"/>
+    <p:notesMasterId r:id="rId5"/>
   </p:notesMasterIdLst>
   <p:sldIdLst>
     <p:sldId id="259" r:id="rId2"/>
     <p:sldId id="257" r:id="rId3"/>
+    <p:sldId id="260" r:id="rId4"/>
   </p:sldIdLst>
   <p:sldSz cx="9144000" cy="6858000" type="screen4x3"/>
   <p:notesSz cx="6858000" cy="9144000"/>
@@ -108,6 +109,11 @@
       </a:defRPr>
     </a:lvl9pPr>
   </p:defaultTextStyle>
+  <p:extLst>
+    <p:ext uri="{EFAFB233-063F-42B5-8137-9DF3F51BA10A}">
+      <p15:sldGuideLst xmlns:p15="http://schemas.microsoft.com/office/powerpoint/2012/main"/>
+    </p:ext>
+  </p:extLst>
 </p:presentation>
 </file>
 
@@ -160,7 +166,7 @@
             </a:lvl1pPr>
           </a:lstStyle>
           <a:p>
-            <a:endParaRPr lang="tr-TR"/>
+            <a:endParaRPr lang="tr-TR" dirty="0"/>
           </a:p>
         </p:txBody>
       </p:sp>
@@ -193,9 +199,9 @@
           <a:p>
             <a:fld id="{BA8D1F55-E99F-5045-8C53-3D21CEBDAA6D}" type="datetimeFigureOut">
               <a:rPr lang="tr-TR" smtClean="0"/>
-              <a:t>10.05.2021</a:t>
+              <a:t>11.05.2021</a:t>
             </a:fld>
-            <a:endParaRPr lang="tr-TR"/>
+            <a:endParaRPr lang="tr-TR" dirty="0"/>
           </a:p>
         </p:txBody>
       </p:sp>
@@ -228,7 +234,7 @@
           <a:bodyPr vert="horz" lIns="91440" tIns="45720" rIns="91440" bIns="45720" rtlCol="0" anchor="ctr"/>
           <a:lstStyle/>
           <a:p>
-            <a:endParaRPr lang="tr-TR"/>
+            <a:endParaRPr lang="tr-TR" dirty="0"/>
           </a:p>
         </p:txBody>
       </p:sp>
@@ -319,7 +325,7 @@
             </a:lvl1pPr>
           </a:lstStyle>
           <a:p>
-            <a:endParaRPr lang="tr-TR"/>
+            <a:endParaRPr lang="tr-TR" dirty="0"/>
           </a:p>
         </p:txBody>
       </p:sp>
@@ -354,7 +360,7 @@
               <a:rPr lang="tr-TR" smtClean="0"/>
               <a:t>‹#›</a:t>
             </a:fld>
-            <a:endParaRPr lang="tr-TR"/>
+            <a:endParaRPr lang="tr-TR" dirty="0"/>
           </a:p>
         </p:txBody>
       </p:sp>
@@ -592,7 +598,7 @@
           <a:p>
             <a:fld id="{36D0695C-02F7-9E48-99F1-CA76EC165F5F}" type="datetime1">
               <a:rPr lang="tr-TR" smtClean="0"/>
-              <a:t>10.05.2021</a:t>
+              <a:t>11.05.2021</a:t>
             </a:fld>
             <a:endParaRPr lang="en-TR"/>
           </a:p>
@@ -762,7 +768,7 @@
           <a:p>
             <a:fld id="{07669073-FE43-284E-877E-F9D0B9FECE40}" type="datetime1">
               <a:rPr lang="tr-TR" smtClean="0"/>
-              <a:t>10.05.2021</a:t>
+              <a:t>11.05.2021</a:t>
             </a:fld>
             <a:endParaRPr lang="en-TR"/>
           </a:p>
@@ -942,7 +948,7 @@
           <a:p>
             <a:fld id="{93417FB8-E891-1145-9AF2-F81283B1CC0B}" type="datetime1">
               <a:rPr lang="tr-TR" smtClean="0"/>
-              <a:t>10.05.2021</a:t>
+              <a:t>11.05.2021</a:t>
             </a:fld>
             <a:endParaRPr lang="en-TR"/>
           </a:p>
@@ -1112,7 +1118,7 @@
           <a:p>
             <a:fld id="{7BB4C77B-42F8-394E-B013-479195A17602}" type="datetime1">
               <a:rPr lang="tr-TR" smtClean="0"/>
-              <a:t>10.05.2021</a:t>
+              <a:t>11.05.2021</a:t>
             </a:fld>
             <a:endParaRPr lang="en-TR"/>
           </a:p>
@@ -1356,7 +1362,7 @@
           <a:p>
             <a:fld id="{F35B99F1-B0D2-B54F-A547-A51617C4E854}" type="datetime1">
               <a:rPr lang="tr-TR" smtClean="0"/>
-              <a:t>10.05.2021</a:t>
+              <a:t>11.05.2021</a:t>
             </a:fld>
             <a:endParaRPr lang="en-TR"/>
           </a:p>
@@ -1588,7 +1594,7 @@
           <a:p>
             <a:fld id="{E2F121C7-DD52-C240-90E9-DF6893BE1BE2}" type="datetime1">
               <a:rPr lang="tr-TR" smtClean="0"/>
-              <a:t>10.05.2021</a:t>
+              <a:t>11.05.2021</a:t>
             </a:fld>
             <a:endParaRPr lang="en-TR"/>
           </a:p>
@@ -1955,7 +1961,7 @@
           <a:p>
             <a:fld id="{53929604-B735-B94D-B9DF-70C67D50649B}" type="datetime1">
               <a:rPr lang="tr-TR" smtClean="0"/>
-              <a:t>10.05.2021</a:t>
+              <a:t>11.05.2021</a:t>
             </a:fld>
             <a:endParaRPr lang="en-TR"/>
           </a:p>
@@ -2073,7 +2079,7 @@
           <a:p>
             <a:fld id="{AA3D4FE0-3B02-DA46-B96A-05866655B09D}" type="datetime1">
               <a:rPr lang="tr-TR" smtClean="0"/>
-              <a:t>10.05.2021</a:t>
+              <a:t>11.05.2021</a:t>
             </a:fld>
             <a:endParaRPr lang="en-TR"/>
           </a:p>
@@ -2168,7 +2174,7 @@
           <a:p>
             <a:fld id="{902B0211-A2D5-4347-B767-098CAB92A78F}" type="datetime1">
               <a:rPr lang="tr-TR" smtClean="0"/>
-              <a:t>10.05.2021</a:t>
+              <a:t>11.05.2021</a:t>
             </a:fld>
             <a:endParaRPr lang="en-TR"/>
           </a:p>
@@ -2445,7 +2451,7 @@
           <a:p>
             <a:fld id="{F3B2B4EE-0540-454A-82D3-2681F7435D3F}" type="datetime1">
               <a:rPr lang="tr-TR" smtClean="0"/>
-              <a:t>10.05.2021</a:t>
+              <a:t>11.05.2021</a:t>
             </a:fld>
             <a:endParaRPr lang="en-TR"/>
           </a:p>
@@ -2613,7 +2619,7 @@
           </a:lstStyle>
           <a:p>
             <a:r>
-              <a:rPr lang="en-US"/>
+              <a:rPr lang="en-US" dirty="0"/>
               <a:t>Click icon to add picture</a:t>
             </a:r>
           </a:p>
@@ -2701,7 +2707,7 @@
           <a:p>
             <a:fld id="{D7CF92EB-5677-1144-9B83-595F8BFAD415}" type="datetime1">
               <a:rPr lang="tr-TR" smtClean="0"/>
-              <a:t>10.05.2021</a:t>
+              <a:t>11.05.2021</a:t>
             </a:fld>
             <a:endParaRPr lang="en-TR"/>
           </a:p>
@@ -2766,9 +2772,26 @@
 <p:sldMaster xmlns:a="http://schemas.openxmlformats.org/drawingml/2006/main" xmlns:r="http://schemas.openxmlformats.org/officeDocument/2006/relationships" xmlns:p="http://schemas.openxmlformats.org/presentationml/2006/main">
   <p:cSld>
     <p:bg>
-      <p:bgRef idx="1001">
-        <a:schemeClr val="bg1"/>
-      </p:bgRef>
+      <p:bgPr>
+        <a:gradFill flip="none" rotWithShape="1">
+          <a:gsLst>
+            <a:gs pos="100000">
+              <a:srgbClr val="F3F1E0"/>
+            </a:gs>
+            <a:gs pos="0">
+              <a:srgbClr val="F3F1E0"/>
+            </a:gs>
+            <a:gs pos="49000">
+              <a:srgbClr val="F7F5EA"/>
+            </a:gs>
+          </a:gsLst>
+          <a:path path="circle">
+            <a:fillToRect l="100000" t="100000"/>
+          </a:path>
+          <a:tileRect r="-100000" b="-100000"/>
+        </a:gradFill>
+        <a:effectLst/>
+      </p:bgPr>
     </p:bg>
     <p:spTree>
       <p:nvGrpSpPr>
@@ -2914,7 +2937,7 @@
           <a:p>
             <a:fld id="{F2372F51-7A8B-B948-B55B-93554365BB4D}" type="datetime1">
               <a:rPr lang="tr-TR" smtClean="0"/>
-              <a:t>10.05.2021</a:t>
+              <a:t>11.05.2021</a:t>
             </a:fld>
             <a:endParaRPr lang="en-TR"/>
           </a:p>
@@ -3336,20 +3359,71 @@
             <p:ph type="ctrTitle"/>
           </p:nvPr>
         </p:nvSpPr>
-        <p:spPr/>
+        <p:spPr>
+          <a:xfrm>
+            <a:off x="0" y="1546526"/>
+            <a:ext cx="9144000" cy="1655762"/>
+          </a:xfrm>
+        </p:spPr>
         <p:txBody>
           <a:bodyPr>
-            <a:normAutofit/>
+            <a:noAutofit/>
           </a:bodyPr>
           <a:lstStyle/>
           <a:p>
             <a:r>
-              <a:rPr lang="tr-TR" sz="4000" dirty="0">
+              <a:rPr lang="tr-TR" sz="3600" dirty="0">
+                <a:solidFill>
+                  <a:srgbClr val="243041"/>
+                </a:solidFill>
                 <a:latin typeface="Cambria" panose="02040503050406030204" pitchFamily="18" charset="0"/>
+                <a:ea typeface="Cambria" panose="02040503050406030204" pitchFamily="18" charset="0"/>
+                <a:cs typeface="Posterama" panose="020B0502040204020203" pitchFamily="34" charset="0"/>
               </a:rPr>
-              <a:t>Derin Öğrenme Tabanlı Otomatik Türk Makam Müziği Bestecisi İçin Grafiksel Kullanıcı Arayüzü </a:t>
-            </a:r>
-            <a:endParaRPr lang="tr-TR" sz="4000" dirty="0"/>
+              <a:t>Derin Öğrenme Tabanlı </a:t>
+            </a:r>
+            <a:br>
+              <a:rPr lang="tr-TR" sz="3600" dirty="0">
+                <a:solidFill>
+                  <a:srgbClr val="243041"/>
+                </a:solidFill>
+                <a:latin typeface="Cambria" panose="02040503050406030204" pitchFamily="18" charset="0"/>
+                <a:ea typeface="Cambria" panose="02040503050406030204" pitchFamily="18" charset="0"/>
+                <a:cs typeface="Posterama" panose="020B0502040204020203" pitchFamily="34" charset="0"/>
+              </a:rPr>
+            </a:br>
+            <a:r>
+              <a:rPr lang="tr-TR" sz="3600" dirty="0">
+                <a:solidFill>
+                  <a:srgbClr val="243041"/>
+                </a:solidFill>
+                <a:latin typeface="Cambria" panose="02040503050406030204" pitchFamily="18" charset="0"/>
+                <a:ea typeface="Cambria" panose="02040503050406030204" pitchFamily="18" charset="0"/>
+                <a:cs typeface="Posterama" panose="020B0502040204020203" pitchFamily="34" charset="0"/>
+              </a:rPr>
+              <a:t>Otomatik Türk Makam Müziği Bestecisi için </a:t>
+            </a:r>
+            <a:br>
+              <a:rPr lang="tr-TR" sz="3600" dirty="0">
+                <a:solidFill>
+                  <a:srgbClr val="243041"/>
+                </a:solidFill>
+                <a:latin typeface="Cambria" panose="02040503050406030204" pitchFamily="18" charset="0"/>
+                <a:ea typeface="Cambria" panose="02040503050406030204" pitchFamily="18" charset="0"/>
+                <a:cs typeface="Posterama" panose="020B0502040204020203" pitchFamily="34" charset="0"/>
+              </a:rPr>
+            </a:br>
+            <a:r>
+              <a:rPr lang="tr-TR" sz="3600" dirty="0">
+                <a:solidFill>
+                  <a:srgbClr val="243041"/>
+                </a:solidFill>
+                <a:latin typeface="Cambria" panose="02040503050406030204" pitchFamily="18" charset="0"/>
+                <a:ea typeface="Cambria" panose="02040503050406030204" pitchFamily="18" charset="0"/>
+                <a:cs typeface="Posterama" panose="020B0502040204020203" pitchFamily="34" charset="0"/>
+              </a:rPr>
+              <a:t>Grafiksel Kullanıcı Arayüzü </a:t>
+            </a:r>
           </a:p>
         </p:txBody>
       </p:sp>
@@ -3369,27 +3443,98 @@
             <p:ph type="subTitle" idx="1"/>
           </p:nvPr>
         </p:nvSpPr>
-        <p:spPr/>
+        <p:spPr>
+          <a:xfrm>
+            <a:off x="685800" y="4447713"/>
+            <a:ext cx="7772400" cy="2077705"/>
+          </a:xfrm>
+        </p:spPr>
         <p:txBody>
           <a:bodyPr>
-            <a:normAutofit lnSpcReduction="10000"/>
+            <a:normAutofit/>
           </a:bodyPr>
           <a:lstStyle/>
           <a:p>
             <a:r>
-              <a:rPr lang="en-TR" dirty="0"/>
+              <a:rPr lang="en-TR" sz="2000" dirty="0">
+                <a:solidFill>
+                  <a:srgbClr val="243041"/>
+                </a:solidFill>
+                <a:ea typeface="Tahoma" panose="020B0604030504040204" pitchFamily="34" charset="0"/>
+                <a:cs typeface="Biome" panose="020B0502040204020203" pitchFamily="34" charset="0"/>
+              </a:rPr>
               <a:t>İsmail Hakkı Parlak, Prof. Dr. Yalçın Çebi, Prof. Dr. Cihan Işıkhan</a:t>
             </a:r>
-          </a:p>
-          <a:p>
-            <a:r>
-              <a:rPr lang="en-TR" dirty="0"/>
+            <a:endParaRPr lang="en-US" sz="2000" dirty="0">
+              <a:solidFill>
+                <a:srgbClr val="243041"/>
+              </a:solidFill>
+              <a:ea typeface="Tahoma" panose="020B0604030504040204" pitchFamily="34" charset="0"/>
+              <a:cs typeface="Biome" panose="020B0502040204020203" pitchFamily="34" charset="0"/>
+            </a:endParaRPr>
+          </a:p>
+          <a:p>
+            <a:r>
+              <a:rPr lang="en-US" sz="1800" i="1" dirty="0">
+                <a:solidFill>
+                  <a:srgbClr val="243041"/>
+                </a:solidFill>
+                <a:ea typeface="Tahoma" panose="020B0604030504040204" pitchFamily="34" charset="0"/>
+                <a:cs typeface="Biome" panose="020B0502040204020203" pitchFamily="34" charset="0"/>
+              </a:rPr>
+              <a:t>ismail </a:t>
+            </a:r>
+            <a:r>
+              <a:rPr lang="en-US" sz="1800" dirty="0">
+                <a:solidFill>
+                  <a:srgbClr val="243041"/>
+                </a:solidFill>
+                <a:ea typeface="Tahoma" panose="020B0604030504040204" pitchFamily="34" charset="0"/>
+                <a:cs typeface="Biome" panose="020B0502040204020203" pitchFamily="34" charset="0"/>
+              </a:rPr>
+              <a:t>[at] </a:t>
+            </a:r>
+            <a:r>
+              <a:rPr lang="en-US" sz="1800" i="1" dirty="0">
+                <a:solidFill>
+                  <a:srgbClr val="243041"/>
+                </a:solidFill>
+                <a:ea typeface="Tahoma" panose="020B0604030504040204" pitchFamily="34" charset="0"/>
+                <a:cs typeface="Biome" panose="020B0502040204020203" pitchFamily="34" charset="0"/>
+              </a:rPr>
+              <a:t>cs.deu.edu.tr</a:t>
+            </a:r>
+          </a:p>
+          <a:p>
+            <a:endParaRPr lang="en-TR" sz="2000" dirty="0">
+              <a:solidFill>
+                <a:srgbClr val="243041"/>
+              </a:solidFill>
+              <a:ea typeface="Tahoma" panose="020B0604030504040204" pitchFamily="34" charset="0"/>
+              <a:cs typeface="Biome" panose="020B0502040204020203" pitchFamily="34" charset="0"/>
+            </a:endParaRPr>
+          </a:p>
+          <a:p>
+            <a:r>
+              <a:rPr lang="en-TR" dirty="0">
+                <a:solidFill>
+                  <a:srgbClr val="243041"/>
+                </a:solidFill>
+                <a:ea typeface="Tahoma" panose="020B0604030504040204" pitchFamily="34" charset="0"/>
+                <a:cs typeface="Biome" panose="020B0502040204020203" pitchFamily="34" charset="0"/>
+              </a:rPr>
               <a:t>XI. Uluslararası Hisarlı Ahmet Sempozyumu</a:t>
             </a:r>
           </a:p>
           <a:p>
             <a:r>
-              <a:rPr lang="en-TR" dirty="0"/>
+              <a:rPr lang="en-TR" dirty="0">
+                <a:solidFill>
+                  <a:srgbClr val="243041"/>
+                </a:solidFill>
+                <a:ea typeface="Tahoma" panose="020B0604030504040204" pitchFamily="34" charset="0"/>
+                <a:cs typeface="Biome" panose="020B0502040204020203" pitchFamily="34" charset="0"/>
+              </a:rPr>
               <a:t>Haziran 2021</a:t>
             </a:r>
           </a:p>
@@ -3448,6 +3593,9 @@
           <a:p>
             <a:r>
               <a:rPr lang="tr-TR" dirty="0">
+                <a:solidFill>
+                  <a:srgbClr val="243041"/>
+                </a:solidFill>
                 <a:latin typeface="Cambria" panose="02040503050406030204" pitchFamily="18" charset="0"/>
               </a:rPr>
               <a:t>İçerik</a:t>
@@ -3477,25 +3625,41 @@
           <a:lstStyle/>
           <a:p>
             <a:r>
-              <a:rPr lang="tr-TR" dirty="0"/>
+              <a:rPr lang="tr-TR" dirty="0">
+                <a:solidFill>
+                  <a:srgbClr val="243041"/>
+                </a:solidFill>
+              </a:rPr>
               <a:t>Derin Öğrenme</a:t>
             </a:r>
           </a:p>
           <a:p>
             <a:r>
-              <a:rPr lang="tr-TR" dirty="0"/>
+              <a:rPr lang="tr-TR" dirty="0">
+                <a:solidFill>
+                  <a:srgbClr val="243041"/>
+                </a:solidFill>
+              </a:rPr>
               <a:t>Otomatik besteleme</a:t>
             </a:r>
           </a:p>
           <a:p>
             <a:r>
-              <a:rPr lang="tr-TR" dirty="0"/>
+              <a:rPr lang="tr-TR" dirty="0">
+                <a:solidFill>
+                  <a:srgbClr val="243041"/>
+                </a:solidFill>
+              </a:rPr>
               <a:t>Arayüz inceleme</a:t>
             </a:r>
           </a:p>
           <a:p>
             <a:r>
-              <a:rPr lang="tr-TR" dirty="0"/>
+              <a:rPr lang="tr-TR" dirty="0">
+                <a:solidFill>
+                  <a:srgbClr val="243041"/>
+                </a:solidFill>
+              </a:rPr>
               <a:t>Sonuçlar</a:t>
             </a:r>
           </a:p>
@@ -3534,6 +3698,160 @@
     <p:extLst>
       <p:ext uri="{BB962C8B-B14F-4D97-AF65-F5344CB8AC3E}">
         <p14:creationId xmlns:p14="http://schemas.microsoft.com/office/powerpoint/2010/main" val="2630755311"/>
+      </p:ext>
+    </p:extLst>
+  </p:cSld>
+  <p:clrMapOvr>
+    <a:masterClrMapping/>
+  </p:clrMapOvr>
+</p:sld>
+</file>
+
+<file path=ppt/slides/slide3.xml><?xml version="1.0" encoding="utf-8"?>
+<p:sld xmlns:a="http://schemas.openxmlformats.org/drawingml/2006/main" xmlns:r="http://schemas.openxmlformats.org/officeDocument/2006/relationships" xmlns:p="http://schemas.openxmlformats.org/presentationml/2006/main">
+  <p:cSld>
+    <p:spTree>
+      <p:nvGrpSpPr>
+        <p:cNvPr id="1" name=""/>
+        <p:cNvGrpSpPr/>
+        <p:nvPr/>
+      </p:nvGrpSpPr>
+      <p:grpSpPr>
+        <a:xfrm>
+          <a:off x="0" y="0"/>
+          <a:ext cx="0" cy="0"/>
+          <a:chOff x="0" y="0"/>
+          <a:chExt cx="0" cy="0"/>
+        </a:xfrm>
+      </p:grpSpPr>
+      <p:sp>
+        <p:nvSpPr>
+          <p:cNvPr id="2" name="Title 1">
+            <a:extLst>
+              <a:ext uri="{FF2B5EF4-FFF2-40B4-BE49-F238E27FC236}">
+                <a16:creationId xmlns:a16="http://schemas.microsoft.com/office/drawing/2014/main" id="{D1B1EED6-F70F-2C42-982B-7304BE48B48E}"/>
+              </a:ext>
+            </a:extLst>
+          </p:cNvPr>
+          <p:cNvSpPr>
+            <a:spLocks noGrp="1"/>
+          </p:cNvSpPr>
+          <p:nvPr>
+            <p:ph type="title"/>
+          </p:nvPr>
+        </p:nvSpPr>
+        <p:spPr/>
+        <p:txBody>
+          <a:bodyPr/>
+          <a:lstStyle/>
+          <a:p>
+            <a:r>
+              <a:rPr lang="tr-TR" dirty="0">
+                <a:solidFill>
+                  <a:srgbClr val="243041"/>
+                </a:solidFill>
+                <a:latin typeface="Cambria" panose="02040503050406030204" pitchFamily="18" charset="0"/>
+                <a:ea typeface="Cambria" panose="02040503050406030204" pitchFamily="18" charset="0"/>
+              </a:rPr>
+              <a:t>Düşünme Egzersizleri</a:t>
+            </a:r>
+          </a:p>
+        </p:txBody>
+      </p:sp>
+      <p:sp>
+        <p:nvSpPr>
+          <p:cNvPr id="3" name="Content Placeholder 2">
+            <a:extLst>
+              <a:ext uri="{FF2B5EF4-FFF2-40B4-BE49-F238E27FC236}">
+                <a16:creationId xmlns:a16="http://schemas.microsoft.com/office/drawing/2014/main" id="{4E958FD7-5D47-F247-A470-4E94A4F14BAB}"/>
+              </a:ext>
+            </a:extLst>
+          </p:cNvPr>
+          <p:cNvSpPr>
+            <a:spLocks noGrp="1"/>
+          </p:cNvSpPr>
+          <p:nvPr>
+            <p:ph idx="1"/>
+          </p:nvPr>
+        </p:nvSpPr>
+        <p:spPr/>
+        <p:txBody>
+          <a:bodyPr/>
+          <a:lstStyle/>
+          <a:p>
+            <a:r>
+              <a:rPr lang="tr-TR" dirty="0">
+                <a:solidFill>
+                  <a:srgbClr val="243041"/>
+                </a:solidFill>
+                <a:latin typeface="Calibri" panose="020F0502020204030204" pitchFamily="34" charset="0"/>
+                <a:ea typeface="Source Sans Pro" panose="020B0503030403020204" pitchFamily="34" charset="0"/>
+                <a:cs typeface="Calibri" panose="020F0502020204030204" pitchFamily="34" charset="0"/>
+              </a:rPr>
+              <a:t>Bir makinenin yaptığı bestenin insanlar tarafından değerli bulunması neye bağlıdır?</a:t>
+            </a:r>
+          </a:p>
+          <a:p>
+            <a:r>
+              <a:rPr lang="tr-TR" dirty="0">
+                <a:solidFill>
+                  <a:srgbClr val="243041"/>
+                </a:solidFill>
+                <a:latin typeface="Calibri" panose="020F0502020204030204" pitchFamily="34" charset="0"/>
+                <a:ea typeface="Source Sans Pro" panose="020B0503030403020204" pitchFamily="34" charset="0"/>
+                <a:cs typeface="Calibri" panose="020F0502020204030204" pitchFamily="34" charset="0"/>
+              </a:rPr>
+              <a:t>Müzikte yaratıcılık nedir?</a:t>
+            </a:r>
+          </a:p>
+          <a:p>
+            <a:r>
+              <a:rPr lang="tr-TR" dirty="0">
+                <a:solidFill>
+                  <a:srgbClr val="243041"/>
+                </a:solidFill>
+                <a:latin typeface="Calibri" panose="020F0502020204030204" pitchFamily="34" charset="0"/>
+                <a:ea typeface="Source Sans Pro" panose="020B0503030403020204" pitchFamily="34" charset="0"/>
+                <a:cs typeface="Calibri" panose="020F0502020204030204" pitchFamily="34" charset="0"/>
+              </a:rPr>
+              <a:t>İnsan zihni tamamen yeni bir şey yaratabilir mi?</a:t>
+            </a:r>
+          </a:p>
+        </p:txBody>
+      </p:sp>
+      <p:sp>
+        <p:nvSpPr>
+          <p:cNvPr id="4" name="Slide Number Placeholder 3">
+            <a:extLst>
+              <a:ext uri="{FF2B5EF4-FFF2-40B4-BE49-F238E27FC236}">
+                <a16:creationId xmlns:a16="http://schemas.microsoft.com/office/drawing/2014/main" id="{21960B8E-F2EC-0C45-8C3C-47B7B748920B}"/>
+              </a:ext>
+            </a:extLst>
+          </p:cNvPr>
+          <p:cNvSpPr>
+            <a:spLocks noGrp="1"/>
+          </p:cNvSpPr>
+          <p:nvPr>
+            <p:ph type="sldNum" sz="quarter" idx="12"/>
+          </p:nvPr>
+        </p:nvSpPr>
+        <p:spPr/>
+        <p:txBody>
+          <a:bodyPr/>
+          <a:lstStyle/>
+          <a:p>
+            <a:fld id="{0B0A7288-46A4-3940-A53E-A8FC0B879407}" type="slidenum">
+              <a:rPr lang="en-TR" smtClean="0"/>
+              <a:t>3</a:t>
+            </a:fld>
+            <a:endParaRPr lang="en-TR"/>
+          </a:p>
+        </p:txBody>
+      </p:sp>
+    </p:spTree>
+    <p:extLst>
+      <p:ext uri="{BB962C8B-B14F-4D97-AF65-F5344CB8AC3E}">
+        <p14:creationId xmlns:p14="http://schemas.microsoft.com/office/powerpoint/2010/main" val="2250806191"/>
       </p:ext>
     </p:extLst>
   </p:cSld>

--- a/assets/DL_GUI.pptx
+++ b/assets/DL_GUI.pptx
@@ -5,12 +5,13 @@
     <p:sldMasterId id="2147483660" r:id="rId1"/>
   </p:sldMasterIdLst>
   <p:notesMasterIdLst>
-    <p:notesMasterId r:id="rId5"/>
+    <p:notesMasterId r:id="rId6"/>
   </p:notesMasterIdLst>
   <p:sldIdLst>
     <p:sldId id="259" r:id="rId2"/>
     <p:sldId id="257" r:id="rId3"/>
-    <p:sldId id="260" r:id="rId4"/>
+    <p:sldId id="261" r:id="rId4"/>
+    <p:sldId id="260" r:id="rId5"/>
   </p:sldIdLst>
   <p:sldSz cx="9144000" cy="6858000" type="screen4x3"/>
   <p:notesSz cx="6858000" cy="9144000"/>
@@ -3621,41 +3622,53 @@
         </p:nvSpPr>
         <p:spPr/>
         <p:txBody>
-          <a:bodyPr/>
-          <a:lstStyle/>
-          <a:p>
-            <a:r>
-              <a:rPr lang="tr-TR" dirty="0">
+          <a:bodyPr>
+            <a:normAutofit/>
+          </a:bodyPr>
+          <a:lstStyle/>
+          <a:p>
+            <a:r>
+              <a:rPr lang="tr-TR" sz="3600" dirty="0">
                 <a:solidFill>
                   <a:srgbClr val="243041"/>
                 </a:solidFill>
               </a:rPr>
-              <a:t>Derin Öğrenme</a:t>
-            </a:r>
-          </a:p>
-          <a:p>
-            <a:r>
-              <a:rPr lang="tr-TR" dirty="0">
+              <a:t>Derin öğrenme &amp; müzik</a:t>
+            </a:r>
+          </a:p>
+          <a:p>
+            <a:r>
+              <a:rPr lang="tr-TR" sz="3600" dirty="0">
                 <a:solidFill>
                   <a:srgbClr val="243041"/>
                 </a:solidFill>
               </a:rPr>
-              <a:t>Otomatik besteleme</a:t>
-            </a:r>
-          </a:p>
-          <a:p>
-            <a:r>
-              <a:rPr lang="tr-TR" dirty="0">
+              <a:t>Ses dosyası ≠ sembolik müzik</a:t>
+            </a:r>
+          </a:p>
+          <a:p>
+            <a:r>
+              <a:rPr lang="tr-TR" sz="3600" dirty="0">
                 <a:solidFill>
                   <a:srgbClr val="243041"/>
                 </a:solidFill>
               </a:rPr>
-              <a:t>Arayüz inceleme</a:t>
-            </a:r>
-          </a:p>
-          <a:p>
-            <a:r>
-              <a:rPr lang="tr-TR" dirty="0">
+              <a:t>OTMMB</a:t>
+            </a:r>
+          </a:p>
+          <a:p>
+            <a:r>
+              <a:rPr lang="tr-TR" sz="3600" dirty="0">
+                <a:solidFill>
+                  <a:srgbClr val="243041"/>
+                </a:solidFill>
+              </a:rPr>
+              <a:t>Grafiksel arayüz</a:t>
+            </a:r>
+          </a:p>
+          <a:p>
+            <a:r>
+              <a:rPr lang="tr-TR" sz="3600" dirty="0">
                 <a:solidFill>
                   <a:srgbClr val="243041"/>
                 </a:solidFill>
@@ -3751,9 +3764,8 @@
                   <a:srgbClr val="243041"/>
                 </a:solidFill>
                 <a:latin typeface="Cambria" panose="02040503050406030204" pitchFamily="18" charset="0"/>
-                <a:ea typeface="Cambria" panose="02040503050406030204" pitchFamily="18" charset="0"/>
               </a:rPr>
-              <a:t>Düşünme Egzersizleri</a:t>
+              <a:t>Derin Öğrenme &amp; Müzik</a:t>
             </a:r>
           </a:p>
         </p:txBody>
@@ -3776,45 +3788,167 @@
         </p:nvSpPr>
         <p:spPr/>
         <p:txBody>
-          <a:bodyPr/>
-          <a:lstStyle/>
-          <a:p>
+          <a:bodyPr>
+            <a:normAutofit/>
+          </a:bodyPr>
+          <a:lstStyle/>
+          <a:p>
+            <a:r>
+              <a:rPr lang="tr-TR" dirty="0" err="1">
+                <a:solidFill>
+                  <a:srgbClr val="243041"/>
+                </a:solidFill>
+              </a:rPr>
+              <a:t>AlphaGo</a:t>
+            </a:r>
             <a:r>
               <a:rPr lang="tr-TR" dirty="0">
                 <a:solidFill>
                   <a:srgbClr val="243041"/>
                 </a:solidFill>
-                <a:latin typeface="Calibri" panose="020F0502020204030204" pitchFamily="34" charset="0"/>
-                <a:ea typeface="Source Sans Pro" panose="020B0503030403020204" pitchFamily="34" charset="0"/>
-                <a:cs typeface="Calibri" panose="020F0502020204030204" pitchFamily="34" charset="0"/>
               </a:rPr>
-              <a:t>Bir makinenin yaptığı bestenin insanlar tarafından değerli bulunması neye bağlıdır?</a:t>
-            </a:r>
-          </a:p>
-          <a:p>
+              <a:t> 2016</a:t>
+            </a:r>
+          </a:p>
+          <a:p>
+            <a:r>
+              <a:rPr lang="tr-TR" dirty="0" err="1">
+                <a:solidFill>
+                  <a:srgbClr val="243041"/>
+                </a:solidFill>
+              </a:rPr>
+              <a:t>YouTube</a:t>
+            </a:r>
             <a:r>
               <a:rPr lang="tr-TR" dirty="0">
                 <a:solidFill>
                   <a:srgbClr val="243041"/>
                 </a:solidFill>
-                <a:latin typeface="Calibri" panose="020F0502020204030204" pitchFamily="34" charset="0"/>
-                <a:ea typeface="Source Sans Pro" panose="020B0503030403020204" pitchFamily="34" charset="0"/>
-                <a:cs typeface="Calibri" panose="020F0502020204030204" pitchFamily="34" charset="0"/>
               </a:rPr>
-              <a:t>Müzikte yaratıcılık nedir?</a:t>
-            </a:r>
-          </a:p>
-          <a:p>
+              <a:t> 2018 → «Google </a:t>
+            </a:r>
+            <a:r>
+              <a:rPr lang="tr-TR" dirty="0" err="1">
+                <a:solidFill>
+                  <a:srgbClr val="243041"/>
+                </a:solidFill>
+              </a:rPr>
+              <a:t>Assistant</a:t>
+            </a:r>
             <a:r>
               <a:rPr lang="tr-TR" dirty="0">
                 <a:solidFill>
                   <a:srgbClr val="243041"/>
                 </a:solidFill>
-                <a:latin typeface="Calibri" panose="020F0502020204030204" pitchFamily="34" charset="0"/>
-                <a:ea typeface="Source Sans Pro" panose="020B0503030403020204" pitchFamily="34" charset="0"/>
-                <a:cs typeface="Calibri" panose="020F0502020204030204" pitchFamily="34" charset="0"/>
               </a:rPr>
-              <a:t>İnsan zihni tamamen yeni bir şey yaratabilir mi?</a:t>
+              <a:t> </a:t>
+            </a:r>
+            <a:r>
+              <a:rPr lang="tr-TR" dirty="0" err="1">
+                <a:solidFill>
+                  <a:srgbClr val="243041"/>
+                </a:solidFill>
+              </a:rPr>
+              <a:t>calling</a:t>
+            </a:r>
+            <a:r>
+              <a:rPr lang="tr-TR" dirty="0">
+                <a:solidFill>
+                  <a:srgbClr val="243041"/>
+                </a:solidFill>
+              </a:rPr>
+              <a:t> a </a:t>
+            </a:r>
+            <a:r>
+              <a:rPr lang="tr-TR" dirty="0" err="1">
+                <a:solidFill>
+                  <a:srgbClr val="243041"/>
+                </a:solidFill>
+              </a:rPr>
+              <a:t>restaurant</a:t>
+            </a:r>
+            <a:r>
+              <a:rPr lang="tr-TR" dirty="0">
+                <a:solidFill>
+                  <a:srgbClr val="243041"/>
+                </a:solidFill>
+              </a:rPr>
+              <a:t> </a:t>
+            </a:r>
+            <a:r>
+              <a:rPr lang="tr-TR" dirty="0" err="1">
+                <a:solidFill>
+                  <a:srgbClr val="243041"/>
+                </a:solidFill>
+              </a:rPr>
+              <a:t>for</a:t>
+            </a:r>
+            <a:r>
+              <a:rPr lang="tr-TR" dirty="0">
+                <a:solidFill>
+                  <a:srgbClr val="243041"/>
+                </a:solidFill>
+              </a:rPr>
+              <a:t> a </a:t>
+            </a:r>
+            <a:r>
+              <a:rPr lang="tr-TR" dirty="0" err="1">
+                <a:solidFill>
+                  <a:srgbClr val="243041"/>
+                </a:solidFill>
+              </a:rPr>
+              <a:t>reservation</a:t>
+            </a:r>
+            <a:r>
+              <a:rPr lang="tr-TR" dirty="0">
+                <a:solidFill>
+                  <a:srgbClr val="243041"/>
+                </a:solidFill>
+              </a:rPr>
+              <a:t>»</a:t>
+            </a:r>
+          </a:p>
+          <a:p>
+            <a:r>
+              <a:rPr lang="tr-TR" dirty="0">
+                <a:solidFill>
+                  <a:srgbClr val="243041"/>
+                </a:solidFill>
+              </a:rPr>
+              <a:t>Bach </a:t>
+            </a:r>
+            <a:r>
+              <a:rPr lang="tr-TR" dirty="0" err="1">
+                <a:solidFill>
+                  <a:srgbClr val="243041"/>
+                </a:solidFill>
+              </a:rPr>
+              <a:t>doodle</a:t>
+            </a:r>
+            <a:r>
+              <a:rPr lang="tr-TR" dirty="0">
+                <a:solidFill>
+                  <a:srgbClr val="243041"/>
+                </a:solidFill>
+              </a:rPr>
+              <a:t> 2019 (</a:t>
+            </a:r>
+            <a:r>
+              <a:rPr lang="tr-TR" sz="2000" dirty="0">
+                <a:solidFill>
+                  <a:srgbClr val="243041"/>
+                </a:solidFill>
+                <a:hlinkClick r:id="rId2"/>
+              </a:rPr>
+              <a:t>https://www.google.com/doodles/celebrating-johann-sebastian-bach</a:t>
+            </a:r>
+            <a:r>
+              <a:rPr lang="tr-TR" dirty="0">
+                <a:solidFill>
+                  <a:srgbClr val="243041"/>
+                </a:solidFill>
+              </a:rPr>
+              <a:t>)</a:t>
             </a:r>
           </a:p>
         </p:txBody>
@@ -3843,6 +3977,160 @@
             <a:fld id="{0B0A7288-46A4-3940-A53E-A8FC0B879407}" type="slidenum">
               <a:rPr lang="en-TR" smtClean="0"/>
               <a:t>3</a:t>
+            </a:fld>
+            <a:endParaRPr lang="en-TR"/>
+          </a:p>
+        </p:txBody>
+      </p:sp>
+    </p:spTree>
+    <p:extLst>
+      <p:ext uri="{BB962C8B-B14F-4D97-AF65-F5344CB8AC3E}">
+        <p14:creationId xmlns:p14="http://schemas.microsoft.com/office/powerpoint/2010/main" val="1643482467"/>
+      </p:ext>
+    </p:extLst>
+  </p:cSld>
+  <p:clrMapOvr>
+    <a:masterClrMapping/>
+  </p:clrMapOvr>
+</p:sld>
+</file>
+
+<file path=ppt/slides/slide4.xml><?xml version="1.0" encoding="utf-8"?>
+<p:sld xmlns:a="http://schemas.openxmlformats.org/drawingml/2006/main" xmlns:r="http://schemas.openxmlformats.org/officeDocument/2006/relationships" xmlns:p="http://schemas.openxmlformats.org/presentationml/2006/main">
+  <p:cSld>
+    <p:spTree>
+      <p:nvGrpSpPr>
+        <p:cNvPr id="1" name=""/>
+        <p:cNvGrpSpPr/>
+        <p:nvPr/>
+      </p:nvGrpSpPr>
+      <p:grpSpPr>
+        <a:xfrm>
+          <a:off x="0" y="0"/>
+          <a:ext cx="0" cy="0"/>
+          <a:chOff x="0" y="0"/>
+          <a:chExt cx="0" cy="0"/>
+        </a:xfrm>
+      </p:grpSpPr>
+      <p:sp>
+        <p:nvSpPr>
+          <p:cNvPr id="2" name="Title 1">
+            <a:extLst>
+              <a:ext uri="{FF2B5EF4-FFF2-40B4-BE49-F238E27FC236}">
+                <a16:creationId xmlns:a16="http://schemas.microsoft.com/office/drawing/2014/main" id="{D1B1EED6-F70F-2C42-982B-7304BE48B48E}"/>
+              </a:ext>
+            </a:extLst>
+          </p:cNvPr>
+          <p:cNvSpPr>
+            <a:spLocks noGrp="1"/>
+          </p:cNvSpPr>
+          <p:nvPr>
+            <p:ph type="title"/>
+          </p:nvPr>
+        </p:nvSpPr>
+        <p:spPr/>
+        <p:txBody>
+          <a:bodyPr/>
+          <a:lstStyle/>
+          <a:p>
+            <a:r>
+              <a:rPr lang="tr-TR" dirty="0">
+                <a:solidFill>
+                  <a:srgbClr val="243041"/>
+                </a:solidFill>
+                <a:latin typeface="Cambria" panose="02040503050406030204" pitchFamily="18" charset="0"/>
+                <a:ea typeface="Cambria" panose="02040503050406030204" pitchFamily="18" charset="0"/>
+              </a:rPr>
+              <a:t>Düşünme Egzersizleri</a:t>
+            </a:r>
+          </a:p>
+        </p:txBody>
+      </p:sp>
+      <p:sp>
+        <p:nvSpPr>
+          <p:cNvPr id="3" name="Content Placeholder 2">
+            <a:extLst>
+              <a:ext uri="{FF2B5EF4-FFF2-40B4-BE49-F238E27FC236}">
+                <a16:creationId xmlns:a16="http://schemas.microsoft.com/office/drawing/2014/main" id="{4E958FD7-5D47-F247-A470-4E94A4F14BAB}"/>
+              </a:ext>
+            </a:extLst>
+          </p:cNvPr>
+          <p:cNvSpPr>
+            <a:spLocks noGrp="1"/>
+          </p:cNvSpPr>
+          <p:nvPr>
+            <p:ph idx="1"/>
+          </p:nvPr>
+        </p:nvSpPr>
+        <p:spPr/>
+        <p:txBody>
+          <a:bodyPr/>
+          <a:lstStyle/>
+          <a:p>
+            <a:r>
+              <a:rPr lang="tr-TR" dirty="0">
+                <a:solidFill>
+                  <a:srgbClr val="243041"/>
+                </a:solidFill>
+                <a:latin typeface="Calibri" panose="020F0502020204030204" pitchFamily="34" charset="0"/>
+                <a:ea typeface="Source Sans Pro" panose="020B0503030403020204" pitchFamily="34" charset="0"/>
+                <a:cs typeface="Calibri" panose="020F0502020204030204" pitchFamily="34" charset="0"/>
+              </a:rPr>
+              <a:t>Bir makinenin yaptığı bestenin insanlar tarafından değerli bulunması neye bağlıdır?</a:t>
+            </a:r>
+          </a:p>
+          <a:p>
+            <a:r>
+              <a:rPr lang="tr-TR" dirty="0">
+                <a:solidFill>
+                  <a:srgbClr val="243041"/>
+                </a:solidFill>
+                <a:latin typeface="Calibri" panose="020F0502020204030204" pitchFamily="34" charset="0"/>
+                <a:ea typeface="Source Sans Pro" panose="020B0503030403020204" pitchFamily="34" charset="0"/>
+                <a:cs typeface="Calibri" panose="020F0502020204030204" pitchFamily="34" charset="0"/>
+              </a:rPr>
+              <a:t>Müzikte yaratıcılık nedir?</a:t>
+            </a:r>
+          </a:p>
+          <a:p>
+            <a:r>
+              <a:rPr lang="tr-TR" dirty="0">
+                <a:solidFill>
+                  <a:srgbClr val="243041"/>
+                </a:solidFill>
+                <a:latin typeface="Calibri" panose="020F0502020204030204" pitchFamily="34" charset="0"/>
+                <a:ea typeface="Source Sans Pro" panose="020B0503030403020204" pitchFamily="34" charset="0"/>
+                <a:cs typeface="Calibri" panose="020F0502020204030204" pitchFamily="34" charset="0"/>
+              </a:rPr>
+              <a:t>İnsan zihni tamamen yeni bir şey yaratabilir mi?</a:t>
+            </a:r>
+          </a:p>
+        </p:txBody>
+      </p:sp>
+      <p:sp>
+        <p:nvSpPr>
+          <p:cNvPr id="4" name="Slide Number Placeholder 3">
+            <a:extLst>
+              <a:ext uri="{FF2B5EF4-FFF2-40B4-BE49-F238E27FC236}">
+                <a16:creationId xmlns:a16="http://schemas.microsoft.com/office/drawing/2014/main" id="{21960B8E-F2EC-0C45-8C3C-47B7B748920B}"/>
+              </a:ext>
+            </a:extLst>
+          </p:cNvPr>
+          <p:cNvSpPr>
+            <a:spLocks noGrp="1"/>
+          </p:cNvSpPr>
+          <p:nvPr>
+            <p:ph type="sldNum" sz="quarter" idx="12"/>
+          </p:nvPr>
+        </p:nvSpPr>
+        <p:spPr/>
+        <p:txBody>
+          <a:bodyPr/>
+          <a:lstStyle/>
+          <a:p>
+            <a:fld id="{0B0A7288-46A4-3940-A53E-A8FC0B879407}" type="slidenum">
+              <a:rPr lang="en-TR" smtClean="0"/>
+              <a:t>4</a:t>
             </a:fld>
             <a:endParaRPr lang="en-TR"/>
           </a:p>

--- a/assets/DL_GUI.pptx
+++ b/assets/DL_GUI.pptx
@@ -5,13 +5,16 @@
     <p:sldMasterId id="2147483660" r:id="rId1"/>
   </p:sldMasterIdLst>
   <p:notesMasterIdLst>
-    <p:notesMasterId r:id="rId6"/>
+    <p:notesMasterId r:id="rId9"/>
   </p:notesMasterIdLst>
   <p:sldIdLst>
     <p:sldId id="259" r:id="rId2"/>
     <p:sldId id="257" r:id="rId3"/>
     <p:sldId id="261" r:id="rId4"/>
-    <p:sldId id="260" r:id="rId5"/>
+    <p:sldId id="262" r:id="rId5"/>
+    <p:sldId id="264" r:id="rId6"/>
+    <p:sldId id="265" r:id="rId7"/>
+    <p:sldId id="260" r:id="rId8"/>
   </p:sldIdLst>
   <p:sldSz cx="9144000" cy="6858000" type="screen4x3"/>
   <p:notesSz cx="6858000" cy="9144000"/>
@@ -3663,8 +3666,21 @@
                   <a:srgbClr val="243041"/>
                 </a:solidFill>
               </a:rPr>
-              <a:t>Grafiksel arayüz</a:t>
-            </a:r>
+              <a:t>Grafiksel </a:t>
+            </a:r>
+            <a:r>
+              <a:rPr lang="tr-TR" sz="3600" dirty="0" err="1">
+                <a:solidFill>
+                  <a:srgbClr val="243041"/>
+                </a:solidFill>
+              </a:rPr>
+              <a:t>arayüz</a:t>
+            </a:r>
+            <a:endParaRPr lang="tr-TR" sz="3600" dirty="0">
+              <a:solidFill>
+                <a:srgbClr val="243041"/>
+              </a:solidFill>
+            </a:endParaRPr>
           </a:p>
           <a:p>
             <a:r>
@@ -3794,110 +3810,30 @@
           <a:lstStyle/>
           <a:p>
             <a:r>
-              <a:rPr lang="tr-TR" dirty="0" err="1">
+              <a:rPr lang="tr-TR" dirty="0">
                 <a:solidFill>
                   <a:srgbClr val="243041"/>
                 </a:solidFill>
               </a:rPr>
-              <a:t>AlphaGo</a:t>
-            </a:r>
+              <a:t>AlphaGo 2016</a:t>
+            </a:r>
+          </a:p>
+          <a:p>
             <a:r>
               <a:rPr lang="tr-TR" dirty="0">
                 <a:solidFill>
                   <a:srgbClr val="243041"/>
                 </a:solidFill>
               </a:rPr>
-              <a:t> 2016</a:t>
-            </a:r>
-          </a:p>
-          <a:p>
-            <a:r>
-              <a:rPr lang="tr-TR" dirty="0" err="1">
+              <a:t>YouTube 2018 → «</a:t>
+            </a:r>
+            <a:r>
+              <a:rPr lang="en-US" dirty="0">
                 <a:solidFill>
                   <a:srgbClr val="243041"/>
                 </a:solidFill>
               </a:rPr>
-              <a:t>YouTube</a:t>
-            </a:r>
-            <a:r>
-              <a:rPr lang="tr-TR" dirty="0">
-                <a:solidFill>
-                  <a:srgbClr val="243041"/>
-                </a:solidFill>
-              </a:rPr>
-              <a:t> 2018 → «Google </a:t>
-            </a:r>
-            <a:r>
-              <a:rPr lang="tr-TR" dirty="0" err="1">
-                <a:solidFill>
-                  <a:srgbClr val="243041"/>
-                </a:solidFill>
-              </a:rPr>
-              <a:t>Assistant</a:t>
-            </a:r>
-            <a:r>
-              <a:rPr lang="tr-TR" dirty="0">
-                <a:solidFill>
-                  <a:srgbClr val="243041"/>
-                </a:solidFill>
-              </a:rPr>
-              <a:t> </a:t>
-            </a:r>
-            <a:r>
-              <a:rPr lang="tr-TR" dirty="0" err="1">
-                <a:solidFill>
-                  <a:srgbClr val="243041"/>
-                </a:solidFill>
-              </a:rPr>
-              <a:t>calling</a:t>
-            </a:r>
-            <a:r>
-              <a:rPr lang="tr-TR" dirty="0">
-                <a:solidFill>
-                  <a:srgbClr val="243041"/>
-                </a:solidFill>
-              </a:rPr>
-              <a:t> a </a:t>
-            </a:r>
-            <a:r>
-              <a:rPr lang="tr-TR" dirty="0" err="1">
-                <a:solidFill>
-                  <a:srgbClr val="243041"/>
-                </a:solidFill>
-              </a:rPr>
-              <a:t>restaurant</a:t>
-            </a:r>
-            <a:r>
-              <a:rPr lang="tr-TR" dirty="0">
-                <a:solidFill>
-                  <a:srgbClr val="243041"/>
-                </a:solidFill>
-              </a:rPr>
-              <a:t> </a:t>
-            </a:r>
-            <a:r>
-              <a:rPr lang="tr-TR" dirty="0" err="1">
-                <a:solidFill>
-                  <a:srgbClr val="243041"/>
-                </a:solidFill>
-              </a:rPr>
-              <a:t>for</a:t>
-            </a:r>
-            <a:r>
-              <a:rPr lang="tr-TR" dirty="0">
-                <a:solidFill>
-                  <a:srgbClr val="243041"/>
-                </a:solidFill>
-              </a:rPr>
-              <a:t> a </a:t>
-            </a:r>
-            <a:r>
-              <a:rPr lang="tr-TR" dirty="0" err="1">
-                <a:solidFill>
-                  <a:srgbClr val="243041"/>
-                </a:solidFill>
-              </a:rPr>
-              <a:t>reservation</a:t>
+              <a:t>Google Assistant calling a restaurant for a reservation</a:t>
             </a:r>
             <a:r>
               <a:rPr lang="tr-TR" dirty="0">
@@ -3910,28 +3846,20 @@
           </a:p>
           <a:p>
             <a:r>
+              <a:rPr lang="en-US" dirty="0">
+                <a:solidFill>
+                  <a:srgbClr val="243041"/>
+                </a:solidFill>
+              </a:rPr>
+              <a:t>Bach doodle </a:t>
+            </a:r>
+            <a:r>
               <a:rPr lang="tr-TR" dirty="0">
                 <a:solidFill>
                   <a:srgbClr val="243041"/>
                 </a:solidFill>
               </a:rPr>
-              <a:t>Bach </a:t>
-            </a:r>
-            <a:r>
-              <a:rPr lang="tr-TR" dirty="0" err="1">
-                <a:solidFill>
-                  <a:srgbClr val="243041"/>
-                </a:solidFill>
-              </a:rPr>
-              <a:t>doodle</a:t>
-            </a:r>
-            <a:r>
-              <a:rPr lang="tr-TR" dirty="0">
-                <a:solidFill>
-                  <a:srgbClr val="243041"/>
-                </a:solidFill>
-              </a:rPr>
-              <a:t> 2019 (</a:t>
+              <a:t>2019 (</a:t>
             </a:r>
             <a:r>
               <a:rPr lang="tr-TR" sz="2000" dirty="0">
@@ -4039,9 +3967,367 @@
                   <a:srgbClr val="243041"/>
                 </a:solidFill>
                 <a:latin typeface="Cambria" panose="02040503050406030204" pitchFamily="18" charset="0"/>
-                <a:ea typeface="Cambria" panose="02040503050406030204" pitchFamily="18" charset="0"/>
               </a:rPr>
-              <a:t>Düşünme Egzersizleri</a:t>
+              <a:t>İfade Biçimleri</a:t>
+            </a:r>
+          </a:p>
+        </p:txBody>
+      </p:sp>
+      <p:sp>
+        <p:nvSpPr>
+          <p:cNvPr id="4" name="Slide Number Placeholder 3">
+            <a:extLst>
+              <a:ext uri="{FF2B5EF4-FFF2-40B4-BE49-F238E27FC236}">
+                <a16:creationId xmlns:a16="http://schemas.microsoft.com/office/drawing/2014/main" id="{21960B8E-F2EC-0C45-8C3C-47B7B748920B}"/>
+              </a:ext>
+            </a:extLst>
+          </p:cNvPr>
+          <p:cNvSpPr>
+            <a:spLocks noGrp="1"/>
+          </p:cNvSpPr>
+          <p:nvPr>
+            <p:ph type="sldNum" sz="quarter" idx="12"/>
+          </p:nvPr>
+        </p:nvSpPr>
+        <p:spPr/>
+        <p:txBody>
+          <a:bodyPr/>
+          <a:lstStyle/>
+          <a:p>
+            <a:fld id="{0B0A7288-46A4-3940-A53E-A8FC0B879407}" type="slidenum">
+              <a:rPr lang="en-TR" smtClean="0"/>
+              <a:t>4</a:t>
+            </a:fld>
+            <a:endParaRPr lang="en-TR"/>
+          </a:p>
+        </p:txBody>
+      </p:sp>
+      <p:sp>
+        <p:nvSpPr>
+          <p:cNvPr id="7" name="Content Placeholder 6">
+            <a:extLst>
+              <a:ext uri="{FF2B5EF4-FFF2-40B4-BE49-F238E27FC236}">
+                <a16:creationId xmlns:a16="http://schemas.microsoft.com/office/drawing/2014/main" id="{6B78003D-8714-497B-96BB-3AD98EF41CCB}"/>
+              </a:ext>
+            </a:extLst>
+          </p:cNvPr>
+          <p:cNvSpPr>
+            <a:spLocks noGrp="1"/>
+          </p:cNvSpPr>
+          <p:nvPr>
+            <p:ph idx="1"/>
+          </p:nvPr>
+        </p:nvSpPr>
+        <p:spPr/>
+        <p:txBody>
+          <a:bodyPr/>
+          <a:lstStyle/>
+          <a:p>
+            <a:pPr marL="0" indent="0" algn="l" defTabSz="914400" rtl="0" eaLnBrk="1" latinLnBrk="0" hangingPunct="1">
+              <a:lnSpc>
+                <a:spcPct val="90000"/>
+              </a:lnSpc>
+              <a:spcBef>
+                <a:spcPts val="1000"/>
+              </a:spcBef>
+              <a:buFont typeface="Arial" panose="020B0604020202020204" pitchFamily="34" charset="0"/>
+              <a:buNone/>
+            </a:pPr>
+            <a:r>
+              <a:rPr lang="tr-TR" sz="2800" kern="1200" dirty="0">
+                <a:solidFill>
+                  <a:srgbClr val="243041"/>
+                </a:solidFill>
+                <a:latin typeface="+mn-lt"/>
+                <a:ea typeface="+mn-ea"/>
+                <a:cs typeface="+mn-cs"/>
+              </a:rPr>
+              <a:t>Ses Dosyası:</a:t>
+            </a:r>
+          </a:p>
+          <a:p>
+            <a:pPr marL="0" indent="0" algn="l" defTabSz="914400" rtl="0" eaLnBrk="1" latinLnBrk="0" hangingPunct="1">
+              <a:lnSpc>
+                <a:spcPct val="90000"/>
+              </a:lnSpc>
+              <a:spcBef>
+                <a:spcPts val="1000"/>
+              </a:spcBef>
+              <a:buFont typeface="Arial" panose="020B0604020202020204" pitchFamily="34" charset="0"/>
+              <a:buNone/>
+            </a:pPr>
+            <a:r>
+              <a:rPr lang="tr-TR" dirty="0">
+                <a:solidFill>
+                  <a:srgbClr val="243041"/>
+                </a:solidFill>
+              </a:rPr>
+              <a:t>Şekil</a:t>
+            </a:r>
+            <a:endParaRPr lang="tr-TR" sz="2800" kern="1200" dirty="0">
+              <a:solidFill>
+                <a:srgbClr val="243041"/>
+              </a:solidFill>
+              <a:latin typeface="+mn-lt"/>
+              <a:ea typeface="+mn-ea"/>
+              <a:cs typeface="+mn-cs"/>
+            </a:endParaRPr>
+          </a:p>
+          <a:p>
+            <a:pPr marL="0" indent="0" algn="l" defTabSz="914400" rtl="0" eaLnBrk="1" latinLnBrk="0" hangingPunct="1">
+              <a:lnSpc>
+                <a:spcPct val="90000"/>
+              </a:lnSpc>
+              <a:spcBef>
+                <a:spcPts val="1000"/>
+              </a:spcBef>
+              <a:buFont typeface="Arial" panose="020B0604020202020204" pitchFamily="34" charset="0"/>
+              <a:buNone/>
+            </a:pPr>
+            <a:r>
+              <a:rPr lang="tr-TR" sz="2800" kern="1200" dirty="0">
+                <a:solidFill>
+                  <a:srgbClr val="243041"/>
+                </a:solidFill>
+                <a:latin typeface="+mn-lt"/>
+                <a:ea typeface="+mn-ea"/>
+                <a:cs typeface="+mn-cs"/>
+              </a:rPr>
+              <a:t>44.100 (</a:t>
+            </a:r>
+            <a:r>
+              <a:rPr lang="tr-TR" sz="2800" kern="1200" baseline="30000" dirty="0">
+                <a:solidFill>
+                  <a:srgbClr val="243041"/>
+                </a:solidFill>
+                <a:latin typeface="+mn-lt"/>
+                <a:ea typeface="+mn-ea"/>
+                <a:cs typeface="+mn-cs"/>
+              </a:rPr>
+              <a:t>örnek</a:t>
+            </a:r>
+            <a:r>
+              <a:rPr lang="tr-TR" sz="2800" kern="1200" dirty="0">
+                <a:solidFill>
+                  <a:srgbClr val="243041"/>
+                </a:solidFill>
+                <a:latin typeface="+mn-lt"/>
+                <a:ea typeface="+mn-ea"/>
+                <a:cs typeface="+mn-cs"/>
+              </a:rPr>
+              <a:t>/</a:t>
+            </a:r>
+            <a:r>
+              <a:rPr lang="tr-TR" sz="2800" kern="1200" baseline="-25000" dirty="0">
+                <a:solidFill>
+                  <a:srgbClr val="243041"/>
+                </a:solidFill>
+                <a:latin typeface="+mn-lt"/>
+                <a:ea typeface="+mn-ea"/>
+                <a:cs typeface="+mn-cs"/>
+              </a:rPr>
+              <a:t>saniye</a:t>
+            </a:r>
+            <a:r>
+              <a:rPr lang="tr-TR" sz="2800" kern="1200" dirty="0">
+                <a:solidFill>
+                  <a:srgbClr val="243041"/>
+                </a:solidFill>
+                <a:latin typeface="+mn-lt"/>
+                <a:ea typeface="+mn-ea"/>
+                <a:cs typeface="+mn-cs"/>
+              </a:rPr>
+              <a:t>) × 120 </a:t>
+            </a:r>
+            <a:r>
+              <a:rPr lang="tr-TR" sz="2000" kern="1200" dirty="0">
+                <a:solidFill>
+                  <a:srgbClr val="243041"/>
+                </a:solidFill>
+                <a:latin typeface="+mn-lt"/>
+                <a:ea typeface="+mn-ea"/>
+                <a:cs typeface="+mn-cs"/>
+              </a:rPr>
+              <a:t>saniye</a:t>
+            </a:r>
+            <a:r>
+              <a:rPr lang="tr-TR" sz="2800" kern="1200" dirty="0">
+                <a:solidFill>
+                  <a:srgbClr val="243041"/>
+                </a:solidFill>
+                <a:latin typeface="+mn-lt"/>
+                <a:ea typeface="+mn-ea"/>
+                <a:cs typeface="+mn-cs"/>
+              </a:rPr>
+              <a:t> =</a:t>
+            </a:r>
+            <a:r>
+              <a:rPr lang="tr-TR" dirty="0">
+                <a:solidFill>
+                  <a:srgbClr val="243041"/>
+                </a:solidFill>
+              </a:rPr>
+              <a:t> </a:t>
+            </a:r>
+            <a:r>
+              <a:rPr lang="tr-TR" sz="2800" kern="1200" dirty="0">
+                <a:solidFill>
+                  <a:srgbClr val="243041"/>
+                </a:solidFill>
+                <a:latin typeface="+mn-lt"/>
+                <a:ea typeface="+mn-ea"/>
+                <a:cs typeface="+mn-cs"/>
+              </a:rPr>
+              <a:t>5.292.000 örnek</a:t>
+            </a:r>
+          </a:p>
+          <a:p>
+            <a:pPr marL="0" indent="0" algn="l" defTabSz="914400" rtl="0" eaLnBrk="1" latinLnBrk="0" hangingPunct="1">
+              <a:lnSpc>
+                <a:spcPct val="90000"/>
+              </a:lnSpc>
+              <a:spcBef>
+                <a:spcPts val="1000"/>
+              </a:spcBef>
+              <a:buFont typeface="Arial" panose="020B0604020202020204" pitchFamily="34" charset="0"/>
+              <a:buNone/>
+            </a:pPr>
+            <a:endParaRPr lang="tr-TR" dirty="0">
+              <a:solidFill>
+                <a:srgbClr val="243041"/>
+              </a:solidFill>
+            </a:endParaRPr>
+          </a:p>
+          <a:p>
+            <a:pPr marL="0" indent="0" algn="l" defTabSz="914400" rtl="0" eaLnBrk="1" latinLnBrk="0" hangingPunct="1">
+              <a:lnSpc>
+                <a:spcPct val="90000"/>
+              </a:lnSpc>
+              <a:spcBef>
+                <a:spcPts val="1000"/>
+              </a:spcBef>
+              <a:buFont typeface="Arial" panose="020B0604020202020204" pitchFamily="34" charset="0"/>
+              <a:buNone/>
+            </a:pPr>
+            <a:r>
+              <a:rPr lang="tr-TR" dirty="0">
+                <a:solidFill>
+                  <a:srgbClr val="243041"/>
+                </a:solidFill>
+              </a:rPr>
+              <a:t>Sembolik:</a:t>
+            </a:r>
+          </a:p>
+          <a:p>
+            <a:pPr marL="0" indent="0" algn="l" defTabSz="914400" rtl="0" eaLnBrk="1" latinLnBrk="0" hangingPunct="1">
+              <a:lnSpc>
+                <a:spcPct val="90000"/>
+              </a:lnSpc>
+              <a:spcBef>
+                <a:spcPts val="1000"/>
+              </a:spcBef>
+              <a:buFont typeface="Arial" panose="020B0604020202020204" pitchFamily="34" charset="0"/>
+              <a:buNone/>
+            </a:pPr>
+            <a:r>
+              <a:rPr lang="tr-TR" dirty="0">
+                <a:solidFill>
+                  <a:srgbClr val="243041"/>
+                </a:solidFill>
+              </a:rPr>
+              <a:t>La4:1/4, Do5:1/8, Si4:1/8, …, La4:1/4</a:t>
+            </a:r>
+          </a:p>
+          <a:p>
+            <a:pPr marL="0" indent="0" algn="l" defTabSz="914400" rtl="0" eaLnBrk="1" latinLnBrk="0" hangingPunct="1">
+              <a:lnSpc>
+                <a:spcPct val="90000"/>
+              </a:lnSpc>
+              <a:spcBef>
+                <a:spcPts val="1000"/>
+              </a:spcBef>
+              <a:buFont typeface="Arial" panose="020B0604020202020204" pitchFamily="34" charset="0"/>
+              <a:buNone/>
+            </a:pPr>
+            <a:r>
+              <a:rPr lang="tr-TR" sz="2800" kern="1200" dirty="0">
+                <a:solidFill>
+                  <a:srgbClr val="243041"/>
+                </a:solidFill>
+                <a:latin typeface="+mn-lt"/>
+                <a:ea typeface="+mn-ea"/>
+                <a:cs typeface="+mn-cs"/>
+              </a:rPr>
+              <a:t>200 örnek</a:t>
+            </a:r>
+          </a:p>
+          <a:p>
+            <a:pPr marL="0" indent="0">
+              <a:buNone/>
+            </a:pPr>
+            <a:endParaRPr lang="tr-TR" dirty="0"/>
+          </a:p>
+        </p:txBody>
+      </p:sp>
+    </p:spTree>
+    <p:extLst>
+      <p:ext uri="{BB962C8B-B14F-4D97-AF65-F5344CB8AC3E}">
+        <p14:creationId xmlns:p14="http://schemas.microsoft.com/office/powerpoint/2010/main" val="333638035"/>
+      </p:ext>
+    </p:extLst>
+  </p:cSld>
+  <p:clrMapOvr>
+    <a:masterClrMapping/>
+  </p:clrMapOvr>
+</p:sld>
+</file>
+
+<file path=ppt/slides/slide5.xml><?xml version="1.0" encoding="utf-8"?>
+<p:sld xmlns:a="http://schemas.openxmlformats.org/drawingml/2006/main" xmlns:r="http://schemas.openxmlformats.org/officeDocument/2006/relationships" xmlns:p="http://schemas.openxmlformats.org/presentationml/2006/main">
+  <p:cSld>
+    <p:spTree>
+      <p:nvGrpSpPr>
+        <p:cNvPr id="1" name=""/>
+        <p:cNvGrpSpPr/>
+        <p:nvPr/>
+      </p:nvGrpSpPr>
+      <p:grpSpPr>
+        <a:xfrm>
+          <a:off x="0" y="0"/>
+          <a:ext cx="0" cy="0"/>
+          <a:chOff x="0" y="0"/>
+          <a:chExt cx="0" cy="0"/>
+        </a:xfrm>
+      </p:grpSpPr>
+      <p:sp>
+        <p:nvSpPr>
+          <p:cNvPr id="2" name="Title 1">
+            <a:extLst>
+              <a:ext uri="{FF2B5EF4-FFF2-40B4-BE49-F238E27FC236}">
+                <a16:creationId xmlns:a16="http://schemas.microsoft.com/office/drawing/2014/main" id="{D1B1EED6-F70F-2C42-982B-7304BE48B48E}"/>
+              </a:ext>
+            </a:extLst>
+          </p:cNvPr>
+          <p:cNvSpPr>
+            <a:spLocks noGrp="1"/>
+          </p:cNvSpPr>
+          <p:nvPr>
+            <p:ph type="title"/>
+          </p:nvPr>
+        </p:nvSpPr>
+        <p:spPr/>
+        <p:txBody>
+          <a:bodyPr/>
+          <a:lstStyle/>
+          <a:p>
+            <a:r>
+              <a:rPr lang="tr-TR" dirty="0">
+                <a:solidFill>
+                  <a:srgbClr val="243041"/>
+                </a:solidFill>
+                <a:latin typeface="Cambria" panose="02040503050406030204" pitchFamily="18" charset="0"/>
+              </a:rPr>
+              <a:t>Otomatik Türk Makam Müziği Bestecisi (OTMMB)</a:t>
             </a:r>
           </a:p>
         </p:txBody>
@@ -4064,45 +4350,21 @@
         </p:nvSpPr>
         <p:spPr/>
         <p:txBody>
-          <a:bodyPr/>
-          <a:lstStyle/>
-          <a:p>
-            <a:r>
-              <a:rPr lang="tr-TR" dirty="0">
+          <a:bodyPr>
+            <a:normAutofit/>
+          </a:bodyPr>
+          <a:lstStyle/>
+          <a:p>
+            <a:pPr marL="0" indent="0">
+              <a:buNone/>
+            </a:pPr>
+            <a:r>
+              <a:rPr lang="tr-TR" sz="3600" dirty="0">
                 <a:solidFill>
                   <a:srgbClr val="243041"/>
                 </a:solidFill>
-                <a:latin typeface="Calibri" panose="020F0502020204030204" pitchFamily="34" charset="0"/>
-                <a:ea typeface="Source Sans Pro" panose="020B0503030403020204" pitchFamily="34" charset="0"/>
-                <a:cs typeface="Calibri" panose="020F0502020204030204" pitchFamily="34" charset="0"/>
               </a:rPr>
-              <a:t>Bir makinenin yaptığı bestenin insanlar tarafından değerli bulunması neye bağlıdır?</a:t>
-            </a:r>
-          </a:p>
-          <a:p>
-            <a:r>
-              <a:rPr lang="tr-TR" dirty="0">
-                <a:solidFill>
-                  <a:srgbClr val="243041"/>
-                </a:solidFill>
-                <a:latin typeface="Calibri" panose="020F0502020204030204" pitchFamily="34" charset="0"/>
-                <a:ea typeface="Source Sans Pro" panose="020B0503030403020204" pitchFamily="34" charset="0"/>
-                <a:cs typeface="Calibri" panose="020F0502020204030204" pitchFamily="34" charset="0"/>
-              </a:rPr>
-              <a:t>Müzikte yaratıcılık nedir?</a:t>
-            </a:r>
-          </a:p>
-          <a:p>
-            <a:r>
-              <a:rPr lang="tr-TR" dirty="0">
-                <a:solidFill>
-                  <a:srgbClr val="243041"/>
-                </a:solidFill>
-                <a:latin typeface="Calibri" panose="020F0502020204030204" pitchFamily="34" charset="0"/>
-                <a:ea typeface="Source Sans Pro" panose="020B0503030403020204" pitchFamily="34" charset="0"/>
-                <a:cs typeface="Calibri" panose="020F0502020204030204" pitchFamily="34" charset="0"/>
-              </a:rPr>
-              <a:t>İnsan zihni tamamen yeni bir şey yaratabilir mi?</a:t>
+              <a:t>Şekil</a:t>
             </a:r>
           </a:p>
         </p:txBody>
@@ -4130,7 +4392,290 @@
           <a:p>
             <a:fld id="{0B0A7288-46A4-3940-A53E-A8FC0B879407}" type="slidenum">
               <a:rPr lang="en-TR" smtClean="0"/>
-              <a:t>4</a:t>
+              <a:t>5</a:t>
+            </a:fld>
+            <a:endParaRPr lang="en-TR"/>
+          </a:p>
+        </p:txBody>
+      </p:sp>
+    </p:spTree>
+    <p:extLst>
+      <p:ext uri="{BB962C8B-B14F-4D97-AF65-F5344CB8AC3E}">
+        <p14:creationId xmlns:p14="http://schemas.microsoft.com/office/powerpoint/2010/main" val="3492450488"/>
+      </p:ext>
+    </p:extLst>
+  </p:cSld>
+  <p:clrMapOvr>
+    <a:masterClrMapping/>
+  </p:clrMapOvr>
+</p:sld>
+</file>
+
+<file path=ppt/slides/slide6.xml><?xml version="1.0" encoding="utf-8"?>
+<p:sld xmlns:a="http://schemas.openxmlformats.org/drawingml/2006/main" xmlns:r="http://schemas.openxmlformats.org/officeDocument/2006/relationships" xmlns:p="http://schemas.openxmlformats.org/presentationml/2006/main">
+  <p:cSld>
+    <p:spTree>
+      <p:nvGrpSpPr>
+        <p:cNvPr id="1" name=""/>
+        <p:cNvGrpSpPr/>
+        <p:nvPr/>
+      </p:nvGrpSpPr>
+      <p:grpSpPr>
+        <a:xfrm>
+          <a:off x="0" y="0"/>
+          <a:ext cx="0" cy="0"/>
+          <a:chOff x="0" y="0"/>
+          <a:chExt cx="0" cy="0"/>
+        </a:xfrm>
+      </p:grpSpPr>
+      <p:sp>
+        <p:nvSpPr>
+          <p:cNvPr id="2" name="Title 1">
+            <a:extLst>
+              <a:ext uri="{FF2B5EF4-FFF2-40B4-BE49-F238E27FC236}">
+                <a16:creationId xmlns:a16="http://schemas.microsoft.com/office/drawing/2014/main" id="{D1B1EED6-F70F-2C42-982B-7304BE48B48E}"/>
+              </a:ext>
+            </a:extLst>
+          </p:cNvPr>
+          <p:cNvSpPr>
+            <a:spLocks noGrp="1"/>
+          </p:cNvSpPr>
+          <p:nvPr>
+            <p:ph type="title"/>
+          </p:nvPr>
+        </p:nvSpPr>
+        <p:spPr/>
+        <p:txBody>
+          <a:bodyPr/>
+          <a:lstStyle/>
+          <a:p>
+            <a:r>
+              <a:rPr lang="tr-TR" dirty="0">
+                <a:solidFill>
+                  <a:srgbClr val="243041"/>
+                </a:solidFill>
+                <a:latin typeface="Cambria" panose="02040503050406030204" pitchFamily="18" charset="0"/>
+              </a:rPr>
+              <a:t>Grafiksel Arayüz</a:t>
+            </a:r>
+          </a:p>
+        </p:txBody>
+      </p:sp>
+      <p:sp>
+        <p:nvSpPr>
+          <p:cNvPr id="3" name="Content Placeholder 2">
+            <a:extLst>
+              <a:ext uri="{FF2B5EF4-FFF2-40B4-BE49-F238E27FC236}">
+                <a16:creationId xmlns:a16="http://schemas.microsoft.com/office/drawing/2014/main" id="{4E958FD7-5D47-F247-A470-4E94A4F14BAB}"/>
+              </a:ext>
+            </a:extLst>
+          </p:cNvPr>
+          <p:cNvSpPr>
+            <a:spLocks noGrp="1"/>
+          </p:cNvSpPr>
+          <p:nvPr>
+            <p:ph idx="1"/>
+          </p:nvPr>
+        </p:nvSpPr>
+        <p:spPr/>
+        <p:txBody>
+          <a:bodyPr>
+            <a:normAutofit/>
+          </a:bodyPr>
+          <a:lstStyle/>
+          <a:p>
+            <a:pPr marL="0" indent="0">
+              <a:buNone/>
+            </a:pPr>
+            <a:r>
+              <a:rPr lang="tr-TR" sz="3600" dirty="0">
+                <a:solidFill>
+                  <a:srgbClr val="243041"/>
+                </a:solidFill>
+              </a:rPr>
+              <a:t>http://music.cs.deu.edu.tr/tmmgui/</a:t>
+            </a:r>
+          </a:p>
+        </p:txBody>
+      </p:sp>
+      <p:sp>
+        <p:nvSpPr>
+          <p:cNvPr id="4" name="Slide Number Placeholder 3">
+            <a:extLst>
+              <a:ext uri="{FF2B5EF4-FFF2-40B4-BE49-F238E27FC236}">
+                <a16:creationId xmlns:a16="http://schemas.microsoft.com/office/drawing/2014/main" id="{21960B8E-F2EC-0C45-8C3C-47B7B748920B}"/>
+              </a:ext>
+            </a:extLst>
+          </p:cNvPr>
+          <p:cNvSpPr>
+            <a:spLocks noGrp="1"/>
+          </p:cNvSpPr>
+          <p:nvPr>
+            <p:ph type="sldNum" sz="quarter" idx="12"/>
+          </p:nvPr>
+        </p:nvSpPr>
+        <p:spPr/>
+        <p:txBody>
+          <a:bodyPr/>
+          <a:lstStyle/>
+          <a:p>
+            <a:fld id="{0B0A7288-46A4-3940-A53E-A8FC0B879407}" type="slidenum">
+              <a:rPr lang="en-TR" smtClean="0"/>
+              <a:t>6</a:t>
+            </a:fld>
+            <a:endParaRPr lang="en-TR"/>
+          </a:p>
+        </p:txBody>
+      </p:sp>
+    </p:spTree>
+    <p:extLst>
+      <p:ext uri="{BB962C8B-B14F-4D97-AF65-F5344CB8AC3E}">
+        <p14:creationId xmlns:p14="http://schemas.microsoft.com/office/powerpoint/2010/main" val="4138693522"/>
+      </p:ext>
+    </p:extLst>
+  </p:cSld>
+  <p:clrMapOvr>
+    <a:masterClrMapping/>
+  </p:clrMapOvr>
+</p:sld>
+</file>
+
+<file path=ppt/slides/slide7.xml><?xml version="1.0" encoding="utf-8"?>
+<p:sld xmlns:a="http://schemas.openxmlformats.org/drawingml/2006/main" xmlns:r="http://schemas.openxmlformats.org/officeDocument/2006/relationships" xmlns:p="http://schemas.openxmlformats.org/presentationml/2006/main">
+  <p:cSld>
+    <p:spTree>
+      <p:nvGrpSpPr>
+        <p:cNvPr id="1" name=""/>
+        <p:cNvGrpSpPr/>
+        <p:nvPr/>
+      </p:nvGrpSpPr>
+      <p:grpSpPr>
+        <a:xfrm>
+          <a:off x="0" y="0"/>
+          <a:ext cx="0" cy="0"/>
+          <a:chOff x="0" y="0"/>
+          <a:chExt cx="0" cy="0"/>
+        </a:xfrm>
+      </p:grpSpPr>
+      <p:sp>
+        <p:nvSpPr>
+          <p:cNvPr id="2" name="Title 1">
+            <a:extLst>
+              <a:ext uri="{FF2B5EF4-FFF2-40B4-BE49-F238E27FC236}">
+                <a16:creationId xmlns:a16="http://schemas.microsoft.com/office/drawing/2014/main" id="{D1B1EED6-F70F-2C42-982B-7304BE48B48E}"/>
+              </a:ext>
+            </a:extLst>
+          </p:cNvPr>
+          <p:cNvSpPr>
+            <a:spLocks noGrp="1"/>
+          </p:cNvSpPr>
+          <p:nvPr>
+            <p:ph type="title"/>
+          </p:nvPr>
+        </p:nvSpPr>
+        <p:spPr/>
+        <p:txBody>
+          <a:bodyPr/>
+          <a:lstStyle/>
+          <a:p>
+            <a:r>
+              <a:rPr lang="tr-TR" dirty="0">
+                <a:solidFill>
+                  <a:srgbClr val="243041"/>
+                </a:solidFill>
+                <a:latin typeface="Cambria" panose="02040503050406030204" pitchFamily="18" charset="0"/>
+                <a:ea typeface="Cambria" panose="02040503050406030204" pitchFamily="18" charset="0"/>
+              </a:rPr>
+              <a:t>Düşünme Egzersizleri</a:t>
+            </a:r>
+          </a:p>
+        </p:txBody>
+      </p:sp>
+      <p:sp>
+        <p:nvSpPr>
+          <p:cNvPr id="3" name="Content Placeholder 2">
+            <a:extLst>
+              <a:ext uri="{FF2B5EF4-FFF2-40B4-BE49-F238E27FC236}">
+                <a16:creationId xmlns:a16="http://schemas.microsoft.com/office/drawing/2014/main" id="{4E958FD7-5D47-F247-A470-4E94A4F14BAB}"/>
+              </a:ext>
+            </a:extLst>
+          </p:cNvPr>
+          <p:cNvSpPr>
+            <a:spLocks noGrp="1"/>
+          </p:cNvSpPr>
+          <p:nvPr>
+            <p:ph idx="1"/>
+          </p:nvPr>
+        </p:nvSpPr>
+        <p:spPr/>
+        <p:txBody>
+          <a:bodyPr/>
+          <a:lstStyle/>
+          <a:p>
+            <a:r>
+              <a:rPr lang="tr-TR" dirty="0">
+                <a:solidFill>
+                  <a:srgbClr val="243041"/>
+                </a:solidFill>
+                <a:latin typeface="Calibri" panose="020F0502020204030204" pitchFamily="34" charset="0"/>
+                <a:ea typeface="Source Sans Pro" panose="020B0503030403020204" pitchFamily="34" charset="0"/>
+                <a:cs typeface="Calibri" panose="020F0502020204030204" pitchFamily="34" charset="0"/>
+              </a:rPr>
+              <a:t>Bir makinenin yaptığı bestenin insanlar tarafından değerli bulunması neye bağlıdır?</a:t>
+            </a:r>
+          </a:p>
+          <a:p>
+            <a:r>
+              <a:rPr lang="tr-TR" dirty="0">
+                <a:solidFill>
+                  <a:srgbClr val="243041"/>
+                </a:solidFill>
+                <a:latin typeface="Calibri" panose="020F0502020204030204" pitchFamily="34" charset="0"/>
+                <a:ea typeface="Source Sans Pro" panose="020B0503030403020204" pitchFamily="34" charset="0"/>
+                <a:cs typeface="Calibri" panose="020F0502020204030204" pitchFamily="34" charset="0"/>
+              </a:rPr>
+              <a:t>Müzikte yaratıcılık nedir?</a:t>
+            </a:r>
+          </a:p>
+          <a:p>
+            <a:r>
+              <a:rPr lang="tr-TR" dirty="0">
+                <a:solidFill>
+                  <a:srgbClr val="243041"/>
+                </a:solidFill>
+                <a:latin typeface="Calibri" panose="020F0502020204030204" pitchFamily="34" charset="0"/>
+                <a:ea typeface="Source Sans Pro" panose="020B0503030403020204" pitchFamily="34" charset="0"/>
+                <a:cs typeface="Calibri" panose="020F0502020204030204" pitchFamily="34" charset="0"/>
+              </a:rPr>
+              <a:t>İnsan zihni tamamen yeni bir şey yaratabilir mi?</a:t>
+            </a:r>
+          </a:p>
+        </p:txBody>
+      </p:sp>
+      <p:sp>
+        <p:nvSpPr>
+          <p:cNvPr id="4" name="Slide Number Placeholder 3">
+            <a:extLst>
+              <a:ext uri="{FF2B5EF4-FFF2-40B4-BE49-F238E27FC236}">
+                <a16:creationId xmlns:a16="http://schemas.microsoft.com/office/drawing/2014/main" id="{21960B8E-F2EC-0C45-8C3C-47B7B748920B}"/>
+              </a:ext>
+            </a:extLst>
+          </p:cNvPr>
+          <p:cNvSpPr>
+            <a:spLocks noGrp="1"/>
+          </p:cNvSpPr>
+          <p:nvPr>
+            <p:ph type="sldNum" sz="quarter" idx="12"/>
+          </p:nvPr>
+        </p:nvSpPr>
+        <p:spPr/>
+        <p:txBody>
+          <a:bodyPr/>
+          <a:lstStyle/>
+          <a:p>
+            <a:fld id="{0B0A7288-46A4-3940-A53E-A8FC0B879407}" type="slidenum">
+              <a:rPr lang="en-TR" smtClean="0"/>
+              <a:t>7</a:t>
             </a:fld>
             <a:endParaRPr lang="en-TR"/>
           </a:p>

--- a/assets/DL_GUI.pptx
+++ b/assets/DL_GUI.pptx
@@ -5,16 +5,17 @@
     <p:sldMasterId id="2147483660" r:id="rId1"/>
   </p:sldMasterIdLst>
   <p:notesMasterIdLst>
-    <p:notesMasterId r:id="rId9"/>
+    <p:notesMasterId r:id="rId10"/>
   </p:notesMasterIdLst>
   <p:sldIdLst>
     <p:sldId id="259" r:id="rId2"/>
     <p:sldId id="257" r:id="rId3"/>
     <p:sldId id="261" r:id="rId4"/>
     <p:sldId id="262" r:id="rId5"/>
-    <p:sldId id="264" r:id="rId6"/>
-    <p:sldId id="265" r:id="rId7"/>
-    <p:sldId id="260" r:id="rId8"/>
+    <p:sldId id="266" r:id="rId6"/>
+    <p:sldId id="267" r:id="rId7"/>
+    <p:sldId id="265" r:id="rId8"/>
+    <p:sldId id="260" r:id="rId9"/>
   </p:sldIdLst>
   <p:sldSz cx="9144000" cy="6858000" type="screen4x3"/>
   <p:notesSz cx="6858000" cy="9144000"/>
@@ -203,7 +204,7 @@
           <a:p>
             <a:fld id="{BA8D1F55-E99F-5045-8C53-3D21CEBDAA6D}" type="datetimeFigureOut">
               <a:rPr lang="tr-TR" smtClean="0"/>
-              <a:t>11.05.2021</a:t>
+              <a:t>12.05.2021</a:t>
             </a:fld>
             <a:endParaRPr lang="tr-TR" dirty="0"/>
           </a:p>
@@ -602,7 +603,7 @@
           <a:p>
             <a:fld id="{36D0695C-02F7-9E48-99F1-CA76EC165F5F}" type="datetime1">
               <a:rPr lang="tr-TR" smtClean="0"/>
-              <a:t>11.05.2021</a:t>
+              <a:t>12.05.2021</a:t>
             </a:fld>
             <a:endParaRPr lang="en-TR"/>
           </a:p>
@@ -772,7 +773,7 @@
           <a:p>
             <a:fld id="{07669073-FE43-284E-877E-F9D0B9FECE40}" type="datetime1">
               <a:rPr lang="tr-TR" smtClean="0"/>
-              <a:t>11.05.2021</a:t>
+              <a:t>12.05.2021</a:t>
             </a:fld>
             <a:endParaRPr lang="en-TR"/>
           </a:p>
@@ -952,7 +953,7 @@
           <a:p>
             <a:fld id="{93417FB8-E891-1145-9AF2-F81283B1CC0B}" type="datetime1">
               <a:rPr lang="tr-TR" smtClean="0"/>
-              <a:t>11.05.2021</a:t>
+              <a:t>12.05.2021</a:t>
             </a:fld>
             <a:endParaRPr lang="en-TR"/>
           </a:p>
@@ -1122,7 +1123,7 @@
           <a:p>
             <a:fld id="{7BB4C77B-42F8-394E-B013-479195A17602}" type="datetime1">
               <a:rPr lang="tr-TR" smtClean="0"/>
-              <a:t>11.05.2021</a:t>
+              <a:t>12.05.2021</a:t>
             </a:fld>
             <a:endParaRPr lang="en-TR"/>
           </a:p>
@@ -1366,7 +1367,7 @@
           <a:p>
             <a:fld id="{F35B99F1-B0D2-B54F-A547-A51617C4E854}" type="datetime1">
               <a:rPr lang="tr-TR" smtClean="0"/>
-              <a:t>11.05.2021</a:t>
+              <a:t>12.05.2021</a:t>
             </a:fld>
             <a:endParaRPr lang="en-TR"/>
           </a:p>
@@ -1598,7 +1599,7 @@
           <a:p>
             <a:fld id="{E2F121C7-DD52-C240-90E9-DF6893BE1BE2}" type="datetime1">
               <a:rPr lang="tr-TR" smtClean="0"/>
-              <a:t>11.05.2021</a:t>
+              <a:t>12.05.2021</a:t>
             </a:fld>
             <a:endParaRPr lang="en-TR"/>
           </a:p>
@@ -1965,7 +1966,7 @@
           <a:p>
             <a:fld id="{53929604-B735-B94D-B9DF-70C67D50649B}" type="datetime1">
               <a:rPr lang="tr-TR" smtClean="0"/>
-              <a:t>11.05.2021</a:t>
+              <a:t>12.05.2021</a:t>
             </a:fld>
             <a:endParaRPr lang="en-TR"/>
           </a:p>
@@ -2083,7 +2084,7 @@
           <a:p>
             <a:fld id="{AA3D4FE0-3B02-DA46-B96A-05866655B09D}" type="datetime1">
               <a:rPr lang="tr-TR" smtClean="0"/>
-              <a:t>11.05.2021</a:t>
+              <a:t>12.05.2021</a:t>
             </a:fld>
             <a:endParaRPr lang="en-TR"/>
           </a:p>
@@ -2178,7 +2179,7 @@
           <a:p>
             <a:fld id="{902B0211-A2D5-4347-B767-098CAB92A78F}" type="datetime1">
               <a:rPr lang="tr-TR" smtClean="0"/>
-              <a:t>11.05.2021</a:t>
+              <a:t>12.05.2021</a:t>
             </a:fld>
             <a:endParaRPr lang="en-TR"/>
           </a:p>
@@ -2455,7 +2456,7 @@
           <a:p>
             <a:fld id="{F3B2B4EE-0540-454A-82D3-2681F7435D3F}" type="datetime1">
               <a:rPr lang="tr-TR" smtClean="0"/>
-              <a:t>11.05.2021</a:t>
+              <a:t>12.05.2021</a:t>
             </a:fld>
             <a:endParaRPr lang="en-TR"/>
           </a:p>
@@ -2711,7 +2712,7 @@
           <a:p>
             <a:fld id="{D7CF92EB-5677-1144-9B83-595F8BFAD415}" type="datetime1">
               <a:rPr lang="tr-TR" smtClean="0"/>
-              <a:t>11.05.2021</a:t>
+              <a:t>12.05.2021</a:t>
             </a:fld>
             <a:endParaRPr lang="en-TR"/>
           </a:p>
@@ -2941,7 +2942,7 @@
           <a:p>
             <a:fld id="{F2372F51-7A8B-B948-B55B-93554365BB4D}" type="datetime1">
               <a:rPr lang="tr-TR" smtClean="0"/>
-              <a:t>11.05.2021</a:t>
+              <a:t>12.05.2021</a:t>
             </a:fld>
             <a:endParaRPr lang="en-TR"/>
           </a:p>
@@ -3666,21 +3667,8 @@
                   <a:srgbClr val="243041"/>
                 </a:solidFill>
               </a:rPr>
-              <a:t>Grafiksel </a:t>
-            </a:r>
-            <a:r>
-              <a:rPr lang="tr-TR" sz="3600" dirty="0" err="1">
-                <a:solidFill>
-                  <a:srgbClr val="243041"/>
-                </a:solidFill>
-              </a:rPr>
-              <a:t>arayüz</a:t>
-            </a:r>
-            <a:endParaRPr lang="tr-TR" sz="3600" dirty="0">
-              <a:solidFill>
-                <a:srgbClr val="243041"/>
-              </a:solidFill>
-            </a:endParaRPr>
+              <a:t>Grafiksel arayüz</a:t>
+            </a:r>
           </a:p>
           <a:p>
             <a:r>
@@ -3851,7 +3839,39 @@
                   <a:srgbClr val="243041"/>
                 </a:solidFill>
               </a:rPr>
-              <a:t>Bach doodle </a:t>
+              <a:t>Google </a:t>
+            </a:r>
+            <a:r>
+              <a:rPr lang="tr-TR" dirty="0">
+                <a:solidFill>
+                  <a:srgbClr val="243041"/>
+                </a:solidFill>
+              </a:rPr>
+              <a:t>→ «</a:t>
+            </a:r>
+            <a:r>
+              <a:rPr lang="en-US" dirty="0">
+                <a:solidFill>
+                  <a:srgbClr val="243041"/>
+                </a:solidFill>
+              </a:rPr>
+              <a:t>Bach doodle</a:t>
+            </a:r>
+            <a:r>
+              <a:rPr lang="tr-TR" dirty="0">
+                <a:solidFill>
+                  <a:srgbClr val="243041"/>
+                </a:solidFill>
+              </a:rPr>
+              <a:t>»</a:t>
+            </a:r>
+            <a:r>
+              <a:rPr lang="en-US" dirty="0">
+                <a:solidFill>
+                  <a:srgbClr val="243041"/>
+                </a:solidFill>
+              </a:rPr>
+              <a:t> </a:t>
             </a:r>
             <a:r>
               <a:rPr lang="tr-TR" dirty="0">
@@ -3968,7 +3988,7 @@
                 </a:solidFill>
                 <a:latin typeface="Cambria" panose="02040503050406030204" pitchFamily="18" charset="0"/>
               </a:rPr>
-              <a:t>İfade Biçimleri</a:t>
+              <a:t>Müzik İfade Biçimleri (I)</a:t>
             </a:r>
           </a:p>
         </p:txBody>
@@ -4018,9 +4038,16 @@
             <p:ph idx="1"/>
           </p:nvPr>
         </p:nvSpPr>
-        <p:spPr/>
-        <p:txBody>
-          <a:bodyPr/>
+        <p:spPr>
+          <a:xfrm>
+            <a:off x="756744" y="1825625"/>
+            <a:ext cx="7758605" cy="4601301"/>
+          </a:xfrm>
+        </p:spPr>
+        <p:txBody>
+          <a:bodyPr>
+            <a:normAutofit/>
+          </a:bodyPr>
           <a:lstStyle/>
           <a:p>
             <a:pPr marL="0" indent="0" algn="l" defTabSz="914400" rtl="0" eaLnBrk="1" latinLnBrk="0" hangingPunct="1">
@@ -4056,14 +4083,23 @@
               <a:buFont typeface="Arial" panose="020B0604020202020204" pitchFamily="34" charset="0"/>
               <a:buNone/>
             </a:pPr>
-            <a:r>
-              <a:rPr lang="tr-TR" dirty="0">
-                <a:solidFill>
-                  <a:srgbClr val="243041"/>
-                </a:solidFill>
-              </a:rPr>
-              <a:t>Şekil</a:t>
-            </a:r>
+            <a:endParaRPr lang="tr-TR" dirty="0">
+              <a:solidFill>
+                <a:srgbClr val="243041"/>
+              </a:solidFill>
+            </a:endParaRPr>
+          </a:p>
+          <a:p>
+            <a:pPr marL="0" indent="0" algn="l" defTabSz="914400" rtl="0" eaLnBrk="1" latinLnBrk="0" hangingPunct="1">
+              <a:lnSpc>
+                <a:spcPct val="90000"/>
+              </a:lnSpc>
+              <a:spcBef>
+                <a:spcPts val="1000"/>
+              </a:spcBef>
+              <a:buFont typeface="Arial" panose="020B0604020202020204" pitchFamily="34" charset="0"/>
+              <a:buNone/>
+            </a:pPr>
             <a:endParaRPr lang="tr-TR" sz="2800" kern="1200" dirty="0">
               <a:solidFill>
                 <a:srgbClr val="243041"/>
@@ -4084,102 +4120,14 @@
               <a:buFont typeface="Arial" panose="020B0604020202020204" pitchFamily="34" charset="0"/>
               <a:buNone/>
             </a:pPr>
-            <a:r>
-              <a:rPr lang="tr-TR" sz="2800" kern="1200" dirty="0">
-                <a:solidFill>
-                  <a:srgbClr val="243041"/>
-                </a:solidFill>
-                <a:latin typeface="+mn-lt"/>
-                <a:ea typeface="+mn-ea"/>
-                <a:cs typeface="+mn-cs"/>
-              </a:rPr>
-              <a:t>44.100 (</a:t>
-            </a:r>
-            <a:r>
-              <a:rPr lang="tr-TR" sz="2800" kern="1200" baseline="30000" dirty="0">
-                <a:solidFill>
-                  <a:srgbClr val="243041"/>
-                </a:solidFill>
-                <a:latin typeface="+mn-lt"/>
-                <a:ea typeface="+mn-ea"/>
-                <a:cs typeface="+mn-cs"/>
-              </a:rPr>
-              <a:t>örnek</a:t>
-            </a:r>
-            <a:r>
-              <a:rPr lang="tr-TR" sz="2800" kern="1200" dirty="0">
-                <a:solidFill>
-                  <a:srgbClr val="243041"/>
-                </a:solidFill>
-                <a:latin typeface="+mn-lt"/>
-                <a:ea typeface="+mn-ea"/>
-                <a:cs typeface="+mn-cs"/>
-              </a:rPr>
-              <a:t>/</a:t>
-            </a:r>
-            <a:r>
-              <a:rPr lang="tr-TR" sz="2800" kern="1200" baseline="-25000" dirty="0">
-                <a:solidFill>
-                  <a:srgbClr val="243041"/>
-                </a:solidFill>
-                <a:latin typeface="+mn-lt"/>
-                <a:ea typeface="+mn-ea"/>
-                <a:cs typeface="+mn-cs"/>
-              </a:rPr>
-              <a:t>saniye</a:t>
-            </a:r>
-            <a:r>
-              <a:rPr lang="tr-TR" sz="2800" kern="1200" dirty="0">
-                <a:solidFill>
-                  <a:srgbClr val="243041"/>
-                </a:solidFill>
-                <a:latin typeface="+mn-lt"/>
-                <a:ea typeface="+mn-ea"/>
-                <a:cs typeface="+mn-cs"/>
-              </a:rPr>
-              <a:t>) × 120 </a:t>
-            </a:r>
-            <a:r>
-              <a:rPr lang="tr-TR" sz="2000" kern="1200" dirty="0">
-                <a:solidFill>
-                  <a:srgbClr val="243041"/>
-                </a:solidFill>
-                <a:latin typeface="+mn-lt"/>
-                <a:ea typeface="+mn-ea"/>
-                <a:cs typeface="+mn-cs"/>
-              </a:rPr>
-              <a:t>saniye</a:t>
-            </a:r>
-            <a:r>
-              <a:rPr lang="tr-TR" sz="2800" kern="1200" dirty="0">
-                <a:solidFill>
-                  <a:srgbClr val="243041"/>
-                </a:solidFill>
-                <a:latin typeface="+mn-lt"/>
-                <a:ea typeface="+mn-ea"/>
-                <a:cs typeface="+mn-cs"/>
-              </a:rPr>
-              <a:t> =</a:t>
-            </a:r>
-            <a:r>
-              <a:rPr lang="tr-TR" dirty="0">
-                <a:solidFill>
-                  <a:srgbClr val="243041"/>
-                </a:solidFill>
-              </a:rPr>
-              <a:t> </a:t>
-            </a:r>
-            <a:r>
-              <a:rPr lang="tr-TR" sz="2800" kern="1200" dirty="0">
-                <a:solidFill>
-                  <a:srgbClr val="243041"/>
-                </a:solidFill>
-                <a:latin typeface="+mn-lt"/>
-                <a:ea typeface="+mn-ea"/>
-                <a:cs typeface="+mn-cs"/>
-              </a:rPr>
-              <a:t>5.292.000 örnek</a:t>
-            </a:r>
+            <a:endParaRPr lang="tr-TR" sz="2800" kern="1200" dirty="0">
+              <a:solidFill>
+                <a:srgbClr val="243041"/>
+              </a:solidFill>
+              <a:latin typeface="+mn-lt"/>
+              <a:ea typeface="+mn-ea"/>
+              <a:cs typeface="+mn-cs"/>
+            </a:endParaRPr>
           </a:p>
           <a:p>
             <a:pPr marL="0" indent="0" algn="l" defTabSz="914400" rtl="0" eaLnBrk="1" latinLnBrk="0" hangingPunct="1">
@@ -4209,14 +4157,14 @@
               <a:buFont typeface="Arial" panose="020B0604020202020204" pitchFamily="34" charset="0"/>
               <a:buNone/>
             </a:pPr>
-            <a:r>
-              <a:rPr lang="tr-TR" dirty="0">
-                <a:solidFill>
-                  <a:srgbClr val="243041"/>
-                </a:solidFill>
-              </a:rPr>
-              <a:t>Sembolik:</a:t>
-            </a:r>
+            <a:endParaRPr lang="tr-TR" sz="2800" kern="1200" dirty="0">
+              <a:solidFill>
+                <a:srgbClr val="243041"/>
+              </a:solidFill>
+              <a:latin typeface="+mn-lt"/>
+              <a:ea typeface="+mn-ea"/>
+              <a:cs typeface="+mn-cs"/>
+            </a:endParaRPr>
           </a:p>
           <a:p>
             <a:pPr marL="0" indent="0" algn="l" defTabSz="914400" rtl="0" eaLnBrk="1" latinLnBrk="0" hangingPunct="1">
@@ -4229,14 +4177,11 @@
               <a:buFont typeface="Arial" panose="020B0604020202020204" pitchFamily="34" charset="0"/>
               <a:buNone/>
             </a:pPr>
-            <a:r>
-              <a:rPr lang="tr-TR" dirty="0">
-                <a:solidFill>
-                  <a:srgbClr val="243041"/>
-                </a:solidFill>
-              </a:rPr>
-              <a:t>La4:1/4, Do5:1/8, Si4:1/8, …, La4:1/4</a:t>
-            </a:r>
+            <a:endParaRPr lang="tr-TR" dirty="0">
+              <a:solidFill>
+                <a:srgbClr val="243041"/>
+              </a:solidFill>
+            </a:endParaRPr>
           </a:p>
           <a:p>
             <a:pPr marL="0" indent="0" algn="l" defTabSz="914400" rtl="0" eaLnBrk="1" latinLnBrk="0" hangingPunct="1">
@@ -4249,6 +4194,26 @@
               <a:buFont typeface="Arial" panose="020B0604020202020204" pitchFamily="34" charset="0"/>
               <a:buNone/>
             </a:pPr>
+            <a:endParaRPr lang="tr-TR" sz="2800" kern="1200" dirty="0">
+              <a:solidFill>
+                <a:srgbClr val="243041"/>
+              </a:solidFill>
+              <a:latin typeface="+mn-lt"/>
+              <a:ea typeface="+mn-ea"/>
+              <a:cs typeface="+mn-cs"/>
+            </a:endParaRPr>
+          </a:p>
+          <a:p>
+            <a:pPr marL="0" indent="0" algn="l" defTabSz="914400" rtl="0" eaLnBrk="1" latinLnBrk="0" hangingPunct="1">
+              <a:lnSpc>
+                <a:spcPct val="90000"/>
+              </a:lnSpc>
+              <a:spcBef>
+                <a:spcPts val="1000"/>
+              </a:spcBef>
+              <a:buFont typeface="Arial" panose="020B0604020202020204" pitchFamily="34" charset="0"/>
+              <a:buNone/>
+            </a:pPr>
             <a:r>
               <a:rPr lang="tr-TR" sz="2800" kern="1200" dirty="0">
                 <a:solidFill>
@@ -4258,17 +4223,223 @@
                 <a:ea typeface="+mn-ea"/>
                 <a:cs typeface="+mn-cs"/>
               </a:rPr>
-              <a:t>200 örnek</a:t>
-            </a:r>
-          </a:p>
-          <a:p>
-            <a:pPr marL="0" indent="0">
-              <a:buNone/>
-            </a:pPr>
-            <a:endParaRPr lang="tr-TR" dirty="0"/>
-          </a:p>
-        </p:txBody>
-      </p:sp>
+              <a:t>44.100 (</a:t>
+            </a:r>
+            <a:r>
+              <a:rPr lang="tr-TR" sz="2800" kern="1200" baseline="30000" dirty="0">
+                <a:solidFill>
+                  <a:srgbClr val="243041"/>
+                </a:solidFill>
+                <a:latin typeface="+mn-lt"/>
+                <a:ea typeface="+mn-ea"/>
+                <a:cs typeface="+mn-cs"/>
+              </a:rPr>
+              <a:t>örnek</a:t>
+            </a:r>
+            <a:r>
+              <a:rPr lang="tr-TR" sz="2800" kern="1200" dirty="0">
+                <a:solidFill>
+                  <a:srgbClr val="243041"/>
+                </a:solidFill>
+                <a:latin typeface="+mn-lt"/>
+                <a:ea typeface="+mn-ea"/>
+                <a:cs typeface="+mn-cs"/>
+              </a:rPr>
+              <a:t>/</a:t>
+            </a:r>
+            <a:r>
+              <a:rPr lang="tr-TR" sz="2800" kern="1200" baseline="-25000" dirty="0">
+                <a:solidFill>
+                  <a:srgbClr val="243041"/>
+                </a:solidFill>
+                <a:latin typeface="+mn-lt"/>
+                <a:ea typeface="+mn-ea"/>
+                <a:cs typeface="+mn-cs"/>
+              </a:rPr>
+              <a:t>saniye</a:t>
+            </a:r>
+            <a:r>
+              <a:rPr lang="tr-TR" sz="2800" kern="1200" dirty="0">
+                <a:solidFill>
+                  <a:srgbClr val="243041"/>
+                </a:solidFill>
+                <a:latin typeface="+mn-lt"/>
+                <a:ea typeface="+mn-ea"/>
+                <a:cs typeface="+mn-cs"/>
+              </a:rPr>
+              <a:t>) × 120 </a:t>
+            </a:r>
+            <a:r>
+              <a:rPr lang="tr-TR" sz="2000" kern="1200" dirty="0">
+                <a:solidFill>
+                  <a:srgbClr val="243041"/>
+                </a:solidFill>
+                <a:latin typeface="+mn-lt"/>
+                <a:ea typeface="+mn-ea"/>
+                <a:cs typeface="+mn-cs"/>
+              </a:rPr>
+              <a:t>saniye</a:t>
+            </a:r>
+            <a:r>
+              <a:rPr lang="tr-TR" sz="2800" kern="1200" dirty="0">
+                <a:solidFill>
+                  <a:srgbClr val="243041"/>
+                </a:solidFill>
+                <a:latin typeface="+mn-lt"/>
+                <a:ea typeface="+mn-ea"/>
+                <a:cs typeface="+mn-cs"/>
+              </a:rPr>
+              <a:t> =</a:t>
+            </a:r>
+            <a:r>
+              <a:rPr lang="tr-TR" dirty="0">
+                <a:solidFill>
+                  <a:srgbClr val="243041"/>
+                </a:solidFill>
+              </a:rPr>
+              <a:t> </a:t>
+            </a:r>
+            <a:r>
+              <a:rPr lang="tr-TR" sz="2800" kern="1200" dirty="0">
+                <a:solidFill>
+                  <a:srgbClr val="243041"/>
+                </a:solidFill>
+                <a:latin typeface="+mn-lt"/>
+                <a:ea typeface="+mn-ea"/>
+                <a:cs typeface="+mn-cs"/>
+              </a:rPr>
+              <a:t>5.292.000 örnek</a:t>
+            </a:r>
+          </a:p>
+        </p:txBody>
+      </p:sp>
+      <p:grpSp>
+        <p:nvGrpSpPr>
+          <p:cNvPr id="11" name="Group 10">
+            <a:extLst>
+              <a:ext uri="{FF2B5EF4-FFF2-40B4-BE49-F238E27FC236}">
+                <a16:creationId xmlns:a16="http://schemas.microsoft.com/office/drawing/2014/main" id="{5363A9E4-8A8C-E847-91AF-F6C763296285}"/>
+              </a:ext>
+            </a:extLst>
+          </p:cNvPr>
+          <p:cNvGrpSpPr/>
+          <p:nvPr/>
+        </p:nvGrpSpPr>
+        <p:grpSpPr>
+          <a:xfrm>
+            <a:off x="756743" y="2674705"/>
+            <a:ext cx="3512000" cy="2764471"/>
+            <a:chOff x="868707" y="2406019"/>
+            <a:chExt cx="3512000" cy="2764471"/>
+          </a:xfrm>
+        </p:grpSpPr>
+        <p:pic>
+          <p:nvPicPr>
+            <p:cNvPr id="10" name="Graphic 9">
+              <a:extLst>
+                <a:ext uri="{FF2B5EF4-FFF2-40B4-BE49-F238E27FC236}">
+                  <a16:creationId xmlns:a16="http://schemas.microsoft.com/office/drawing/2014/main" id="{98E56D77-041E-4447-B3AF-519D9122429E}"/>
+                </a:ext>
+              </a:extLst>
+            </p:cNvPr>
+            <p:cNvPicPr>
+              <a:picLocks noChangeAspect="1"/>
+            </p:cNvPicPr>
+            <p:nvPr/>
+          </p:nvPicPr>
+          <p:blipFill>
+            <a:blip r:embed="rId2">
+              <a:extLst>
+                <a:ext uri="{96DAC541-7B7A-43D3-8B79-37D633B846F1}">
+                  <asvg:svgBlip xmlns:asvg="http://schemas.microsoft.com/office/drawing/2016/SVG/main" r:embed="rId3"/>
+                </a:ext>
+              </a:extLst>
+            </a:blip>
+            <a:stretch>
+              <a:fillRect/>
+            </a:stretch>
+          </p:blipFill>
+          <p:spPr>
+            <a:xfrm>
+              <a:off x="1153274" y="2505444"/>
+              <a:ext cx="3113925" cy="2665046"/>
+            </a:xfrm>
+            <a:prstGeom prst="rect">
+              <a:avLst/>
+            </a:prstGeom>
+          </p:spPr>
+        </p:pic>
+        <p:sp>
+          <p:nvSpPr>
+            <p:cNvPr id="8" name="TextBox 7">
+              <a:extLst>
+                <a:ext uri="{FF2B5EF4-FFF2-40B4-BE49-F238E27FC236}">
+                  <a16:creationId xmlns:a16="http://schemas.microsoft.com/office/drawing/2014/main" id="{F7B00A34-A9EE-7042-B152-1EF0B6362526}"/>
+                </a:ext>
+              </a:extLst>
+            </p:cNvPr>
+            <p:cNvSpPr txBox="1"/>
+            <p:nvPr/>
+          </p:nvSpPr>
+          <p:spPr>
+            <a:xfrm rot="16200000">
+              <a:off x="664484" y="2610242"/>
+              <a:ext cx="777777" cy="369332"/>
+            </a:xfrm>
+            <a:prstGeom prst="rect">
+              <a:avLst/>
+            </a:prstGeom>
+            <a:noFill/>
+          </p:spPr>
+          <p:txBody>
+            <a:bodyPr wrap="none" rtlCol="0">
+              <a:spAutoFit/>
+            </a:bodyPr>
+            <a:lstStyle/>
+            <a:p>
+              <a:r>
+                <a:rPr lang="tr-TR" dirty="0"/>
+                <a:t>Genlik</a:t>
+              </a:r>
+            </a:p>
+          </p:txBody>
+        </p:sp>
+        <p:sp>
+          <p:nvSpPr>
+            <p:cNvPr id="6" name="TextBox 5">
+              <a:extLst>
+                <a:ext uri="{FF2B5EF4-FFF2-40B4-BE49-F238E27FC236}">
+                  <a16:creationId xmlns:a16="http://schemas.microsoft.com/office/drawing/2014/main" id="{195F30BD-6803-CF4A-93B7-A77EDE95444B}"/>
+                </a:ext>
+              </a:extLst>
+            </p:cNvPr>
+            <p:cNvSpPr txBox="1"/>
+            <p:nvPr/>
+          </p:nvSpPr>
+          <p:spPr>
+            <a:xfrm>
+              <a:off x="3562406" y="3500165"/>
+              <a:ext cx="818301" cy="369332"/>
+            </a:xfrm>
+            <a:prstGeom prst="rect">
+              <a:avLst/>
+            </a:prstGeom>
+            <a:noFill/>
+          </p:spPr>
+          <p:txBody>
+            <a:bodyPr wrap="none" rtlCol="0">
+              <a:spAutoFit/>
+            </a:bodyPr>
+            <a:lstStyle/>
+            <a:p>
+              <a:r>
+                <a:rPr lang="tr-TR" dirty="0"/>
+                <a:t>Zaman</a:t>
+              </a:r>
+            </a:p>
+          </p:txBody>
+        </p:sp>
+      </p:grpSp>
     </p:spTree>
     <p:extLst>
       <p:ext uri="{BB962C8B-B14F-4D97-AF65-F5344CB8AC3E}">
@@ -4327,44 +4498,7 @@
                 </a:solidFill>
                 <a:latin typeface="Cambria" panose="02040503050406030204" pitchFamily="18" charset="0"/>
               </a:rPr>
-              <a:t>Otomatik Türk Makam Müziği Bestecisi (OTMMB)</a:t>
-            </a:r>
-          </a:p>
-        </p:txBody>
-      </p:sp>
-      <p:sp>
-        <p:nvSpPr>
-          <p:cNvPr id="3" name="Content Placeholder 2">
-            <a:extLst>
-              <a:ext uri="{FF2B5EF4-FFF2-40B4-BE49-F238E27FC236}">
-                <a16:creationId xmlns:a16="http://schemas.microsoft.com/office/drawing/2014/main" id="{4E958FD7-5D47-F247-A470-4E94A4F14BAB}"/>
-              </a:ext>
-            </a:extLst>
-          </p:cNvPr>
-          <p:cNvSpPr>
-            <a:spLocks noGrp="1"/>
-          </p:cNvSpPr>
-          <p:nvPr>
-            <p:ph idx="1"/>
-          </p:nvPr>
-        </p:nvSpPr>
-        <p:spPr/>
-        <p:txBody>
-          <a:bodyPr>
-            <a:normAutofit/>
-          </a:bodyPr>
-          <a:lstStyle/>
-          <a:p>
-            <a:pPr marL="0" indent="0">
-              <a:buNone/>
-            </a:pPr>
-            <a:r>
-              <a:rPr lang="tr-TR" sz="3600" dirty="0">
-                <a:solidFill>
-                  <a:srgbClr val="243041"/>
-                </a:solidFill>
-              </a:rPr>
-              <a:t>Şekil</a:t>
+              <a:t>Müzik İfade Biçimleri (II)</a:t>
             </a:r>
           </a:p>
         </p:txBody>
@@ -4398,10 +4532,194 @@
           </a:p>
         </p:txBody>
       </p:sp>
+      <p:sp>
+        <p:nvSpPr>
+          <p:cNvPr id="7" name="Content Placeholder 6">
+            <a:extLst>
+              <a:ext uri="{FF2B5EF4-FFF2-40B4-BE49-F238E27FC236}">
+                <a16:creationId xmlns:a16="http://schemas.microsoft.com/office/drawing/2014/main" id="{6B78003D-8714-497B-96BB-3AD98EF41CCB}"/>
+              </a:ext>
+            </a:extLst>
+          </p:cNvPr>
+          <p:cNvSpPr>
+            <a:spLocks noGrp="1"/>
+          </p:cNvSpPr>
+          <p:nvPr>
+            <p:ph idx="1"/>
+          </p:nvPr>
+        </p:nvSpPr>
+        <p:spPr/>
+        <p:txBody>
+          <a:bodyPr/>
+          <a:lstStyle/>
+          <a:p>
+            <a:pPr marL="0" indent="0" algn="l" defTabSz="914400" rtl="0" eaLnBrk="1" latinLnBrk="0" hangingPunct="1">
+              <a:lnSpc>
+                <a:spcPct val="90000"/>
+              </a:lnSpc>
+              <a:spcBef>
+                <a:spcPts val="1000"/>
+              </a:spcBef>
+              <a:buFont typeface="Arial" panose="020B0604020202020204" pitchFamily="34" charset="0"/>
+              <a:buNone/>
+            </a:pPr>
+            <a:r>
+              <a:rPr lang="tr-TR" dirty="0">
+                <a:solidFill>
+                  <a:srgbClr val="243041"/>
+                </a:solidFill>
+              </a:rPr>
+              <a:t>Sembolik:</a:t>
+            </a:r>
+          </a:p>
+          <a:p>
+            <a:r>
+              <a:rPr lang="tr-TR" dirty="0">
+                <a:solidFill>
+                  <a:srgbClr val="243041"/>
+                </a:solidFill>
+              </a:rPr>
+              <a:t>La4:1/4, Do5:1/8, Si4:1/8, …, La4:1/4</a:t>
+            </a:r>
+          </a:p>
+          <a:p>
+            <a:r>
+              <a:rPr lang="tr-TR" dirty="0">
+                <a:solidFill>
+                  <a:srgbClr val="243041"/>
+                </a:solidFill>
+              </a:rPr>
+              <a:t>MIDI</a:t>
+            </a:r>
+          </a:p>
+          <a:p>
+            <a:r>
+              <a:rPr lang="tr-TR" dirty="0">
+                <a:solidFill>
+                  <a:srgbClr val="243041"/>
+                </a:solidFill>
+              </a:rPr>
+              <a:t>MusicXML</a:t>
+            </a:r>
+          </a:p>
+          <a:p>
+            <a:r>
+              <a:rPr lang="tr-TR" dirty="0">
+                <a:solidFill>
+                  <a:srgbClr val="243041"/>
+                </a:solidFill>
+              </a:rPr>
+              <a:t>Mu2</a:t>
+            </a:r>
+          </a:p>
+          <a:p>
+            <a:endParaRPr lang="tr-TR" dirty="0">
+              <a:solidFill>
+                <a:srgbClr val="243041"/>
+              </a:solidFill>
+            </a:endParaRPr>
+          </a:p>
+          <a:p>
+            <a:pPr marL="0" indent="0">
+              <a:buNone/>
+            </a:pPr>
+            <a:r>
+              <a:rPr lang="tr-TR" sz="2800" kern="1200" dirty="0">
+                <a:solidFill>
+                  <a:srgbClr val="243041"/>
+                </a:solidFill>
+                <a:latin typeface="+mn-lt"/>
+                <a:ea typeface="+mn-ea"/>
+                <a:cs typeface="+mn-cs"/>
+              </a:rPr>
+              <a:t>120</a:t>
+            </a:r>
+            <a:r>
+              <a:rPr lang="tr-TR" sz="2800" i="1" kern="1200" dirty="0">
+                <a:solidFill>
+                  <a:srgbClr val="243041"/>
+                </a:solidFill>
+                <a:latin typeface="+mn-lt"/>
+                <a:ea typeface="+mn-ea"/>
+                <a:cs typeface="+mn-cs"/>
+              </a:rPr>
+              <a:t>sn</a:t>
+            </a:r>
+            <a:r>
+              <a:rPr lang="tr-TR" sz="2800" kern="1200" dirty="0">
+                <a:solidFill>
+                  <a:srgbClr val="243041"/>
+                </a:solidFill>
+                <a:latin typeface="+mn-lt"/>
+                <a:ea typeface="+mn-ea"/>
+                <a:cs typeface="+mn-cs"/>
+              </a:rPr>
+              <a:t> sembolik	</a:t>
+            </a:r>
+            <a:r>
+              <a:rPr lang="tr-TR" dirty="0">
+                <a:solidFill>
+                  <a:srgbClr val="243041"/>
+                </a:solidFill>
+              </a:rPr>
+              <a:t>→</a:t>
+            </a:r>
+            <a:r>
+              <a:rPr lang="tr-TR" sz="2800" kern="1200" dirty="0">
+                <a:solidFill>
+                  <a:srgbClr val="243041"/>
+                </a:solidFill>
+                <a:latin typeface="+mn-lt"/>
+                <a:ea typeface="+mn-ea"/>
+                <a:cs typeface="+mn-cs"/>
+              </a:rPr>
+              <a:t> 200 - 2000 örnek </a:t>
+            </a:r>
+          </a:p>
+          <a:p>
+            <a:pPr marL="0" indent="0">
+              <a:buNone/>
+            </a:pPr>
+            <a:r>
+              <a:rPr lang="tr-TR" sz="2800" kern="1200" dirty="0">
+                <a:solidFill>
+                  <a:srgbClr val="243041"/>
+                </a:solidFill>
+                <a:latin typeface="+mn-lt"/>
+                <a:ea typeface="+mn-ea"/>
+                <a:cs typeface="+mn-cs"/>
+              </a:rPr>
+              <a:t>               (wav	</a:t>
+            </a:r>
+            <a:r>
+              <a:rPr lang="tr-TR" dirty="0">
+                <a:solidFill>
+                  <a:srgbClr val="243041"/>
+                </a:solidFill>
+              </a:rPr>
+              <a:t>→ 5.292.000 örnek)</a:t>
+            </a:r>
+            <a:endParaRPr lang="tr-TR" sz="2800" kern="1200" dirty="0">
+              <a:solidFill>
+                <a:srgbClr val="243041"/>
+              </a:solidFill>
+              <a:latin typeface="+mn-lt"/>
+              <a:ea typeface="+mn-ea"/>
+              <a:cs typeface="+mn-cs"/>
+            </a:endParaRPr>
+          </a:p>
+          <a:p>
+            <a:pPr marL="0" indent="0">
+              <a:buNone/>
+            </a:pPr>
+            <a:endParaRPr lang="tr-TR" dirty="0"/>
+          </a:p>
+        </p:txBody>
+      </p:sp>
     </p:spTree>
     <p:extLst>
       <p:ext uri="{BB962C8B-B14F-4D97-AF65-F5344CB8AC3E}">
-        <p14:creationId xmlns:p14="http://schemas.microsoft.com/office/powerpoint/2010/main" val="3492450488"/>
+        <p14:creationId xmlns:p14="http://schemas.microsoft.com/office/powerpoint/2010/main" val="1285741269"/>
       </p:ext>
     </p:extLst>
   </p:cSld>
@@ -4456,48 +4774,46 @@
                 </a:solidFill>
                 <a:latin typeface="Cambria" panose="02040503050406030204" pitchFamily="18" charset="0"/>
               </a:rPr>
-              <a:t>Grafiksel Arayüz</a:t>
-            </a:r>
-          </a:p>
-        </p:txBody>
-      </p:sp>
-      <p:sp>
-        <p:nvSpPr>
-          <p:cNvPr id="3" name="Content Placeholder 2">
+              <a:t>Otomatik TMM Bestecisi</a:t>
+            </a:r>
+          </a:p>
+        </p:txBody>
+      </p:sp>
+      <p:pic>
+        <p:nvPicPr>
+          <p:cNvPr id="6" name="Content Placeholder 5">
             <a:extLst>
               <a:ext uri="{FF2B5EF4-FFF2-40B4-BE49-F238E27FC236}">
-                <a16:creationId xmlns:a16="http://schemas.microsoft.com/office/drawing/2014/main" id="{4E958FD7-5D47-F247-A470-4E94A4F14BAB}"/>
+                <a16:creationId xmlns:a16="http://schemas.microsoft.com/office/drawing/2014/main" id="{F5FA8880-CCE0-C442-8C5D-9F1B24D8DD7C}"/>
               </a:ext>
             </a:extLst>
           </p:cNvPr>
-          <p:cNvSpPr>
-            <a:spLocks noGrp="1"/>
-          </p:cNvSpPr>
+          <p:cNvPicPr>
+            <a:picLocks noGrp="1" noChangeAspect="1"/>
+          </p:cNvPicPr>
           <p:nvPr>
             <p:ph idx="1"/>
           </p:nvPr>
-        </p:nvSpPr>
-        <p:spPr/>
-        <p:txBody>
-          <a:bodyPr>
-            <a:normAutofit/>
-          </a:bodyPr>
-          <a:lstStyle/>
-          <a:p>
-            <a:pPr marL="0" indent="0">
-              <a:buNone/>
-            </a:pPr>
-            <a:r>
-              <a:rPr lang="tr-TR" sz="3600" dirty="0">
-                <a:solidFill>
-                  <a:srgbClr val="243041"/>
-                </a:solidFill>
-              </a:rPr>
-              <a:t>http://music.cs.deu.edu.tr/tmmgui/</a:t>
-            </a:r>
-          </a:p>
-        </p:txBody>
-      </p:sp>
+        </p:nvPicPr>
+        <p:blipFill>
+          <a:blip r:embed="rId2">
+            <a:extLst>
+              <a:ext uri="{96DAC541-7B7A-43D3-8B79-37D633B846F1}">
+                <asvg:svgBlip xmlns:asvg="http://schemas.microsoft.com/office/drawing/2016/SVG/main" r:embed="rId3"/>
+              </a:ext>
+            </a:extLst>
+          </a:blip>
+          <a:stretch>
+            <a:fillRect/>
+          </a:stretch>
+        </p:blipFill>
+        <p:spPr>
+          <a:xfrm>
+            <a:off x="1748457" y="1825625"/>
+            <a:ext cx="5647086" cy="4351338"/>
+          </a:xfrm>
+        </p:spPr>
+      </p:pic>
       <p:sp>
         <p:nvSpPr>
           <p:cNvPr id="4" name="Slide Number Placeholder 3">
@@ -4527,10 +4843,594 @@
           </a:p>
         </p:txBody>
       </p:sp>
+      <p:sp>
+        <p:nvSpPr>
+          <p:cNvPr id="7" name="TextBox 6">
+            <a:extLst>
+              <a:ext uri="{FF2B5EF4-FFF2-40B4-BE49-F238E27FC236}">
+                <a16:creationId xmlns:a16="http://schemas.microsoft.com/office/drawing/2014/main" id="{E6F8D26E-9187-FF42-B700-3874BD139EC2}"/>
+              </a:ext>
+            </a:extLst>
+          </p:cNvPr>
+          <p:cNvSpPr txBox="1"/>
+          <p:nvPr/>
+        </p:nvSpPr>
+        <p:spPr>
+          <a:xfrm>
+            <a:off x="2427514" y="2764971"/>
+            <a:ext cx="1276311" cy="369332"/>
+          </a:xfrm>
+          <a:prstGeom prst="rect">
+            <a:avLst/>
+          </a:prstGeom>
+          <a:noFill/>
+        </p:spPr>
+        <p:txBody>
+          <a:bodyPr wrap="square" rtlCol="0">
+            <a:spAutoFit/>
+          </a:bodyPr>
+          <a:lstStyle/>
+          <a:p>
+            <a:r>
+              <a:rPr lang="tr-TR" dirty="0"/>
+              <a:t>n</a:t>
+            </a:r>
+            <a:r>
+              <a:rPr lang="tr-TR" baseline="-25000" dirty="0"/>
+              <a:t>1</a:t>
+            </a:r>
+            <a:r>
+              <a:rPr lang="tr-TR" dirty="0"/>
+              <a:t>, n</a:t>
+            </a:r>
+            <a:r>
+              <a:rPr lang="tr-TR" baseline="-25000" dirty="0"/>
+              <a:t>2</a:t>
+            </a:r>
+            <a:r>
+              <a:rPr lang="tr-TR" dirty="0"/>
+              <a:t>, …, n</a:t>
+            </a:r>
+            <a:r>
+              <a:rPr lang="tr-TR" baseline="-25000" dirty="0"/>
+              <a:t>8</a:t>
+            </a:r>
+          </a:p>
+        </p:txBody>
+      </p:sp>
+      <p:sp>
+        <p:nvSpPr>
+          <p:cNvPr id="8" name="TextBox 7">
+            <a:extLst>
+              <a:ext uri="{FF2B5EF4-FFF2-40B4-BE49-F238E27FC236}">
+                <a16:creationId xmlns:a16="http://schemas.microsoft.com/office/drawing/2014/main" id="{754AEC94-87FF-374E-A11B-AE48476BFADA}"/>
+              </a:ext>
+            </a:extLst>
+          </p:cNvPr>
+          <p:cNvSpPr txBox="1"/>
+          <p:nvPr/>
+        </p:nvSpPr>
+        <p:spPr>
+          <a:xfrm>
+            <a:off x="1890011" y="4503624"/>
+            <a:ext cx="2351315" cy="553998"/>
+          </a:xfrm>
+          <a:prstGeom prst="rect">
+            <a:avLst/>
+          </a:prstGeom>
+          <a:noFill/>
+        </p:spPr>
+        <p:txBody>
+          <a:bodyPr wrap="square" rtlCol="0">
+            <a:spAutoFit/>
+          </a:bodyPr>
+          <a:lstStyle/>
+          <a:p>
+            <a:r>
+              <a:rPr lang="tr-TR" dirty="0"/>
+              <a:t>n</a:t>
+            </a:r>
+            <a:r>
+              <a:rPr lang="tr-TR" baseline="-25000" dirty="0"/>
+              <a:t>1</a:t>
+            </a:r>
+            <a:r>
+              <a:rPr lang="tr-TR" dirty="0"/>
+              <a:t>, n</a:t>
+            </a:r>
+            <a:r>
+              <a:rPr lang="tr-TR" baseline="-25000" dirty="0"/>
+              <a:t>2</a:t>
+            </a:r>
+            <a:r>
+              <a:rPr lang="tr-TR" dirty="0"/>
+              <a:t>, …, n</a:t>
+            </a:r>
+            <a:r>
+              <a:rPr lang="tr-TR" baseline="-25000" dirty="0"/>
+              <a:t>8</a:t>
+            </a:r>
+            <a:r>
+              <a:rPr lang="tr-TR" dirty="0"/>
+              <a:t>,</a:t>
+            </a:r>
+            <a:r>
+              <a:rPr lang="tr-TR" baseline="-25000" dirty="0"/>
+              <a:t> </a:t>
+            </a:r>
+            <a:r>
+              <a:rPr lang="tr-TR" dirty="0"/>
+              <a:t>n</a:t>
+            </a:r>
+            <a:r>
+              <a:rPr lang="tr-TR" baseline="-25000" dirty="0"/>
+              <a:t>9</a:t>
+            </a:r>
+            <a:r>
+              <a:rPr lang="tr-TR" dirty="0"/>
+              <a:t>, …, n</a:t>
+            </a:r>
+            <a:r>
+              <a:rPr lang="tr-TR" baseline="-25000" dirty="0"/>
+              <a:t>i</a:t>
+            </a:r>
+          </a:p>
+          <a:p>
+            <a:endParaRPr lang="tr-TR" baseline="-25000" dirty="0"/>
+          </a:p>
+        </p:txBody>
+      </p:sp>
+      <p:sp>
+        <p:nvSpPr>
+          <p:cNvPr id="9" name="TextBox 8">
+            <a:extLst>
+              <a:ext uri="{FF2B5EF4-FFF2-40B4-BE49-F238E27FC236}">
+                <a16:creationId xmlns:a16="http://schemas.microsoft.com/office/drawing/2014/main" id="{8F827179-64AC-9F49-B767-0D0770AEBF4D}"/>
+              </a:ext>
+            </a:extLst>
+          </p:cNvPr>
+          <p:cNvSpPr txBox="1"/>
+          <p:nvPr/>
+        </p:nvSpPr>
+        <p:spPr>
+          <a:xfrm>
+            <a:off x="5146222" y="2054338"/>
+            <a:ext cx="1842408" cy="553998"/>
+          </a:xfrm>
+          <a:prstGeom prst="rect">
+            <a:avLst/>
+          </a:prstGeom>
+          <a:noFill/>
+        </p:spPr>
+        <p:txBody>
+          <a:bodyPr wrap="square" rtlCol="0">
+            <a:spAutoFit/>
+          </a:bodyPr>
+          <a:lstStyle/>
+          <a:p>
+            <a:r>
+              <a:rPr lang="tr-TR" dirty="0"/>
+              <a:t>n</a:t>
+            </a:r>
+            <a:r>
+              <a:rPr lang="tr-TR" baseline="-25000" dirty="0"/>
+              <a:t>j</a:t>
+            </a:r>
+            <a:r>
+              <a:rPr lang="tr-TR" dirty="0"/>
+              <a:t>, n</a:t>
+            </a:r>
+            <a:r>
+              <a:rPr lang="tr-TR" baseline="-25000" dirty="0"/>
+              <a:t>j+1</a:t>
+            </a:r>
+            <a:r>
+              <a:rPr lang="tr-TR" dirty="0"/>
+              <a:t>, n</a:t>
+            </a:r>
+            <a:r>
+              <a:rPr lang="tr-TR" baseline="-25000" dirty="0"/>
+              <a:t>j+2</a:t>
+            </a:r>
+            <a:r>
+              <a:rPr lang="tr-TR" dirty="0"/>
+              <a:t>, …, n</a:t>
+            </a:r>
+            <a:r>
+              <a:rPr lang="tr-TR" baseline="-25000" dirty="0"/>
+              <a:t>k</a:t>
+            </a:r>
+          </a:p>
+          <a:p>
+            <a:endParaRPr lang="tr-TR" baseline="-25000" dirty="0"/>
+          </a:p>
+        </p:txBody>
+      </p:sp>
+      <p:sp>
+        <p:nvSpPr>
+          <p:cNvPr id="10" name="TextBox 9">
+            <a:extLst>
+              <a:ext uri="{FF2B5EF4-FFF2-40B4-BE49-F238E27FC236}">
+                <a16:creationId xmlns:a16="http://schemas.microsoft.com/office/drawing/2014/main" id="{42550BA7-BAD5-7E41-945C-778BAD603765}"/>
+              </a:ext>
+            </a:extLst>
+          </p:cNvPr>
+          <p:cNvSpPr txBox="1"/>
+          <p:nvPr/>
+        </p:nvSpPr>
+        <p:spPr>
+          <a:xfrm>
+            <a:off x="5146222" y="3800550"/>
+            <a:ext cx="1842408" cy="553998"/>
+          </a:xfrm>
+          <a:prstGeom prst="rect">
+            <a:avLst/>
+          </a:prstGeom>
+          <a:noFill/>
+        </p:spPr>
+        <p:txBody>
+          <a:bodyPr wrap="square" rtlCol="0">
+            <a:spAutoFit/>
+          </a:bodyPr>
+          <a:lstStyle/>
+          <a:p>
+            <a:r>
+              <a:rPr lang="tr-TR" dirty="0"/>
+              <a:t>n</a:t>
+            </a:r>
+            <a:r>
+              <a:rPr lang="tr-TR" baseline="-25000" dirty="0"/>
+              <a:t>l</a:t>
+            </a:r>
+            <a:r>
+              <a:rPr lang="tr-TR" dirty="0"/>
+              <a:t>, n</a:t>
+            </a:r>
+            <a:r>
+              <a:rPr lang="tr-TR" baseline="-25000" dirty="0"/>
+              <a:t>l+1</a:t>
+            </a:r>
+            <a:r>
+              <a:rPr lang="tr-TR" dirty="0"/>
+              <a:t>, n</a:t>
+            </a:r>
+            <a:r>
+              <a:rPr lang="tr-TR" baseline="-25000" dirty="0"/>
+              <a:t>l+2</a:t>
+            </a:r>
+            <a:r>
+              <a:rPr lang="tr-TR" dirty="0"/>
+              <a:t>, …, n</a:t>
+            </a:r>
+            <a:r>
+              <a:rPr lang="tr-TR" baseline="-25000" dirty="0"/>
+              <a:t>m</a:t>
+            </a:r>
+          </a:p>
+          <a:p>
+            <a:endParaRPr lang="tr-TR" baseline="-25000" dirty="0"/>
+          </a:p>
+        </p:txBody>
+      </p:sp>
+      <p:sp>
+        <p:nvSpPr>
+          <p:cNvPr id="11" name="TextBox 10">
+            <a:extLst>
+              <a:ext uri="{FF2B5EF4-FFF2-40B4-BE49-F238E27FC236}">
+                <a16:creationId xmlns:a16="http://schemas.microsoft.com/office/drawing/2014/main" id="{092A9B9C-C545-B74F-A669-8C57688FCC76}"/>
+              </a:ext>
+            </a:extLst>
+          </p:cNvPr>
+          <p:cNvSpPr txBox="1"/>
+          <p:nvPr/>
+        </p:nvSpPr>
+        <p:spPr>
+          <a:xfrm>
+            <a:off x="5778856" y="5701773"/>
+            <a:ext cx="620683" cy="369332"/>
+          </a:xfrm>
+          <a:prstGeom prst="rect">
+            <a:avLst/>
+          </a:prstGeom>
+          <a:noFill/>
+        </p:spPr>
+        <p:txBody>
+          <a:bodyPr wrap="none" rtlCol="0">
+            <a:spAutoFit/>
+          </a:bodyPr>
+          <a:lstStyle/>
+          <a:p>
+            <a:r>
+              <a:rPr lang="tr-TR" dirty="0"/>
+              <a:t>Mu2</a:t>
+            </a:r>
+          </a:p>
+        </p:txBody>
+      </p:sp>
+      <p:sp>
+        <p:nvSpPr>
+          <p:cNvPr id="12" name="TextBox 11">
+            <a:extLst>
+              <a:ext uri="{FF2B5EF4-FFF2-40B4-BE49-F238E27FC236}">
+                <a16:creationId xmlns:a16="http://schemas.microsoft.com/office/drawing/2014/main" id="{E33199C6-1AFB-2346-A01B-097D040E12C7}"/>
+              </a:ext>
+            </a:extLst>
+          </p:cNvPr>
+          <p:cNvSpPr txBox="1"/>
+          <p:nvPr/>
+        </p:nvSpPr>
+        <p:spPr>
+          <a:xfrm>
+            <a:off x="2595396" y="3571690"/>
+            <a:ext cx="962315" cy="369332"/>
+          </a:xfrm>
+          <a:prstGeom prst="rect">
+            <a:avLst/>
+          </a:prstGeom>
+          <a:noFill/>
+        </p:spPr>
+        <p:txBody>
+          <a:bodyPr wrap="none" rtlCol="0">
+            <a:spAutoFit/>
+          </a:bodyPr>
+          <a:lstStyle/>
+          <a:p>
+            <a:r>
+              <a:rPr lang="tr-TR" dirty="0"/>
+              <a:t>OTMMB</a:t>
+            </a:r>
+          </a:p>
+        </p:txBody>
+      </p:sp>
+      <p:sp>
+        <p:nvSpPr>
+          <p:cNvPr id="13" name="TextBox 12">
+            <a:extLst>
+              <a:ext uri="{FF2B5EF4-FFF2-40B4-BE49-F238E27FC236}">
+                <a16:creationId xmlns:a16="http://schemas.microsoft.com/office/drawing/2014/main" id="{9D493A40-4FD3-A94F-848B-A8AE0D12072E}"/>
+              </a:ext>
+            </a:extLst>
+          </p:cNvPr>
+          <p:cNvSpPr txBox="1"/>
+          <p:nvPr/>
+        </p:nvSpPr>
+        <p:spPr>
+          <a:xfrm>
+            <a:off x="2595396" y="5322408"/>
+            <a:ext cx="962315" cy="369332"/>
+          </a:xfrm>
+          <a:prstGeom prst="rect">
+            <a:avLst/>
+          </a:prstGeom>
+          <a:noFill/>
+        </p:spPr>
+        <p:txBody>
+          <a:bodyPr wrap="none" rtlCol="0">
+            <a:spAutoFit/>
+          </a:bodyPr>
+          <a:lstStyle/>
+          <a:p>
+            <a:r>
+              <a:rPr lang="tr-TR" dirty="0"/>
+              <a:t>OTMMB</a:t>
+            </a:r>
+          </a:p>
+        </p:txBody>
+      </p:sp>
+      <p:sp>
+        <p:nvSpPr>
+          <p:cNvPr id="14" name="TextBox 13">
+            <a:extLst>
+              <a:ext uri="{FF2B5EF4-FFF2-40B4-BE49-F238E27FC236}">
+                <a16:creationId xmlns:a16="http://schemas.microsoft.com/office/drawing/2014/main" id="{954C20DA-8629-464D-A629-82D6DCFD77A4}"/>
+              </a:ext>
+            </a:extLst>
+          </p:cNvPr>
+          <p:cNvSpPr txBox="1"/>
+          <p:nvPr/>
+        </p:nvSpPr>
+        <p:spPr>
+          <a:xfrm>
+            <a:off x="5586267" y="2882903"/>
+            <a:ext cx="962315" cy="369332"/>
+          </a:xfrm>
+          <a:prstGeom prst="rect">
+            <a:avLst/>
+          </a:prstGeom>
+          <a:noFill/>
+        </p:spPr>
+        <p:txBody>
+          <a:bodyPr wrap="none" rtlCol="0">
+            <a:spAutoFit/>
+          </a:bodyPr>
+          <a:lstStyle/>
+          <a:p>
+            <a:r>
+              <a:rPr lang="tr-TR" dirty="0"/>
+              <a:t>OTMMB</a:t>
+            </a:r>
+          </a:p>
+        </p:txBody>
+      </p:sp>
+      <p:sp>
+        <p:nvSpPr>
+          <p:cNvPr id="15" name="TextBox 14">
+            <a:extLst>
+              <a:ext uri="{FF2B5EF4-FFF2-40B4-BE49-F238E27FC236}">
+                <a16:creationId xmlns:a16="http://schemas.microsoft.com/office/drawing/2014/main" id="{A115514B-0021-D04D-AAC1-B0CF1B3B9B5E}"/>
+              </a:ext>
+            </a:extLst>
+          </p:cNvPr>
+          <p:cNvSpPr txBox="1"/>
+          <p:nvPr/>
+        </p:nvSpPr>
+        <p:spPr>
+          <a:xfrm>
+            <a:off x="5589287" y="4613735"/>
+            <a:ext cx="962315" cy="369332"/>
+          </a:xfrm>
+          <a:prstGeom prst="rect">
+            <a:avLst/>
+          </a:prstGeom>
+          <a:noFill/>
+        </p:spPr>
+        <p:txBody>
+          <a:bodyPr wrap="none" rtlCol="0">
+            <a:spAutoFit/>
+          </a:bodyPr>
+          <a:lstStyle/>
+          <a:p>
+            <a:r>
+              <a:rPr lang="tr-TR" dirty="0"/>
+              <a:t>OTMMB</a:t>
+            </a:r>
+          </a:p>
+        </p:txBody>
+      </p:sp>
+      <p:sp>
+        <p:nvSpPr>
+          <p:cNvPr id="16" name="TextBox 15">
+            <a:extLst>
+              <a:ext uri="{FF2B5EF4-FFF2-40B4-BE49-F238E27FC236}">
+                <a16:creationId xmlns:a16="http://schemas.microsoft.com/office/drawing/2014/main" id="{3917188C-D717-874A-95F3-3AF79012359C}"/>
+              </a:ext>
+            </a:extLst>
+          </p:cNvPr>
+          <p:cNvSpPr txBox="1"/>
+          <p:nvPr/>
+        </p:nvSpPr>
+        <p:spPr>
+          <a:xfrm>
+            <a:off x="1831432" y="2795293"/>
+            <a:ext cx="445956" cy="369332"/>
+          </a:xfrm>
+          <a:prstGeom prst="rect">
+            <a:avLst/>
+          </a:prstGeom>
+          <a:noFill/>
+        </p:spPr>
+        <p:txBody>
+          <a:bodyPr wrap="none" rtlCol="0">
+            <a:spAutoFit/>
+          </a:bodyPr>
+          <a:lstStyle/>
+          <a:p>
+            <a:r>
+              <a:rPr lang="tr-TR" dirty="0"/>
+              <a:t>(K)</a:t>
+            </a:r>
+          </a:p>
+        </p:txBody>
+      </p:sp>
+      <p:sp>
+        <p:nvSpPr>
+          <p:cNvPr id="17" name="TextBox 16">
+            <a:extLst>
+              <a:ext uri="{FF2B5EF4-FFF2-40B4-BE49-F238E27FC236}">
+                <a16:creationId xmlns:a16="http://schemas.microsoft.com/office/drawing/2014/main" id="{213495D5-F978-7449-8248-12F2543D5F92}"/>
+              </a:ext>
+            </a:extLst>
+          </p:cNvPr>
+          <p:cNvSpPr txBox="1"/>
+          <p:nvPr/>
+        </p:nvSpPr>
+        <p:spPr>
+          <a:xfrm>
+            <a:off x="1319805" y="4537016"/>
+            <a:ext cx="445956" cy="369332"/>
+          </a:xfrm>
+          <a:prstGeom prst="rect">
+            <a:avLst/>
+          </a:prstGeom>
+          <a:noFill/>
+        </p:spPr>
+        <p:txBody>
+          <a:bodyPr wrap="none" rtlCol="0">
+            <a:spAutoFit/>
+          </a:bodyPr>
+          <a:lstStyle/>
+          <a:p>
+            <a:r>
+              <a:rPr lang="tr-TR" dirty="0"/>
+              <a:t>(Z)</a:t>
+            </a:r>
+          </a:p>
+        </p:txBody>
+      </p:sp>
+      <p:sp>
+        <p:nvSpPr>
+          <p:cNvPr id="18" name="TextBox 17">
+            <a:extLst>
+              <a:ext uri="{FF2B5EF4-FFF2-40B4-BE49-F238E27FC236}">
+                <a16:creationId xmlns:a16="http://schemas.microsoft.com/office/drawing/2014/main" id="{A852C863-6F02-7243-964D-D3ED33F90F64}"/>
+              </a:ext>
+            </a:extLst>
+          </p:cNvPr>
+          <p:cNvSpPr txBox="1"/>
+          <p:nvPr/>
+        </p:nvSpPr>
+        <p:spPr>
+          <a:xfrm>
+            <a:off x="7383418" y="2105658"/>
+            <a:ext cx="474810" cy="369332"/>
+          </a:xfrm>
+          <a:prstGeom prst="rect">
+            <a:avLst/>
+          </a:prstGeom>
+          <a:noFill/>
+        </p:spPr>
+        <p:txBody>
+          <a:bodyPr wrap="none" rtlCol="0">
+            <a:spAutoFit/>
+          </a:bodyPr>
+          <a:lstStyle/>
+          <a:p>
+            <a:r>
+              <a:rPr lang="tr-TR" dirty="0"/>
+              <a:t>(N)</a:t>
+            </a:r>
+          </a:p>
+        </p:txBody>
+      </p:sp>
+      <p:sp>
+        <p:nvSpPr>
+          <p:cNvPr id="19" name="TextBox 18">
+            <a:extLst>
+              <a:ext uri="{FF2B5EF4-FFF2-40B4-BE49-F238E27FC236}">
+                <a16:creationId xmlns:a16="http://schemas.microsoft.com/office/drawing/2014/main" id="{D9979550-073F-6C4F-960F-84A81045237F}"/>
+              </a:ext>
+            </a:extLst>
+          </p:cNvPr>
+          <p:cNvSpPr txBox="1"/>
+          <p:nvPr/>
+        </p:nvSpPr>
+        <p:spPr>
+          <a:xfrm>
+            <a:off x="7383418" y="3847370"/>
+            <a:ext cx="522900" cy="369332"/>
+          </a:xfrm>
+          <a:prstGeom prst="rect">
+            <a:avLst/>
+          </a:prstGeom>
+          <a:noFill/>
+        </p:spPr>
+        <p:txBody>
+          <a:bodyPr wrap="none" rtlCol="0">
+            <a:spAutoFit/>
+          </a:bodyPr>
+          <a:lstStyle/>
+          <a:p>
+            <a:r>
+              <a:rPr lang="tr-TR" dirty="0"/>
+              <a:t>(M)</a:t>
+            </a:r>
+          </a:p>
+        </p:txBody>
+      </p:sp>
     </p:spTree>
     <p:extLst>
       <p:ext uri="{BB962C8B-B14F-4D97-AF65-F5344CB8AC3E}">
-        <p14:creationId xmlns:p14="http://schemas.microsoft.com/office/powerpoint/2010/main" val="4138693522"/>
+        <p14:creationId xmlns:p14="http://schemas.microsoft.com/office/powerpoint/2010/main" val="1881069203"/>
       </p:ext>
     </p:extLst>
   </p:cSld>
@@ -4584,9 +5484,8 @@
                   <a:srgbClr val="243041"/>
                 </a:solidFill>
                 <a:latin typeface="Cambria" panose="02040503050406030204" pitchFamily="18" charset="0"/>
-                <a:ea typeface="Cambria" panose="02040503050406030204" pitchFamily="18" charset="0"/>
               </a:rPr>
-              <a:t>Düşünme Egzersizleri</a:t>
+              <a:t>Grafiksel Arayüz (Demo)</a:t>
             </a:r>
           </a:p>
         </p:txBody>
@@ -4609,45 +5508,21 @@
         </p:nvSpPr>
         <p:spPr/>
         <p:txBody>
-          <a:bodyPr/>
-          <a:lstStyle/>
-          <a:p>
-            <a:r>
-              <a:rPr lang="tr-TR" dirty="0">
+          <a:bodyPr>
+            <a:normAutofit/>
+          </a:bodyPr>
+          <a:lstStyle/>
+          <a:p>
+            <a:pPr marL="0" indent="0">
+              <a:buNone/>
+            </a:pPr>
+            <a:r>
+              <a:rPr lang="tr-TR" sz="3600" dirty="0">
                 <a:solidFill>
                   <a:srgbClr val="243041"/>
                 </a:solidFill>
-                <a:latin typeface="Calibri" panose="020F0502020204030204" pitchFamily="34" charset="0"/>
-                <a:ea typeface="Source Sans Pro" panose="020B0503030403020204" pitchFamily="34" charset="0"/>
-                <a:cs typeface="Calibri" panose="020F0502020204030204" pitchFamily="34" charset="0"/>
               </a:rPr>
-              <a:t>Bir makinenin yaptığı bestenin insanlar tarafından değerli bulunması neye bağlıdır?</a:t>
-            </a:r>
-          </a:p>
-          <a:p>
-            <a:r>
-              <a:rPr lang="tr-TR" dirty="0">
-                <a:solidFill>
-                  <a:srgbClr val="243041"/>
-                </a:solidFill>
-                <a:latin typeface="Calibri" panose="020F0502020204030204" pitchFamily="34" charset="0"/>
-                <a:ea typeface="Source Sans Pro" panose="020B0503030403020204" pitchFamily="34" charset="0"/>
-                <a:cs typeface="Calibri" panose="020F0502020204030204" pitchFamily="34" charset="0"/>
-              </a:rPr>
-              <a:t>Müzikte yaratıcılık nedir?</a:t>
-            </a:r>
-          </a:p>
-          <a:p>
-            <a:r>
-              <a:rPr lang="tr-TR" dirty="0">
-                <a:solidFill>
-                  <a:srgbClr val="243041"/>
-                </a:solidFill>
-                <a:latin typeface="Calibri" panose="020F0502020204030204" pitchFamily="34" charset="0"/>
-                <a:ea typeface="Source Sans Pro" panose="020B0503030403020204" pitchFamily="34" charset="0"/>
-                <a:cs typeface="Calibri" panose="020F0502020204030204" pitchFamily="34" charset="0"/>
-              </a:rPr>
-              <a:t>İnsan zihni tamamen yeni bir şey yaratabilir mi?</a:t>
+              <a:t>http://music.cs.deu.edu.tr/tmmgui</a:t>
             </a:r>
           </a:p>
         </p:txBody>
@@ -4676,6 +5551,160 @@
             <a:fld id="{0B0A7288-46A4-3940-A53E-A8FC0B879407}" type="slidenum">
               <a:rPr lang="en-TR" smtClean="0"/>
               <a:t>7</a:t>
+            </a:fld>
+            <a:endParaRPr lang="en-TR"/>
+          </a:p>
+        </p:txBody>
+      </p:sp>
+    </p:spTree>
+    <p:extLst>
+      <p:ext uri="{BB962C8B-B14F-4D97-AF65-F5344CB8AC3E}">
+        <p14:creationId xmlns:p14="http://schemas.microsoft.com/office/powerpoint/2010/main" val="4138693522"/>
+      </p:ext>
+    </p:extLst>
+  </p:cSld>
+  <p:clrMapOvr>
+    <a:masterClrMapping/>
+  </p:clrMapOvr>
+</p:sld>
+</file>
+
+<file path=ppt/slides/slide8.xml><?xml version="1.0" encoding="utf-8"?>
+<p:sld xmlns:a="http://schemas.openxmlformats.org/drawingml/2006/main" xmlns:r="http://schemas.openxmlformats.org/officeDocument/2006/relationships" xmlns:p="http://schemas.openxmlformats.org/presentationml/2006/main">
+  <p:cSld>
+    <p:spTree>
+      <p:nvGrpSpPr>
+        <p:cNvPr id="1" name=""/>
+        <p:cNvGrpSpPr/>
+        <p:nvPr/>
+      </p:nvGrpSpPr>
+      <p:grpSpPr>
+        <a:xfrm>
+          <a:off x="0" y="0"/>
+          <a:ext cx="0" cy="0"/>
+          <a:chOff x="0" y="0"/>
+          <a:chExt cx="0" cy="0"/>
+        </a:xfrm>
+      </p:grpSpPr>
+      <p:sp>
+        <p:nvSpPr>
+          <p:cNvPr id="2" name="Title 1">
+            <a:extLst>
+              <a:ext uri="{FF2B5EF4-FFF2-40B4-BE49-F238E27FC236}">
+                <a16:creationId xmlns:a16="http://schemas.microsoft.com/office/drawing/2014/main" id="{D1B1EED6-F70F-2C42-982B-7304BE48B48E}"/>
+              </a:ext>
+            </a:extLst>
+          </p:cNvPr>
+          <p:cNvSpPr>
+            <a:spLocks noGrp="1"/>
+          </p:cNvSpPr>
+          <p:nvPr>
+            <p:ph type="title"/>
+          </p:nvPr>
+        </p:nvSpPr>
+        <p:spPr/>
+        <p:txBody>
+          <a:bodyPr/>
+          <a:lstStyle/>
+          <a:p>
+            <a:r>
+              <a:rPr lang="tr-TR" dirty="0">
+                <a:solidFill>
+                  <a:srgbClr val="243041"/>
+                </a:solidFill>
+                <a:latin typeface="Cambria" panose="02040503050406030204" pitchFamily="18" charset="0"/>
+                <a:ea typeface="Cambria" panose="02040503050406030204" pitchFamily="18" charset="0"/>
+              </a:rPr>
+              <a:t>Düşünme Egzersizleri</a:t>
+            </a:r>
+          </a:p>
+        </p:txBody>
+      </p:sp>
+      <p:sp>
+        <p:nvSpPr>
+          <p:cNvPr id="3" name="Content Placeholder 2">
+            <a:extLst>
+              <a:ext uri="{FF2B5EF4-FFF2-40B4-BE49-F238E27FC236}">
+                <a16:creationId xmlns:a16="http://schemas.microsoft.com/office/drawing/2014/main" id="{4E958FD7-5D47-F247-A470-4E94A4F14BAB}"/>
+              </a:ext>
+            </a:extLst>
+          </p:cNvPr>
+          <p:cNvSpPr>
+            <a:spLocks noGrp="1"/>
+          </p:cNvSpPr>
+          <p:nvPr>
+            <p:ph idx="1"/>
+          </p:nvPr>
+        </p:nvSpPr>
+        <p:spPr/>
+        <p:txBody>
+          <a:bodyPr/>
+          <a:lstStyle/>
+          <a:p>
+            <a:r>
+              <a:rPr lang="tr-TR" dirty="0">
+                <a:solidFill>
+                  <a:srgbClr val="243041"/>
+                </a:solidFill>
+                <a:latin typeface="Calibri" panose="020F0502020204030204" pitchFamily="34" charset="0"/>
+                <a:ea typeface="Source Sans Pro" panose="020B0503030403020204" pitchFamily="34" charset="0"/>
+                <a:cs typeface="Calibri" panose="020F0502020204030204" pitchFamily="34" charset="0"/>
+              </a:rPr>
+              <a:t>Bir /makinenin yaptığı/ bestenin insanlar tarafından değerli bulunması neye bağlıdır?</a:t>
+            </a:r>
+          </a:p>
+          <a:p>
+            <a:r>
+              <a:rPr lang="tr-TR" dirty="0">
+                <a:solidFill>
+                  <a:srgbClr val="243041"/>
+                </a:solidFill>
+                <a:latin typeface="Calibri" panose="020F0502020204030204" pitchFamily="34" charset="0"/>
+                <a:ea typeface="Source Sans Pro" panose="020B0503030403020204" pitchFamily="34" charset="0"/>
+                <a:cs typeface="Calibri" panose="020F0502020204030204" pitchFamily="34" charset="0"/>
+              </a:rPr>
+              <a:t>Müzikte yaratıcılık nedir?</a:t>
+            </a:r>
+          </a:p>
+          <a:p>
+            <a:r>
+              <a:rPr lang="tr-TR" dirty="0">
+                <a:solidFill>
+                  <a:srgbClr val="243041"/>
+                </a:solidFill>
+                <a:latin typeface="Calibri" panose="020F0502020204030204" pitchFamily="34" charset="0"/>
+                <a:ea typeface="Source Sans Pro" panose="020B0503030403020204" pitchFamily="34" charset="0"/>
+                <a:cs typeface="Calibri" panose="020F0502020204030204" pitchFamily="34" charset="0"/>
+              </a:rPr>
+              <a:t>Zihin tamamen yeni bir şey yaratabilir mi?</a:t>
+            </a:r>
+          </a:p>
+        </p:txBody>
+      </p:sp>
+      <p:sp>
+        <p:nvSpPr>
+          <p:cNvPr id="4" name="Slide Number Placeholder 3">
+            <a:extLst>
+              <a:ext uri="{FF2B5EF4-FFF2-40B4-BE49-F238E27FC236}">
+                <a16:creationId xmlns:a16="http://schemas.microsoft.com/office/drawing/2014/main" id="{21960B8E-F2EC-0C45-8C3C-47B7B748920B}"/>
+              </a:ext>
+            </a:extLst>
+          </p:cNvPr>
+          <p:cNvSpPr>
+            <a:spLocks noGrp="1"/>
+          </p:cNvSpPr>
+          <p:nvPr>
+            <p:ph type="sldNum" sz="quarter" idx="12"/>
+          </p:nvPr>
+        </p:nvSpPr>
+        <p:spPr/>
+        <p:txBody>
+          <a:bodyPr/>
+          <a:lstStyle/>
+          <a:p>
+            <a:fld id="{0B0A7288-46A4-3940-A53E-A8FC0B879407}" type="slidenum">
+              <a:rPr lang="en-TR" smtClean="0"/>
+              <a:t>8</a:t>
             </a:fld>
             <a:endParaRPr lang="en-TR"/>
           </a:p>

--- a/assets/DL_GUI.pptx
+++ b/assets/DL_GUI.pptx
@@ -5,17 +5,16 @@
     <p:sldMasterId id="2147483660" r:id="rId1"/>
   </p:sldMasterIdLst>
   <p:notesMasterIdLst>
-    <p:notesMasterId r:id="rId10"/>
+    <p:notesMasterId r:id="rId9"/>
   </p:notesMasterIdLst>
   <p:sldIdLst>
     <p:sldId id="259" r:id="rId2"/>
-    <p:sldId id="257" r:id="rId3"/>
-    <p:sldId id="261" r:id="rId4"/>
-    <p:sldId id="262" r:id="rId5"/>
-    <p:sldId id="266" r:id="rId6"/>
-    <p:sldId id="267" r:id="rId7"/>
-    <p:sldId id="265" r:id="rId8"/>
-    <p:sldId id="260" r:id="rId9"/>
+    <p:sldId id="261" r:id="rId3"/>
+    <p:sldId id="262" r:id="rId4"/>
+    <p:sldId id="266" r:id="rId5"/>
+    <p:sldId id="267" r:id="rId6"/>
+    <p:sldId id="265" r:id="rId7"/>
+    <p:sldId id="260" r:id="rId8"/>
   </p:sldIdLst>
   <p:sldSz cx="9144000" cy="6858000" type="screen4x3"/>
   <p:notesSz cx="6858000" cy="9144000"/>
@@ -204,7 +203,7 @@
           <a:p>
             <a:fld id="{BA8D1F55-E99F-5045-8C53-3D21CEBDAA6D}" type="datetimeFigureOut">
               <a:rPr lang="tr-TR" smtClean="0"/>
-              <a:t>12.05.2021</a:t>
+              <a:t>25.05.2021</a:t>
             </a:fld>
             <a:endParaRPr lang="tr-TR" dirty="0"/>
           </a:p>
@@ -603,7 +602,7 @@
           <a:p>
             <a:fld id="{36D0695C-02F7-9E48-99F1-CA76EC165F5F}" type="datetime1">
               <a:rPr lang="tr-TR" smtClean="0"/>
-              <a:t>12.05.2021</a:t>
+              <a:t>25.05.2021</a:t>
             </a:fld>
             <a:endParaRPr lang="en-TR"/>
           </a:p>
@@ -773,7 +772,7 @@
           <a:p>
             <a:fld id="{07669073-FE43-284E-877E-F9D0B9FECE40}" type="datetime1">
               <a:rPr lang="tr-TR" smtClean="0"/>
-              <a:t>12.05.2021</a:t>
+              <a:t>25.05.2021</a:t>
             </a:fld>
             <a:endParaRPr lang="en-TR"/>
           </a:p>
@@ -953,7 +952,7 @@
           <a:p>
             <a:fld id="{93417FB8-E891-1145-9AF2-F81283B1CC0B}" type="datetime1">
               <a:rPr lang="tr-TR" smtClean="0"/>
-              <a:t>12.05.2021</a:t>
+              <a:t>25.05.2021</a:t>
             </a:fld>
             <a:endParaRPr lang="en-TR"/>
           </a:p>
@@ -1123,7 +1122,7 @@
           <a:p>
             <a:fld id="{7BB4C77B-42F8-394E-B013-479195A17602}" type="datetime1">
               <a:rPr lang="tr-TR" smtClean="0"/>
-              <a:t>12.05.2021</a:t>
+              <a:t>25.05.2021</a:t>
             </a:fld>
             <a:endParaRPr lang="en-TR"/>
           </a:p>
@@ -1367,7 +1366,7 @@
           <a:p>
             <a:fld id="{F35B99F1-B0D2-B54F-A547-A51617C4E854}" type="datetime1">
               <a:rPr lang="tr-TR" smtClean="0"/>
-              <a:t>12.05.2021</a:t>
+              <a:t>25.05.2021</a:t>
             </a:fld>
             <a:endParaRPr lang="en-TR"/>
           </a:p>
@@ -1599,7 +1598,7 @@
           <a:p>
             <a:fld id="{E2F121C7-DD52-C240-90E9-DF6893BE1BE2}" type="datetime1">
               <a:rPr lang="tr-TR" smtClean="0"/>
-              <a:t>12.05.2021</a:t>
+              <a:t>25.05.2021</a:t>
             </a:fld>
             <a:endParaRPr lang="en-TR"/>
           </a:p>
@@ -1966,7 +1965,7 @@
           <a:p>
             <a:fld id="{53929604-B735-B94D-B9DF-70C67D50649B}" type="datetime1">
               <a:rPr lang="tr-TR" smtClean="0"/>
-              <a:t>12.05.2021</a:t>
+              <a:t>25.05.2021</a:t>
             </a:fld>
             <a:endParaRPr lang="en-TR"/>
           </a:p>
@@ -2084,7 +2083,7 @@
           <a:p>
             <a:fld id="{AA3D4FE0-3B02-DA46-B96A-05866655B09D}" type="datetime1">
               <a:rPr lang="tr-TR" smtClean="0"/>
-              <a:t>12.05.2021</a:t>
+              <a:t>25.05.2021</a:t>
             </a:fld>
             <a:endParaRPr lang="en-TR"/>
           </a:p>
@@ -2179,7 +2178,7 @@
           <a:p>
             <a:fld id="{902B0211-A2D5-4347-B767-098CAB92A78F}" type="datetime1">
               <a:rPr lang="tr-TR" smtClean="0"/>
-              <a:t>12.05.2021</a:t>
+              <a:t>25.05.2021</a:t>
             </a:fld>
             <a:endParaRPr lang="en-TR"/>
           </a:p>
@@ -2456,7 +2455,7 @@
           <a:p>
             <a:fld id="{F3B2B4EE-0540-454A-82D3-2681F7435D3F}" type="datetime1">
               <a:rPr lang="tr-TR" smtClean="0"/>
-              <a:t>12.05.2021</a:t>
+              <a:t>25.05.2021</a:t>
             </a:fld>
             <a:endParaRPr lang="en-TR"/>
           </a:p>
@@ -2712,7 +2711,7 @@
           <a:p>
             <a:fld id="{D7CF92EB-5677-1144-9B83-595F8BFAD415}" type="datetime1">
               <a:rPr lang="tr-TR" smtClean="0"/>
-              <a:t>12.05.2021</a:t>
+              <a:t>25.05.2021</a:t>
             </a:fld>
             <a:endParaRPr lang="en-TR"/>
           </a:p>
@@ -2942,7 +2941,7 @@
           <a:p>
             <a:fld id="{F2372F51-7A8B-B948-B55B-93554365BB4D}" type="datetime1">
               <a:rPr lang="tr-TR" smtClean="0"/>
-              <a:t>12.05.2021</a:t>
+              <a:t>25.05.2021</a:t>
             </a:fld>
             <a:endParaRPr lang="en-TR"/>
           </a:p>
@@ -3603,7 +3602,7 @@
                 </a:solidFill>
                 <a:latin typeface="Cambria" panose="02040503050406030204" pitchFamily="18" charset="0"/>
               </a:rPr>
-              <a:t>İçerik</a:t>
+              <a:t>Derin Öğrenme ❊ Müzik</a:t>
             </a:r>
           </a:p>
         </p:txBody>
@@ -3632,52 +3631,174 @@
           <a:lstStyle/>
           <a:p>
             <a:r>
-              <a:rPr lang="tr-TR" sz="3600" dirty="0">
-                <a:solidFill>
-                  <a:srgbClr val="243041"/>
-                </a:solidFill>
-              </a:rPr>
-              <a:t>Derin öğrenme &amp; müzik</a:t>
-            </a:r>
-          </a:p>
-          <a:p>
-            <a:r>
-              <a:rPr lang="tr-TR" sz="3600" dirty="0">
-                <a:solidFill>
-                  <a:srgbClr val="243041"/>
-                </a:solidFill>
-              </a:rPr>
-              <a:t>Ses dosyası ≠ sembolik müzik</a:t>
-            </a:r>
-          </a:p>
-          <a:p>
-            <a:r>
-              <a:rPr lang="tr-TR" sz="3600" dirty="0">
-                <a:solidFill>
-                  <a:srgbClr val="243041"/>
-                </a:solidFill>
-              </a:rPr>
-              <a:t>OTMMB</a:t>
-            </a:r>
-          </a:p>
-          <a:p>
-            <a:r>
-              <a:rPr lang="tr-TR" sz="3600" dirty="0">
-                <a:solidFill>
-                  <a:srgbClr val="243041"/>
-                </a:solidFill>
-              </a:rPr>
-              <a:t>Grafiksel arayüz</a:t>
-            </a:r>
-          </a:p>
-          <a:p>
-            <a:r>
-              <a:rPr lang="tr-TR" sz="3600" dirty="0">
-                <a:solidFill>
-                  <a:srgbClr val="243041"/>
-                </a:solidFill>
-              </a:rPr>
-              <a:t>Sonuçlar</a:t>
+              <a:rPr lang="tr-TR" dirty="0">
+                <a:solidFill>
+                  <a:srgbClr val="243041"/>
+                </a:solidFill>
+              </a:rPr>
+              <a:t>AlphaGo 2016</a:t>
+            </a:r>
+          </a:p>
+          <a:p>
+            <a:r>
+              <a:rPr lang="tr-TR" dirty="0" err="1">
+                <a:solidFill>
+                  <a:srgbClr val="243041"/>
+                </a:solidFill>
+              </a:rPr>
+              <a:t>Aiva</a:t>
+            </a:r>
+            <a:r>
+              <a:rPr lang="tr-TR" dirty="0">
+                <a:solidFill>
+                  <a:srgbClr val="243041"/>
+                </a:solidFill>
+              </a:rPr>
+              <a:t> Technologies 2017</a:t>
+            </a:r>
+          </a:p>
+          <a:p>
+            <a:pPr marL="0" indent="0">
+              <a:buNone/>
+            </a:pPr>
+            <a:r>
+              <a:rPr lang="tr-TR" dirty="0">
+                <a:solidFill>
+                  <a:srgbClr val="243041"/>
+                </a:solidFill>
+              </a:rPr>
+              <a:t>(</a:t>
+            </a:r>
+            <a:r>
+              <a:rPr lang="tr-TR" sz="2000" dirty="0">
+                <a:solidFill>
+                  <a:srgbClr val="243041"/>
+                </a:solidFill>
+                <a:hlinkClick r:id="rId2"/>
+              </a:rPr>
+              <a:t>https://soundcloud.com/user-95265362/sets/genesis</a:t>
+            </a:r>
+            <a:r>
+              <a:rPr lang="tr-TR" dirty="0">
+                <a:solidFill>
+                  <a:srgbClr val="243041"/>
+                </a:solidFill>
+              </a:rPr>
+              <a:t>)</a:t>
+            </a:r>
+          </a:p>
+          <a:p>
+            <a:r>
+              <a:rPr lang="tr-TR" dirty="0" err="1">
+                <a:solidFill>
+                  <a:srgbClr val="243041"/>
+                </a:solidFill>
+              </a:rPr>
+              <a:t>YouTube</a:t>
+            </a:r>
+            <a:r>
+              <a:rPr lang="tr-TR" dirty="0">
+                <a:solidFill>
+                  <a:srgbClr val="243041"/>
+                </a:solidFill>
+              </a:rPr>
+              <a:t> 2018 → «</a:t>
+            </a:r>
+            <a:r>
+              <a:rPr lang="en-US" dirty="0">
+                <a:solidFill>
+                  <a:srgbClr val="243041"/>
+                </a:solidFill>
+              </a:rPr>
+              <a:t>Google Assistant calling a restaurant for a reservation</a:t>
+            </a:r>
+            <a:r>
+              <a:rPr lang="tr-TR" dirty="0">
+                <a:solidFill>
+                  <a:srgbClr val="243041"/>
+                </a:solidFill>
+              </a:rPr>
+              <a:t>»</a:t>
+            </a:r>
+          </a:p>
+          <a:p>
+            <a:r>
+              <a:rPr lang="en-US" dirty="0">
+                <a:solidFill>
+                  <a:srgbClr val="243041"/>
+                </a:solidFill>
+              </a:rPr>
+              <a:t>Google </a:t>
+            </a:r>
+            <a:r>
+              <a:rPr lang="tr-TR" dirty="0">
+                <a:solidFill>
+                  <a:srgbClr val="243041"/>
+                </a:solidFill>
+              </a:rPr>
+              <a:t>→ «</a:t>
+            </a:r>
+            <a:r>
+              <a:rPr lang="en-US" dirty="0">
+                <a:solidFill>
+                  <a:srgbClr val="243041"/>
+                </a:solidFill>
+              </a:rPr>
+              <a:t>Bach doodle</a:t>
+            </a:r>
+            <a:r>
+              <a:rPr lang="tr-TR" dirty="0">
+                <a:solidFill>
+                  <a:srgbClr val="243041"/>
+                </a:solidFill>
+              </a:rPr>
+              <a:t>»</a:t>
+            </a:r>
+            <a:r>
+              <a:rPr lang="en-US" dirty="0">
+                <a:solidFill>
+                  <a:srgbClr val="243041"/>
+                </a:solidFill>
+              </a:rPr>
+              <a:t> </a:t>
+            </a:r>
+            <a:r>
+              <a:rPr lang="tr-TR" dirty="0">
+                <a:solidFill>
+                  <a:srgbClr val="243041"/>
+                </a:solidFill>
+              </a:rPr>
+              <a:t>2019</a:t>
+            </a:r>
+          </a:p>
+          <a:p>
+            <a:pPr marL="0" indent="0">
+              <a:buNone/>
+            </a:pPr>
+            <a:r>
+              <a:rPr lang="tr-TR" dirty="0">
+                <a:solidFill>
+                  <a:srgbClr val="243041"/>
+                </a:solidFill>
+              </a:rPr>
+              <a:t>(</a:t>
+            </a:r>
+            <a:r>
+              <a:rPr lang="tr-TR" sz="2000" dirty="0">
+                <a:solidFill>
+                  <a:srgbClr val="243041"/>
+                </a:solidFill>
+                <a:hlinkClick r:id="rId3"/>
+              </a:rPr>
+              <a:t>https://www.google.com/doodles/celebrating-johann-sebastian-bach</a:t>
+            </a:r>
+            <a:r>
+              <a:rPr lang="tr-TR" dirty="0">
+                <a:solidFill>
+                  <a:srgbClr val="243041"/>
+                </a:solidFill>
+              </a:rPr>
+              <a:t>)</a:t>
             </a:r>
           </a:p>
         </p:txBody>
@@ -3714,7 +3835,7 @@
     </p:spTree>
     <p:extLst>
       <p:ext uri="{BB962C8B-B14F-4D97-AF65-F5344CB8AC3E}">
-        <p14:creationId xmlns:p14="http://schemas.microsoft.com/office/powerpoint/2010/main" val="2630755311"/>
+        <p14:creationId xmlns:p14="http://schemas.microsoft.com/office/powerpoint/2010/main" val="1643482467"/>
       </p:ext>
     </p:extLst>
   </p:cSld>
@@ -3769,134 +3890,7 @@
                 </a:solidFill>
                 <a:latin typeface="Cambria" panose="02040503050406030204" pitchFamily="18" charset="0"/>
               </a:rPr>
-              <a:t>Derin Öğrenme &amp; Müzik</a:t>
-            </a:r>
-          </a:p>
-        </p:txBody>
-      </p:sp>
-      <p:sp>
-        <p:nvSpPr>
-          <p:cNvPr id="3" name="Content Placeholder 2">
-            <a:extLst>
-              <a:ext uri="{FF2B5EF4-FFF2-40B4-BE49-F238E27FC236}">
-                <a16:creationId xmlns:a16="http://schemas.microsoft.com/office/drawing/2014/main" id="{4E958FD7-5D47-F247-A470-4E94A4F14BAB}"/>
-              </a:ext>
-            </a:extLst>
-          </p:cNvPr>
-          <p:cNvSpPr>
-            <a:spLocks noGrp="1"/>
-          </p:cNvSpPr>
-          <p:nvPr>
-            <p:ph idx="1"/>
-          </p:nvPr>
-        </p:nvSpPr>
-        <p:spPr/>
-        <p:txBody>
-          <a:bodyPr>
-            <a:normAutofit/>
-          </a:bodyPr>
-          <a:lstStyle/>
-          <a:p>
-            <a:r>
-              <a:rPr lang="tr-TR" dirty="0">
-                <a:solidFill>
-                  <a:srgbClr val="243041"/>
-                </a:solidFill>
-              </a:rPr>
-              <a:t>AlphaGo 2016</a:t>
-            </a:r>
-          </a:p>
-          <a:p>
-            <a:r>
-              <a:rPr lang="tr-TR" dirty="0">
-                <a:solidFill>
-                  <a:srgbClr val="243041"/>
-                </a:solidFill>
-              </a:rPr>
-              <a:t>YouTube 2018 → «</a:t>
-            </a:r>
-            <a:r>
-              <a:rPr lang="en-US" dirty="0">
-                <a:solidFill>
-                  <a:srgbClr val="243041"/>
-                </a:solidFill>
-              </a:rPr>
-              <a:t>Google Assistant calling a restaurant for a reservation</a:t>
-            </a:r>
-            <a:r>
-              <a:rPr lang="tr-TR" dirty="0">
-                <a:solidFill>
-                  <a:srgbClr val="243041"/>
-                </a:solidFill>
-              </a:rPr>
-              <a:t>»</a:t>
-            </a:r>
-          </a:p>
-          <a:p>
-            <a:r>
-              <a:rPr lang="en-US" dirty="0">
-                <a:solidFill>
-                  <a:srgbClr val="243041"/>
-                </a:solidFill>
-              </a:rPr>
-              <a:t>Google </a:t>
-            </a:r>
-            <a:r>
-              <a:rPr lang="tr-TR" dirty="0">
-                <a:solidFill>
-                  <a:srgbClr val="243041"/>
-                </a:solidFill>
-              </a:rPr>
-              <a:t>→ «</a:t>
-            </a:r>
-            <a:r>
-              <a:rPr lang="en-US" dirty="0">
-                <a:solidFill>
-                  <a:srgbClr val="243041"/>
-                </a:solidFill>
-              </a:rPr>
-              <a:t>Bach doodle</a:t>
-            </a:r>
-            <a:r>
-              <a:rPr lang="tr-TR" dirty="0">
-                <a:solidFill>
-                  <a:srgbClr val="243041"/>
-                </a:solidFill>
-              </a:rPr>
-              <a:t>»</a:t>
-            </a:r>
-            <a:r>
-              <a:rPr lang="en-US" dirty="0">
-                <a:solidFill>
-                  <a:srgbClr val="243041"/>
-                </a:solidFill>
-              </a:rPr>
-              <a:t> </a:t>
-            </a:r>
-            <a:r>
-              <a:rPr lang="tr-TR" dirty="0">
-                <a:solidFill>
-                  <a:srgbClr val="243041"/>
-                </a:solidFill>
-              </a:rPr>
-              <a:t>2019 (</a:t>
-            </a:r>
-            <a:r>
-              <a:rPr lang="tr-TR" sz="2000" dirty="0">
-                <a:solidFill>
-                  <a:srgbClr val="243041"/>
-                </a:solidFill>
-                <a:hlinkClick r:id="rId2"/>
-              </a:rPr>
-              <a:t>https://www.google.com/doodles/celebrating-johann-sebastian-bach</a:t>
-            </a:r>
-            <a:r>
-              <a:rPr lang="tr-TR" dirty="0">
-                <a:solidFill>
-                  <a:srgbClr val="243041"/>
-                </a:solidFill>
-              </a:rPr>
-              <a:t>)</a:t>
+              <a:t>Müzik İfade Biçimleri (I)</a:t>
             </a:r>
           </a:p>
         </p:txBody>
@@ -3925,98 +3919,6 @@
             <a:fld id="{0B0A7288-46A4-3940-A53E-A8FC0B879407}" type="slidenum">
               <a:rPr lang="en-TR" smtClean="0"/>
               <a:t>3</a:t>
-            </a:fld>
-            <a:endParaRPr lang="en-TR"/>
-          </a:p>
-        </p:txBody>
-      </p:sp>
-    </p:spTree>
-    <p:extLst>
-      <p:ext uri="{BB962C8B-B14F-4D97-AF65-F5344CB8AC3E}">
-        <p14:creationId xmlns:p14="http://schemas.microsoft.com/office/powerpoint/2010/main" val="1643482467"/>
-      </p:ext>
-    </p:extLst>
-  </p:cSld>
-  <p:clrMapOvr>
-    <a:masterClrMapping/>
-  </p:clrMapOvr>
-</p:sld>
-</file>
-
-<file path=ppt/slides/slide4.xml><?xml version="1.0" encoding="utf-8"?>
-<p:sld xmlns:a="http://schemas.openxmlformats.org/drawingml/2006/main" xmlns:r="http://schemas.openxmlformats.org/officeDocument/2006/relationships" xmlns:p="http://schemas.openxmlformats.org/presentationml/2006/main">
-  <p:cSld>
-    <p:spTree>
-      <p:nvGrpSpPr>
-        <p:cNvPr id="1" name=""/>
-        <p:cNvGrpSpPr/>
-        <p:nvPr/>
-      </p:nvGrpSpPr>
-      <p:grpSpPr>
-        <a:xfrm>
-          <a:off x="0" y="0"/>
-          <a:ext cx="0" cy="0"/>
-          <a:chOff x="0" y="0"/>
-          <a:chExt cx="0" cy="0"/>
-        </a:xfrm>
-      </p:grpSpPr>
-      <p:sp>
-        <p:nvSpPr>
-          <p:cNvPr id="2" name="Title 1">
-            <a:extLst>
-              <a:ext uri="{FF2B5EF4-FFF2-40B4-BE49-F238E27FC236}">
-                <a16:creationId xmlns:a16="http://schemas.microsoft.com/office/drawing/2014/main" id="{D1B1EED6-F70F-2C42-982B-7304BE48B48E}"/>
-              </a:ext>
-            </a:extLst>
-          </p:cNvPr>
-          <p:cNvSpPr>
-            <a:spLocks noGrp="1"/>
-          </p:cNvSpPr>
-          <p:nvPr>
-            <p:ph type="title"/>
-          </p:nvPr>
-        </p:nvSpPr>
-        <p:spPr/>
-        <p:txBody>
-          <a:bodyPr/>
-          <a:lstStyle/>
-          <a:p>
-            <a:r>
-              <a:rPr lang="tr-TR" dirty="0">
-                <a:solidFill>
-                  <a:srgbClr val="243041"/>
-                </a:solidFill>
-                <a:latin typeface="Cambria" panose="02040503050406030204" pitchFamily="18" charset="0"/>
-              </a:rPr>
-              <a:t>Müzik İfade Biçimleri (I)</a:t>
-            </a:r>
-          </a:p>
-        </p:txBody>
-      </p:sp>
-      <p:sp>
-        <p:nvSpPr>
-          <p:cNvPr id="4" name="Slide Number Placeholder 3">
-            <a:extLst>
-              <a:ext uri="{FF2B5EF4-FFF2-40B4-BE49-F238E27FC236}">
-                <a16:creationId xmlns:a16="http://schemas.microsoft.com/office/drawing/2014/main" id="{21960B8E-F2EC-0C45-8C3C-47B7B748920B}"/>
-              </a:ext>
-            </a:extLst>
-          </p:cNvPr>
-          <p:cNvSpPr>
-            <a:spLocks noGrp="1"/>
-          </p:cNvSpPr>
-          <p:nvPr>
-            <p:ph type="sldNum" sz="quarter" idx="12"/>
-          </p:nvPr>
-        </p:nvSpPr>
-        <p:spPr/>
-        <p:txBody>
-          <a:bodyPr/>
-          <a:lstStyle/>
-          <a:p>
-            <a:fld id="{0B0A7288-46A4-3940-A53E-A8FC0B879407}" type="slidenum">
-              <a:rPr lang="en-TR" smtClean="0"/>
-              <a:t>4</a:t>
             </a:fld>
             <a:endParaRPr lang="en-TR"/>
           </a:p>
@@ -4453,6 +4355,282 @@
 </p:sld>
 </file>
 
+<file path=ppt/slides/slide4.xml><?xml version="1.0" encoding="utf-8"?>
+<p:sld xmlns:a="http://schemas.openxmlformats.org/drawingml/2006/main" xmlns:r="http://schemas.openxmlformats.org/officeDocument/2006/relationships" xmlns:p="http://schemas.openxmlformats.org/presentationml/2006/main">
+  <p:cSld>
+    <p:spTree>
+      <p:nvGrpSpPr>
+        <p:cNvPr id="1" name=""/>
+        <p:cNvGrpSpPr/>
+        <p:nvPr/>
+      </p:nvGrpSpPr>
+      <p:grpSpPr>
+        <a:xfrm>
+          <a:off x="0" y="0"/>
+          <a:ext cx="0" cy="0"/>
+          <a:chOff x="0" y="0"/>
+          <a:chExt cx="0" cy="0"/>
+        </a:xfrm>
+      </p:grpSpPr>
+      <p:sp>
+        <p:nvSpPr>
+          <p:cNvPr id="2" name="Title 1">
+            <a:extLst>
+              <a:ext uri="{FF2B5EF4-FFF2-40B4-BE49-F238E27FC236}">
+                <a16:creationId xmlns:a16="http://schemas.microsoft.com/office/drawing/2014/main" id="{D1B1EED6-F70F-2C42-982B-7304BE48B48E}"/>
+              </a:ext>
+            </a:extLst>
+          </p:cNvPr>
+          <p:cNvSpPr>
+            <a:spLocks noGrp="1"/>
+          </p:cNvSpPr>
+          <p:nvPr>
+            <p:ph type="title"/>
+          </p:nvPr>
+        </p:nvSpPr>
+        <p:spPr/>
+        <p:txBody>
+          <a:bodyPr/>
+          <a:lstStyle/>
+          <a:p>
+            <a:r>
+              <a:rPr lang="tr-TR" dirty="0">
+                <a:solidFill>
+                  <a:srgbClr val="243041"/>
+                </a:solidFill>
+                <a:latin typeface="Cambria" panose="02040503050406030204" pitchFamily="18" charset="0"/>
+              </a:rPr>
+              <a:t>Müzik İfade Biçimleri (II)</a:t>
+            </a:r>
+          </a:p>
+        </p:txBody>
+      </p:sp>
+      <p:sp>
+        <p:nvSpPr>
+          <p:cNvPr id="4" name="Slide Number Placeholder 3">
+            <a:extLst>
+              <a:ext uri="{FF2B5EF4-FFF2-40B4-BE49-F238E27FC236}">
+                <a16:creationId xmlns:a16="http://schemas.microsoft.com/office/drawing/2014/main" id="{21960B8E-F2EC-0C45-8C3C-47B7B748920B}"/>
+              </a:ext>
+            </a:extLst>
+          </p:cNvPr>
+          <p:cNvSpPr>
+            <a:spLocks noGrp="1"/>
+          </p:cNvSpPr>
+          <p:nvPr>
+            <p:ph type="sldNum" sz="quarter" idx="12"/>
+          </p:nvPr>
+        </p:nvSpPr>
+        <p:spPr/>
+        <p:txBody>
+          <a:bodyPr/>
+          <a:lstStyle/>
+          <a:p>
+            <a:fld id="{0B0A7288-46A4-3940-A53E-A8FC0B879407}" type="slidenum">
+              <a:rPr lang="en-TR" smtClean="0"/>
+              <a:t>4</a:t>
+            </a:fld>
+            <a:endParaRPr lang="en-TR"/>
+          </a:p>
+        </p:txBody>
+      </p:sp>
+      <p:sp>
+        <p:nvSpPr>
+          <p:cNvPr id="7" name="Content Placeholder 6">
+            <a:extLst>
+              <a:ext uri="{FF2B5EF4-FFF2-40B4-BE49-F238E27FC236}">
+                <a16:creationId xmlns:a16="http://schemas.microsoft.com/office/drawing/2014/main" id="{6B78003D-8714-497B-96BB-3AD98EF41CCB}"/>
+              </a:ext>
+            </a:extLst>
+          </p:cNvPr>
+          <p:cNvSpPr>
+            <a:spLocks noGrp="1"/>
+          </p:cNvSpPr>
+          <p:nvPr>
+            <p:ph idx="1"/>
+          </p:nvPr>
+        </p:nvSpPr>
+        <p:spPr/>
+        <p:txBody>
+          <a:bodyPr/>
+          <a:lstStyle/>
+          <a:p>
+            <a:pPr marL="0" indent="0" algn="l" defTabSz="914400" rtl="0" eaLnBrk="1" latinLnBrk="0" hangingPunct="1">
+              <a:lnSpc>
+                <a:spcPct val="90000"/>
+              </a:lnSpc>
+              <a:spcBef>
+                <a:spcPts val="1000"/>
+              </a:spcBef>
+              <a:buFont typeface="Arial" panose="020B0604020202020204" pitchFamily="34" charset="0"/>
+              <a:buNone/>
+            </a:pPr>
+            <a:r>
+              <a:rPr lang="tr-TR" dirty="0">
+                <a:solidFill>
+                  <a:srgbClr val="243041"/>
+                </a:solidFill>
+              </a:rPr>
+              <a:t>Sembolik:</a:t>
+            </a:r>
+          </a:p>
+          <a:p>
+            <a:r>
+              <a:rPr lang="tr-TR" dirty="0">
+                <a:solidFill>
+                  <a:srgbClr val="243041"/>
+                </a:solidFill>
+              </a:rPr>
+              <a:t>La4:1/4, Do5:1/8, Si4:1/8, …, La4:1/4</a:t>
+            </a:r>
+          </a:p>
+          <a:p>
+            <a:r>
+              <a:rPr lang="tr-TR" dirty="0">
+                <a:solidFill>
+                  <a:srgbClr val="243041"/>
+                </a:solidFill>
+              </a:rPr>
+              <a:t>MIDI</a:t>
+            </a:r>
+          </a:p>
+          <a:p>
+            <a:r>
+              <a:rPr lang="tr-TR" dirty="0">
+                <a:solidFill>
+                  <a:srgbClr val="243041"/>
+                </a:solidFill>
+              </a:rPr>
+              <a:t>MusicXML</a:t>
+            </a:r>
+          </a:p>
+          <a:p>
+            <a:r>
+              <a:rPr lang="tr-TR" dirty="0">
+                <a:solidFill>
+                  <a:srgbClr val="243041"/>
+                </a:solidFill>
+              </a:rPr>
+              <a:t>Mu2</a:t>
+            </a:r>
+          </a:p>
+          <a:p>
+            <a:endParaRPr lang="tr-TR" dirty="0">
+              <a:solidFill>
+                <a:srgbClr val="243041"/>
+              </a:solidFill>
+            </a:endParaRPr>
+          </a:p>
+          <a:p>
+            <a:pPr marL="0" indent="0">
+              <a:buNone/>
+            </a:pPr>
+            <a:r>
+              <a:rPr lang="tr-TR" sz="2800" kern="1200" dirty="0">
+                <a:solidFill>
+                  <a:srgbClr val="243041"/>
+                </a:solidFill>
+                <a:latin typeface="+mn-lt"/>
+                <a:ea typeface="+mn-ea"/>
+                <a:cs typeface="+mn-cs"/>
+              </a:rPr>
+              <a:t>120</a:t>
+            </a:r>
+            <a:r>
+              <a:rPr lang="tr-TR" sz="2800" i="1" kern="1200" dirty="0">
+                <a:solidFill>
+                  <a:srgbClr val="243041"/>
+                </a:solidFill>
+                <a:latin typeface="+mn-lt"/>
+                <a:ea typeface="+mn-ea"/>
+                <a:cs typeface="+mn-cs"/>
+              </a:rPr>
+              <a:t>sn</a:t>
+            </a:r>
+            <a:r>
+              <a:rPr lang="tr-TR" sz="2800" kern="1200" dirty="0">
+                <a:solidFill>
+                  <a:srgbClr val="243041"/>
+                </a:solidFill>
+                <a:latin typeface="+mn-lt"/>
+                <a:ea typeface="+mn-ea"/>
+                <a:cs typeface="+mn-cs"/>
+              </a:rPr>
+              <a:t> sembolik	</a:t>
+            </a:r>
+            <a:r>
+              <a:rPr lang="tr-TR" dirty="0">
+                <a:solidFill>
+                  <a:srgbClr val="243041"/>
+                </a:solidFill>
+              </a:rPr>
+              <a:t>→</a:t>
+            </a:r>
+            <a:r>
+              <a:rPr lang="tr-TR" sz="2800" kern="1200" dirty="0">
+                <a:solidFill>
+                  <a:srgbClr val="243041"/>
+                </a:solidFill>
+                <a:latin typeface="+mn-lt"/>
+                <a:ea typeface="+mn-ea"/>
+                <a:cs typeface="+mn-cs"/>
+              </a:rPr>
+              <a:t> 200 - 2000 örnek </a:t>
+            </a:r>
+          </a:p>
+          <a:p>
+            <a:pPr marL="0" indent="0">
+              <a:buNone/>
+            </a:pPr>
+            <a:r>
+              <a:rPr lang="tr-TR" sz="2800" kern="1200" dirty="0">
+                <a:solidFill>
+                  <a:srgbClr val="243041"/>
+                </a:solidFill>
+                <a:latin typeface="+mn-lt"/>
+                <a:ea typeface="+mn-ea"/>
+                <a:cs typeface="+mn-cs"/>
+              </a:rPr>
+              <a:t>               (wav	</a:t>
+            </a:r>
+            <a:r>
+              <a:rPr lang="tr-TR" dirty="0">
+                <a:solidFill>
+                  <a:srgbClr val="243041"/>
+                </a:solidFill>
+              </a:rPr>
+              <a:t>→ 5.292.000 örnek)</a:t>
+            </a:r>
+            <a:endParaRPr lang="tr-TR" sz="2800" kern="1200" dirty="0">
+              <a:solidFill>
+                <a:srgbClr val="243041"/>
+              </a:solidFill>
+              <a:latin typeface="+mn-lt"/>
+              <a:ea typeface="+mn-ea"/>
+              <a:cs typeface="+mn-cs"/>
+            </a:endParaRPr>
+          </a:p>
+          <a:p>
+            <a:pPr marL="0" indent="0">
+              <a:buNone/>
+            </a:pPr>
+            <a:endParaRPr lang="tr-TR" dirty="0"/>
+          </a:p>
+        </p:txBody>
+      </p:sp>
+    </p:spTree>
+    <p:extLst>
+      <p:ext uri="{BB962C8B-B14F-4D97-AF65-F5344CB8AC3E}">
+        <p14:creationId xmlns:p14="http://schemas.microsoft.com/office/powerpoint/2010/main" val="1285741269"/>
+      </p:ext>
+    </p:extLst>
+  </p:cSld>
+  <p:clrMapOvr>
+    <a:masterClrMapping/>
+  </p:clrMapOvr>
+</p:sld>
+</file>
+
 <file path=ppt/slides/slide5.xml><?xml version="1.0" encoding="utf-8"?>
 <p:sld xmlns:a="http://schemas.openxmlformats.org/drawingml/2006/main" xmlns:r="http://schemas.openxmlformats.org/officeDocument/2006/relationships" xmlns:p="http://schemas.openxmlformats.org/presentationml/2006/main">
   <p:cSld>
@@ -4498,11 +4676,46 @@
                 </a:solidFill>
                 <a:latin typeface="Cambria" panose="02040503050406030204" pitchFamily="18" charset="0"/>
               </a:rPr>
-              <a:t>Müzik İfade Biçimleri (II)</a:t>
-            </a:r>
-          </a:p>
-        </p:txBody>
-      </p:sp>
+              <a:t>Otomatik TMM Bestecisi</a:t>
+            </a:r>
+          </a:p>
+        </p:txBody>
+      </p:sp>
+      <p:pic>
+        <p:nvPicPr>
+          <p:cNvPr id="6" name="Content Placeholder 5">
+            <a:extLst>
+              <a:ext uri="{FF2B5EF4-FFF2-40B4-BE49-F238E27FC236}">
+                <a16:creationId xmlns:a16="http://schemas.microsoft.com/office/drawing/2014/main" id="{F5FA8880-CCE0-C442-8C5D-9F1B24D8DD7C}"/>
+              </a:ext>
+            </a:extLst>
+          </p:cNvPr>
+          <p:cNvPicPr>
+            <a:picLocks noGrp="1" noChangeAspect="1"/>
+          </p:cNvPicPr>
+          <p:nvPr>
+            <p:ph idx="1"/>
+          </p:nvPr>
+        </p:nvPicPr>
+        <p:blipFill>
+          <a:blip r:embed="rId2">
+            <a:extLst>
+              <a:ext uri="{96DAC541-7B7A-43D3-8B79-37D633B846F1}">
+                <asvg:svgBlip xmlns:asvg="http://schemas.microsoft.com/office/drawing/2016/SVG/main" r:embed="rId3"/>
+              </a:ext>
+            </a:extLst>
+          </a:blip>
+          <a:stretch>
+            <a:fillRect/>
+          </a:stretch>
+        </p:blipFill>
+        <p:spPr>
+          <a:xfrm>
+            <a:off x="1748457" y="1825625"/>
+            <a:ext cx="5647086" cy="4351338"/>
+          </a:xfrm>
+        </p:spPr>
+      </p:pic>
       <p:sp>
         <p:nvSpPr>
           <p:cNvPr id="4" name="Slide Number Placeholder 3">
@@ -4534,192 +4747,592 @@
       </p:sp>
       <p:sp>
         <p:nvSpPr>
-          <p:cNvPr id="7" name="Content Placeholder 6">
+          <p:cNvPr id="7" name="TextBox 6">
             <a:extLst>
               <a:ext uri="{FF2B5EF4-FFF2-40B4-BE49-F238E27FC236}">
-                <a16:creationId xmlns:a16="http://schemas.microsoft.com/office/drawing/2014/main" id="{6B78003D-8714-497B-96BB-3AD98EF41CCB}"/>
+                <a16:creationId xmlns:a16="http://schemas.microsoft.com/office/drawing/2014/main" id="{E6F8D26E-9187-FF42-B700-3874BD139EC2}"/>
               </a:ext>
             </a:extLst>
           </p:cNvPr>
-          <p:cNvSpPr>
-            <a:spLocks noGrp="1"/>
-          </p:cNvSpPr>
-          <p:nvPr>
-            <p:ph idx="1"/>
-          </p:nvPr>
-        </p:nvSpPr>
-        <p:spPr/>
-        <p:txBody>
-          <a:bodyPr/>
-          <a:lstStyle/>
-          <a:p>
-            <a:pPr marL="0" indent="0" algn="l" defTabSz="914400" rtl="0" eaLnBrk="1" latinLnBrk="0" hangingPunct="1">
-              <a:lnSpc>
-                <a:spcPct val="90000"/>
-              </a:lnSpc>
-              <a:spcBef>
-                <a:spcPts val="1000"/>
-              </a:spcBef>
-              <a:buFont typeface="Arial" panose="020B0604020202020204" pitchFamily="34" charset="0"/>
-              <a:buNone/>
-            </a:pPr>
-            <a:r>
-              <a:rPr lang="tr-TR" dirty="0">
-                <a:solidFill>
-                  <a:srgbClr val="243041"/>
-                </a:solidFill>
-              </a:rPr>
-              <a:t>Sembolik:</a:t>
-            </a:r>
-          </a:p>
-          <a:p>
-            <a:r>
-              <a:rPr lang="tr-TR" dirty="0">
-                <a:solidFill>
-                  <a:srgbClr val="243041"/>
-                </a:solidFill>
-              </a:rPr>
-              <a:t>La4:1/4, Do5:1/8, Si4:1/8, …, La4:1/4</a:t>
-            </a:r>
-          </a:p>
-          <a:p>
-            <a:r>
-              <a:rPr lang="tr-TR" dirty="0">
-                <a:solidFill>
-                  <a:srgbClr val="243041"/>
-                </a:solidFill>
-              </a:rPr>
-              <a:t>MIDI</a:t>
-            </a:r>
-          </a:p>
-          <a:p>
-            <a:r>
-              <a:rPr lang="tr-TR" dirty="0">
-                <a:solidFill>
-                  <a:srgbClr val="243041"/>
-                </a:solidFill>
-              </a:rPr>
-              <a:t>MusicXML</a:t>
-            </a:r>
-          </a:p>
-          <a:p>
-            <a:r>
-              <a:rPr lang="tr-TR" dirty="0">
-                <a:solidFill>
-                  <a:srgbClr val="243041"/>
-                </a:solidFill>
-              </a:rPr>
+          <p:cNvSpPr txBox="1"/>
+          <p:nvPr/>
+        </p:nvSpPr>
+        <p:spPr>
+          <a:xfrm>
+            <a:off x="2427514" y="2764971"/>
+            <a:ext cx="1276311" cy="369332"/>
+          </a:xfrm>
+          <a:prstGeom prst="rect">
+            <a:avLst/>
+          </a:prstGeom>
+          <a:noFill/>
+        </p:spPr>
+        <p:txBody>
+          <a:bodyPr wrap="square" rtlCol="0">
+            <a:spAutoFit/>
+          </a:bodyPr>
+          <a:lstStyle/>
+          <a:p>
+            <a:r>
+              <a:rPr lang="tr-TR" dirty="0"/>
+              <a:t>n</a:t>
+            </a:r>
+            <a:r>
+              <a:rPr lang="tr-TR" baseline="-25000" dirty="0"/>
+              <a:t>1</a:t>
+            </a:r>
+            <a:r>
+              <a:rPr lang="tr-TR" dirty="0"/>
+              <a:t>, n</a:t>
+            </a:r>
+            <a:r>
+              <a:rPr lang="tr-TR" baseline="-25000" dirty="0"/>
+              <a:t>2</a:t>
+            </a:r>
+            <a:r>
+              <a:rPr lang="tr-TR" dirty="0"/>
+              <a:t>, …, n</a:t>
+            </a:r>
+            <a:r>
+              <a:rPr lang="tr-TR" baseline="-25000" dirty="0"/>
+              <a:t>8</a:t>
+            </a:r>
+          </a:p>
+        </p:txBody>
+      </p:sp>
+      <p:sp>
+        <p:nvSpPr>
+          <p:cNvPr id="8" name="TextBox 7">
+            <a:extLst>
+              <a:ext uri="{FF2B5EF4-FFF2-40B4-BE49-F238E27FC236}">
+                <a16:creationId xmlns:a16="http://schemas.microsoft.com/office/drawing/2014/main" id="{754AEC94-87FF-374E-A11B-AE48476BFADA}"/>
+              </a:ext>
+            </a:extLst>
+          </p:cNvPr>
+          <p:cNvSpPr txBox="1"/>
+          <p:nvPr/>
+        </p:nvSpPr>
+        <p:spPr>
+          <a:xfrm>
+            <a:off x="1890011" y="4503624"/>
+            <a:ext cx="2351315" cy="553998"/>
+          </a:xfrm>
+          <a:prstGeom prst="rect">
+            <a:avLst/>
+          </a:prstGeom>
+          <a:noFill/>
+        </p:spPr>
+        <p:txBody>
+          <a:bodyPr wrap="square" rtlCol="0">
+            <a:spAutoFit/>
+          </a:bodyPr>
+          <a:lstStyle/>
+          <a:p>
+            <a:r>
+              <a:rPr lang="tr-TR" dirty="0"/>
+              <a:t>n</a:t>
+            </a:r>
+            <a:r>
+              <a:rPr lang="tr-TR" baseline="-25000" dirty="0"/>
+              <a:t>1</a:t>
+            </a:r>
+            <a:r>
+              <a:rPr lang="tr-TR" dirty="0"/>
+              <a:t>, n</a:t>
+            </a:r>
+            <a:r>
+              <a:rPr lang="tr-TR" baseline="-25000" dirty="0"/>
+              <a:t>2</a:t>
+            </a:r>
+            <a:r>
+              <a:rPr lang="tr-TR" dirty="0"/>
+              <a:t>, …, n</a:t>
+            </a:r>
+            <a:r>
+              <a:rPr lang="tr-TR" baseline="-25000" dirty="0"/>
+              <a:t>8</a:t>
+            </a:r>
+            <a:r>
+              <a:rPr lang="tr-TR" dirty="0"/>
+              <a:t>,</a:t>
+            </a:r>
+            <a:r>
+              <a:rPr lang="tr-TR" baseline="-25000" dirty="0"/>
+              <a:t> </a:t>
+            </a:r>
+            <a:r>
+              <a:rPr lang="tr-TR" dirty="0"/>
+              <a:t>n</a:t>
+            </a:r>
+            <a:r>
+              <a:rPr lang="tr-TR" baseline="-25000" dirty="0"/>
+              <a:t>9</a:t>
+            </a:r>
+            <a:r>
+              <a:rPr lang="tr-TR" dirty="0"/>
+              <a:t>, …, n</a:t>
+            </a:r>
+            <a:r>
+              <a:rPr lang="tr-TR" baseline="-25000" dirty="0"/>
+              <a:t>i</a:t>
+            </a:r>
+          </a:p>
+          <a:p>
+            <a:endParaRPr lang="tr-TR" baseline="-25000" dirty="0"/>
+          </a:p>
+        </p:txBody>
+      </p:sp>
+      <p:sp>
+        <p:nvSpPr>
+          <p:cNvPr id="9" name="TextBox 8">
+            <a:extLst>
+              <a:ext uri="{FF2B5EF4-FFF2-40B4-BE49-F238E27FC236}">
+                <a16:creationId xmlns:a16="http://schemas.microsoft.com/office/drawing/2014/main" id="{8F827179-64AC-9F49-B767-0D0770AEBF4D}"/>
+              </a:ext>
+            </a:extLst>
+          </p:cNvPr>
+          <p:cNvSpPr txBox="1"/>
+          <p:nvPr/>
+        </p:nvSpPr>
+        <p:spPr>
+          <a:xfrm>
+            <a:off x="5146222" y="2054338"/>
+            <a:ext cx="1842408" cy="553998"/>
+          </a:xfrm>
+          <a:prstGeom prst="rect">
+            <a:avLst/>
+          </a:prstGeom>
+          <a:noFill/>
+        </p:spPr>
+        <p:txBody>
+          <a:bodyPr wrap="square" rtlCol="0">
+            <a:spAutoFit/>
+          </a:bodyPr>
+          <a:lstStyle/>
+          <a:p>
+            <a:r>
+              <a:rPr lang="tr-TR" dirty="0"/>
+              <a:t>n</a:t>
+            </a:r>
+            <a:r>
+              <a:rPr lang="tr-TR" baseline="-25000" dirty="0"/>
+              <a:t>j</a:t>
+            </a:r>
+            <a:r>
+              <a:rPr lang="tr-TR" dirty="0"/>
+              <a:t>, n</a:t>
+            </a:r>
+            <a:r>
+              <a:rPr lang="tr-TR" baseline="-25000" dirty="0"/>
+              <a:t>j+1</a:t>
+            </a:r>
+            <a:r>
+              <a:rPr lang="tr-TR" dirty="0"/>
+              <a:t>, n</a:t>
+            </a:r>
+            <a:r>
+              <a:rPr lang="tr-TR" baseline="-25000" dirty="0"/>
+              <a:t>j+2</a:t>
+            </a:r>
+            <a:r>
+              <a:rPr lang="tr-TR" dirty="0"/>
+              <a:t>, …, n</a:t>
+            </a:r>
+            <a:r>
+              <a:rPr lang="tr-TR" baseline="-25000" dirty="0"/>
+              <a:t>k</a:t>
+            </a:r>
+          </a:p>
+          <a:p>
+            <a:endParaRPr lang="tr-TR" baseline="-25000" dirty="0"/>
+          </a:p>
+        </p:txBody>
+      </p:sp>
+      <p:sp>
+        <p:nvSpPr>
+          <p:cNvPr id="10" name="TextBox 9">
+            <a:extLst>
+              <a:ext uri="{FF2B5EF4-FFF2-40B4-BE49-F238E27FC236}">
+                <a16:creationId xmlns:a16="http://schemas.microsoft.com/office/drawing/2014/main" id="{42550BA7-BAD5-7E41-945C-778BAD603765}"/>
+              </a:ext>
+            </a:extLst>
+          </p:cNvPr>
+          <p:cNvSpPr txBox="1"/>
+          <p:nvPr/>
+        </p:nvSpPr>
+        <p:spPr>
+          <a:xfrm>
+            <a:off x="5146222" y="3800550"/>
+            <a:ext cx="1842408" cy="553998"/>
+          </a:xfrm>
+          <a:prstGeom prst="rect">
+            <a:avLst/>
+          </a:prstGeom>
+          <a:noFill/>
+        </p:spPr>
+        <p:txBody>
+          <a:bodyPr wrap="square" rtlCol="0">
+            <a:spAutoFit/>
+          </a:bodyPr>
+          <a:lstStyle/>
+          <a:p>
+            <a:r>
+              <a:rPr lang="tr-TR" dirty="0"/>
+              <a:t>n</a:t>
+            </a:r>
+            <a:r>
+              <a:rPr lang="tr-TR" baseline="-25000" dirty="0"/>
+              <a:t>l</a:t>
+            </a:r>
+            <a:r>
+              <a:rPr lang="tr-TR" dirty="0"/>
+              <a:t>, n</a:t>
+            </a:r>
+            <a:r>
+              <a:rPr lang="tr-TR" baseline="-25000" dirty="0"/>
+              <a:t>l+1</a:t>
+            </a:r>
+            <a:r>
+              <a:rPr lang="tr-TR" dirty="0"/>
+              <a:t>, n</a:t>
+            </a:r>
+            <a:r>
+              <a:rPr lang="tr-TR" baseline="-25000" dirty="0"/>
+              <a:t>l+2</a:t>
+            </a:r>
+            <a:r>
+              <a:rPr lang="tr-TR" dirty="0"/>
+              <a:t>, …, n</a:t>
+            </a:r>
+            <a:r>
+              <a:rPr lang="tr-TR" baseline="-25000" dirty="0"/>
+              <a:t>m</a:t>
+            </a:r>
+          </a:p>
+          <a:p>
+            <a:endParaRPr lang="tr-TR" baseline="-25000" dirty="0"/>
+          </a:p>
+        </p:txBody>
+      </p:sp>
+      <p:sp>
+        <p:nvSpPr>
+          <p:cNvPr id="11" name="TextBox 10">
+            <a:extLst>
+              <a:ext uri="{FF2B5EF4-FFF2-40B4-BE49-F238E27FC236}">
+                <a16:creationId xmlns:a16="http://schemas.microsoft.com/office/drawing/2014/main" id="{092A9B9C-C545-B74F-A669-8C57688FCC76}"/>
+              </a:ext>
+            </a:extLst>
+          </p:cNvPr>
+          <p:cNvSpPr txBox="1"/>
+          <p:nvPr/>
+        </p:nvSpPr>
+        <p:spPr>
+          <a:xfrm>
+            <a:off x="5778856" y="5701773"/>
+            <a:ext cx="620683" cy="369332"/>
+          </a:xfrm>
+          <a:prstGeom prst="rect">
+            <a:avLst/>
+          </a:prstGeom>
+          <a:noFill/>
+        </p:spPr>
+        <p:txBody>
+          <a:bodyPr wrap="none" rtlCol="0">
+            <a:spAutoFit/>
+          </a:bodyPr>
+          <a:lstStyle/>
+          <a:p>
+            <a:r>
+              <a:rPr lang="tr-TR" dirty="0"/>
               <a:t>Mu2</a:t>
             </a:r>
           </a:p>
-          <a:p>
-            <a:endParaRPr lang="tr-TR" dirty="0">
-              <a:solidFill>
-                <a:srgbClr val="243041"/>
-              </a:solidFill>
-            </a:endParaRPr>
-          </a:p>
-          <a:p>
-            <a:pPr marL="0" indent="0">
-              <a:buNone/>
-            </a:pPr>
-            <a:r>
-              <a:rPr lang="tr-TR" sz="2800" kern="1200" dirty="0">
-                <a:solidFill>
-                  <a:srgbClr val="243041"/>
-                </a:solidFill>
-                <a:latin typeface="+mn-lt"/>
-                <a:ea typeface="+mn-ea"/>
-                <a:cs typeface="+mn-cs"/>
-              </a:rPr>
-              <a:t>120</a:t>
-            </a:r>
-            <a:r>
-              <a:rPr lang="tr-TR" sz="2800" i="1" kern="1200" dirty="0">
-                <a:solidFill>
-                  <a:srgbClr val="243041"/>
-                </a:solidFill>
-                <a:latin typeface="+mn-lt"/>
-                <a:ea typeface="+mn-ea"/>
-                <a:cs typeface="+mn-cs"/>
-              </a:rPr>
-              <a:t>sn</a:t>
-            </a:r>
-            <a:r>
-              <a:rPr lang="tr-TR" sz="2800" kern="1200" dirty="0">
-                <a:solidFill>
-                  <a:srgbClr val="243041"/>
-                </a:solidFill>
-                <a:latin typeface="+mn-lt"/>
-                <a:ea typeface="+mn-ea"/>
-                <a:cs typeface="+mn-cs"/>
-              </a:rPr>
-              <a:t> sembolik	</a:t>
-            </a:r>
-            <a:r>
-              <a:rPr lang="tr-TR" dirty="0">
-                <a:solidFill>
-                  <a:srgbClr val="243041"/>
-                </a:solidFill>
-              </a:rPr>
-              <a:t>→</a:t>
-            </a:r>
-            <a:r>
-              <a:rPr lang="tr-TR" sz="2800" kern="1200" dirty="0">
-                <a:solidFill>
-                  <a:srgbClr val="243041"/>
-                </a:solidFill>
-                <a:latin typeface="+mn-lt"/>
-                <a:ea typeface="+mn-ea"/>
-                <a:cs typeface="+mn-cs"/>
-              </a:rPr>
-              <a:t> 200 - 2000 örnek </a:t>
-            </a:r>
-          </a:p>
-          <a:p>
-            <a:pPr marL="0" indent="0">
-              <a:buNone/>
-            </a:pPr>
-            <a:r>
-              <a:rPr lang="tr-TR" sz="2800" kern="1200" dirty="0">
-                <a:solidFill>
-                  <a:srgbClr val="243041"/>
-                </a:solidFill>
-                <a:latin typeface="+mn-lt"/>
-                <a:ea typeface="+mn-ea"/>
-                <a:cs typeface="+mn-cs"/>
-              </a:rPr>
-              <a:t>               (wav	</a:t>
-            </a:r>
-            <a:r>
-              <a:rPr lang="tr-TR" dirty="0">
-                <a:solidFill>
-                  <a:srgbClr val="243041"/>
-                </a:solidFill>
-              </a:rPr>
-              <a:t>→ 5.292.000 örnek)</a:t>
-            </a:r>
-            <a:endParaRPr lang="tr-TR" sz="2800" kern="1200" dirty="0">
-              <a:solidFill>
-                <a:srgbClr val="243041"/>
-              </a:solidFill>
-              <a:latin typeface="+mn-lt"/>
-              <a:ea typeface="+mn-ea"/>
-              <a:cs typeface="+mn-cs"/>
-            </a:endParaRPr>
-          </a:p>
-          <a:p>
-            <a:pPr marL="0" indent="0">
-              <a:buNone/>
-            </a:pPr>
-            <a:endParaRPr lang="tr-TR" dirty="0"/>
+        </p:txBody>
+      </p:sp>
+      <p:sp>
+        <p:nvSpPr>
+          <p:cNvPr id="12" name="TextBox 11">
+            <a:extLst>
+              <a:ext uri="{FF2B5EF4-FFF2-40B4-BE49-F238E27FC236}">
+                <a16:creationId xmlns:a16="http://schemas.microsoft.com/office/drawing/2014/main" id="{E33199C6-1AFB-2346-A01B-097D040E12C7}"/>
+              </a:ext>
+            </a:extLst>
+          </p:cNvPr>
+          <p:cNvSpPr txBox="1"/>
+          <p:nvPr/>
+        </p:nvSpPr>
+        <p:spPr>
+          <a:xfrm>
+            <a:off x="2595396" y="3571690"/>
+            <a:ext cx="962315" cy="369332"/>
+          </a:xfrm>
+          <a:prstGeom prst="rect">
+            <a:avLst/>
+          </a:prstGeom>
+          <a:noFill/>
+        </p:spPr>
+        <p:txBody>
+          <a:bodyPr wrap="none" rtlCol="0">
+            <a:spAutoFit/>
+          </a:bodyPr>
+          <a:lstStyle/>
+          <a:p>
+            <a:r>
+              <a:rPr lang="tr-TR" dirty="0"/>
+              <a:t>OTMMB</a:t>
+            </a:r>
+          </a:p>
+        </p:txBody>
+      </p:sp>
+      <p:sp>
+        <p:nvSpPr>
+          <p:cNvPr id="13" name="TextBox 12">
+            <a:extLst>
+              <a:ext uri="{FF2B5EF4-FFF2-40B4-BE49-F238E27FC236}">
+                <a16:creationId xmlns:a16="http://schemas.microsoft.com/office/drawing/2014/main" id="{9D493A40-4FD3-A94F-848B-A8AE0D12072E}"/>
+              </a:ext>
+            </a:extLst>
+          </p:cNvPr>
+          <p:cNvSpPr txBox="1"/>
+          <p:nvPr/>
+        </p:nvSpPr>
+        <p:spPr>
+          <a:xfrm>
+            <a:off x="2595396" y="5322408"/>
+            <a:ext cx="962315" cy="369332"/>
+          </a:xfrm>
+          <a:prstGeom prst="rect">
+            <a:avLst/>
+          </a:prstGeom>
+          <a:noFill/>
+        </p:spPr>
+        <p:txBody>
+          <a:bodyPr wrap="none" rtlCol="0">
+            <a:spAutoFit/>
+          </a:bodyPr>
+          <a:lstStyle/>
+          <a:p>
+            <a:r>
+              <a:rPr lang="tr-TR" dirty="0"/>
+              <a:t>OTMMB</a:t>
+            </a:r>
+          </a:p>
+        </p:txBody>
+      </p:sp>
+      <p:sp>
+        <p:nvSpPr>
+          <p:cNvPr id="14" name="TextBox 13">
+            <a:extLst>
+              <a:ext uri="{FF2B5EF4-FFF2-40B4-BE49-F238E27FC236}">
+                <a16:creationId xmlns:a16="http://schemas.microsoft.com/office/drawing/2014/main" id="{954C20DA-8629-464D-A629-82D6DCFD77A4}"/>
+              </a:ext>
+            </a:extLst>
+          </p:cNvPr>
+          <p:cNvSpPr txBox="1"/>
+          <p:nvPr/>
+        </p:nvSpPr>
+        <p:spPr>
+          <a:xfrm>
+            <a:off x="5586267" y="2882903"/>
+            <a:ext cx="962315" cy="369332"/>
+          </a:xfrm>
+          <a:prstGeom prst="rect">
+            <a:avLst/>
+          </a:prstGeom>
+          <a:noFill/>
+        </p:spPr>
+        <p:txBody>
+          <a:bodyPr wrap="none" rtlCol="0">
+            <a:spAutoFit/>
+          </a:bodyPr>
+          <a:lstStyle/>
+          <a:p>
+            <a:r>
+              <a:rPr lang="tr-TR" dirty="0"/>
+              <a:t>OTMMB</a:t>
+            </a:r>
+          </a:p>
+        </p:txBody>
+      </p:sp>
+      <p:sp>
+        <p:nvSpPr>
+          <p:cNvPr id="15" name="TextBox 14">
+            <a:extLst>
+              <a:ext uri="{FF2B5EF4-FFF2-40B4-BE49-F238E27FC236}">
+                <a16:creationId xmlns:a16="http://schemas.microsoft.com/office/drawing/2014/main" id="{A115514B-0021-D04D-AAC1-B0CF1B3B9B5E}"/>
+              </a:ext>
+            </a:extLst>
+          </p:cNvPr>
+          <p:cNvSpPr txBox="1"/>
+          <p:nvPr/>
+        </p:nvSpPr>
+        <p:spPr>
+          <a:xfrm>
+            <a:off x="5589287" y="4613735"/>
+            <a:ext cx="962315" cy="369332"/>
+          </a:xfrm>
+          <a:prstGeom prst="rect">
+            <a:avLst/>
+          </a:prstGeom>
+          <a:noFill/>
+        </p:spPr>
+        <p:txBody>
+          <a:bodyPr wrap="none" rtlCol="0">
+            <a:spAutoFit/>
+          </a:bodyPr>
+          <a:lstStyle/>
+          <a:p>
+            <a:r>
+              <a:rPr lang="tr-TR" dirty="0"/>
+              <a:t>OTMMB</a:t>
+            </a:r>
+          </a:p>
+        </p:txBody>
+      </p:sp>
+      <p:sp>
+        <p:nvSpPr>
+          <p:cNvPr id="16" name="TextBox 15">
+            <a:extLst>
+              <a:ext uri="{FF2B5EF4-FFF2-40B4-BE49-F238E27FC236}">
+                <a16:creationId xmlns:a16="http://schemas.microsoft.com/office/drawing/2014/main" id="{3917188C-D717-874A-95F3-3AF79012359C}"/>
+              </a:ext>
+            </a:extLst>
+          </p:cNvPr>
+          <p:cNvSpPr txBox="1"/>
+          <p:nvPr/>
+        </p:nvSpPr>
+        <p:spPr>
+          <a:xfrm>
+            <a:off x="1831432" y="2795293"/>
+            <a:ext cx="445956" cy="369332"/>
+          </a:xfrm>
+          <a:prstGeom prst="rect">
+            <a:avLst/>
+          </a:prstGeom>
+          <a:noFill/>
+        </p:spPr>
+        <p:txBody>
+          <a:bodyPr wrap="none" rtlCol="0">
+            <a:spAutoFit/>
+          </a:bodyPr>
+          <a:lstStyle/>
+          <a:p>
+            <a:r>
+              <a:rPr lang="tr-TR" dirty="0"/>
+              <a:t>(K)</a:t>
+            </a:r>
+          </a:p>
+        </p:txBody>
+      </p:sp>
+      <p:sp>
+        <p:nvSpPr>
+          <p:cNvPr id="17" name="TextBox 16">
+            <a:extLst>
+              <a:ext uri="{FF2B5EF4-FFF2-40B4-BE49-F238E27FC236}">
+                <a16:creationId xmlns:a16="http://schemas.microsoft.com/office/drawing/2014/main" id="{213495D5-F978-7449-8248-12F2543D5F92}"/>
+              </a:ext>
+            </a:extLst>
+          </p:cNvPr>
+          <p:cNvSpPr txBox="1"/>
+          <p:nvPr/>
+        </p:nvSpPr>
+        <p:spPr>
+          <a:xfrm>
+            <a:off x="1319805" y="4537016"/>
+            <a:ext cx="445956" cy="369332"/>
+          </a:xfrm>
+          <a:prstGeom prst="rect">
+            <a:avLst/>
+          </a:prstGeom>
+          <a:noFill/>
+        </p:spPr>
+        <p:txBody>
+          <a:bodyPr wrap="none" rtlCol="0">
+            <a:spAutoFit/>
+          </a:bodyPr>
+          <a:lstStyle/>
+          <a:p>
+            <a:r>
+              <a:rPr lang="tr-TR" dirty="0"/>
+              <a:t>(Z)</a:t>
+            </a:r>
+          </a:p>
+        </p:txBody>
+      </p:sp>
+      <p:sp>
+        <p:nvSpPr>
+          <p:cNvPr id="18" name="TextBox 17">
+            <a:extLst>
+              <a:ext uri="{FF2B5EF4-FFF2-40B4-BE49-F238E27FC236}">
+                <a16:creationId xmlns:a16="http://schemas.microsoft.com/office/drawing/2014/main" id="{A852C863-6F02-7243-964D-D3ED33F90F64}"/>
+              </a:ext>
+            </a:extLst>
+          </p:cNvPr>
+          <p:cNvSpPr txBox="1"/>
+          <p:nvPr/>
+        </p:nvSpPr>
+        <p:spPr>
+          <a:xfrm>
+            <a:off x="7383418" y="2105658"/>
+            <a:ext cx="474810" cy="369332"/>
+          </a:xfrm>
+          <a:prstGeom prst="rect">
+            <a:avLst/>
+          </a:prstGeom>
+          <a:noFill/>
+        </p:spPr>
+        <p:txBody>
+          <a:bodyPr wrap="none" rtlCol="0">
+            <a:spAutoFit/>
+          </a:bodyPr>
+          <a:lstStyle/>
+          <a:p>
+            <a:r>
+              <a:rPr lang="tr-TR" dirty="0"/>
+              <a:t>(N)</a:t>
+            </a:r>
+          </a:p>
+        </p:txBody>
+      </p:sp>
+      <p:sp>
+        <p:nvSpPr>
+          <p:cNvPr id="19" name="TextBox 18">
+            <a:extLst>
+              <a:ext uri="{FF2B5EF4-FFF2-40B4-BE49-F238E27FC236}">
+                <a16:creationId xmlns:a16="http://schemas.microsoft.com/office/drawing/2014/main" id="{D9979550-073F-6C4F-960F-84A81045237F}"/>
+              </a:ext>
+            </a:extLst>
+          </p:cNvPr>
+          <p:cNvSpPr txBox="1"/>
+          <p:nvPr/>
+        </p:nvSpPr>
+        <p:spPr>
+          <a:xfrm>
+            <a:off x="7383418" y="3847370"/>
+            <a:ext cx="522900" cy="369332"/>
+          </a:xfrm>
+          <a:prstGeom prst="rect">
+            <a:avLst/>
+          </a:prstGeom>
+          <a:noFill/>
+        </p:spPr>
+        <p:txBody>
+          <a:bodyPr wrap="none" rtlCol="0">
+            <a:spAutoFit/>
+          </a:bodyPr>
+          <a:lstStyle/>
+          <a:p>
+            <a:r>
+              <a:rPr lang="tr-TR" dirty="0"/>
+              <a:t>(M)</a:t>
+            </a:r>
           </a:p>
         </p:txBody>
       </p:sp>
     </p:spTree>
     <p:extLst>
       <p:ext uri="{BB962C8B-B14F-4D97-AF65-F5344CB8AC3E}">
-        <p14:creationId xmlns:p14="http://schemas.microsoft.com/office/powerpoint/2010/main" val="1285741269"/>
+        <p14:creationId xmlns:p14="http://schemas.microsoft.com/office/powerpoint/2010/main" val="1881069203"/>
       </p:ext>
     </p:extLst>
   </p:cSld>
@@ -4774,46 +5387,48 @@
                 </a:solidFill>
                 <a:latin typeface="Cambria" panose="02040503050406030204" pitchFamily="18" charset="0"/>
               </a:rPr>
-              <a:t>Otomatik TMM Bestecisi</a:t>
-            </a:r>
-          </a:p>
-        </p:txBody>
-      </p:sp>
-      <p:pic>
-        <p:nvPicPr>
-          <p:cNvPr id="6" name="Content Placeholder 5">
+              <a:t>Grafiksel Arayüz (Demo)</a:t>
+            </a:r>
+          </a:p>
+        </p:txBody>
+      </p:sp>
+      <p:sp>
+        <p:nvSpPr>
+          <p:cNvPr id="3" name="Content Placeholder 2">
             <a:extLst>
               <a:ext uri="{FF2B5EF4-FFF2-40B4-BE49-F238E27FC236}">
-                <a16:creationId xmlns:a16="http://schemas.microsoft.com/office/drawing/2014/main" id="{F5FA8880-CCE0-C442-8C5D-9F1B24D8DD7C}"/>
+                <a16:creationId xmlns:a16="http://schemas.microsoft.com/office/drawing/2014/main" id="{4E958FD7-5D47-F247-A470-4E94A4F14BAB}"/>
               </a:ext>
             </a:extLst>
           </p:cNvPr>
-          <p:cNvPicPr>
-            <a:picLocks noGrp="1" noChangeAspect="1"/>
-          </p:cNvPicPr>
+          <p:cNvSpPr>
+            <a:spLocks noGrp="1"/>
+          </p:cNvSpPr>
           <p:nvPr>
             <p:ph idx="1"/>
           </p:nvPr>
-        </p:nvPicPr>
-        <p:blipFill>
-          <a:blip r:embed="rId2">
-            <a:extLst>
-              <a:ext uri="{96DAC541-7B7A-43D3-8B79-37D633B846F1}">
-                <asvg:svgBlip xmlns:asvg="http://schemas.microsoft.com/office/drawing/2016/SVG/main" r:embed="rId3"/>
-              </a:ext>
-            </a:extLst>
-          </a:blip>
-          <a:stretch>
-            <a:fillRect/>
-          </a:stretch>
-        </p:blipFill>
-        <p:spPr>
-          <a:xfrm>
-            <a:off x="1748457" y="1825625"/>
-            <a:ext cx="5647086" cy="4351338"/>
-          </a:xfrm>
-        </p:spPr>
-      </p:pic>
+        </p:nvSpPr>
+        <p:spPr/>
+        <p:txBody>
+          <a:bodyPr>
+            <a:normAutofit/>
+          </a:bodyPr>
+          <a:lstStyle/>
+          <a:p>
+            <a:pPr marL="0" indent="0">
+              <a:buNone/>
+            </a:pPr>
+            <a:r>
+              <a:rPr lang="tr-TR" sz="3600" dirty="0">
+                <a:solidFill>
+                  <a:srgbClr val="243041"/>
+                </a:solidFill>
+              </a:rPr>
+              <a:t>http://music.cs.deu.edu.tr/tmmgui</a:t>
+            </a:r>
+          </a:p>
+        </p:txBody>
+      </p:sp>
       <p:sp>
         <p:nvSpPr>
           <p:cNvPr id="4" name="Slide Number Placeholder 3">
@@ -4843,594 +5458,10 @@
           </a:p>
         </p:txBody>
       </p:sp>
-      <p:sp>
-        <p:nvSpPr>
-          <p:cNvPr id="7" name="TextBox 6">
-            <a:extLst>
-              <a:ext uri="{FF2B5EF4-FFF2-40B4-BE49-F238E27FC236}">
-                <a16:creationId xmlns:a16="http://schemas.microsoft.com/office/drawing/2014/main" id="{E6F8D26E-9187-FF42-B700-3874BD139EC2}"/>
-              </a:ext>
-            </a:extLst>
-          </p:cNvPr>
-          <p:cNvSpPr txBox="1"/>
-          <p:nvPr/>
-        </p:nvSpPr>
-        <p:spPr>
-          <a:xfrm>
-            <a:off x="2427514" y="2764971"/>
-            <a:ext cx="1276311" cy="369332"/>
-          </a:xfrm>
-          <a:prstGeom prst="rect">
-            <a:avLst/>
-          </a:prstGeom>
-          <a:noFill/>
-        </p:spPr>
-        <p:txBody>
-          <a:bodyPr wrap="square" rtlCol="0">
-            <a:spAutoFit/>
-          </a:bodyPr>
-          <a:lstStyle/>
-          <a:p>
-            <a:r>
-              <a:rPr lang="tr-TR" dirty="0"/>
-              <a:t>n</a:t>
-            </a:r>
-            <a:r>
-              <a:rPr lang="tr-TR" baseline="-25000" dirty="0"/>
-              <a:t>1</a:t>
-            </a:r>
-            <a:r>
-              <a:rPr lang="tr-TR" dirty="0"/>
-              <a:t>, n</a:t>
-            </a:r>
-            <a:r>
-              <a:rPr lang="tr-TR" baseline="-25000" dirty="0"/>
-              <a:t>2</a:t>
-            </a:r>
-            <a:r>
-              <a:rPr lang="tr-TR" dirty="0"/>
-              <a:t>, …, n</a:t>
-            </a:r>
-            <a:r>
-              <a:rPr lang="tr-TR" baseline="-25000" dirty="0"/>
-              <a:t>8</a:t>
-            </a:r>
-          </a:p>
-        </p:txBody>
-      </p:sp>
-      <p:sp>
-        <p:nvSpPr>
-          <p:cNvPr id="8" name="TextBox 7">
-            <a:extLst>
-              <a:ext uri="{FF2B5EF4-FFF2-40B4-BE49-F238E27FC236}">
-                <a16:creationId xmlns:a16="http://schemas.microsoft.com/office/drawing/2014/main" id="{754AEC94-87FF-374E-A11B-AE48476BFADA}"/>
-              </a:ext>
-            </a:extLst>
-          </p:cNvPr>
-          <p:cNvSpPr txBox="1"/>
-          <p:nvPr/>
-        </p:nvSpPr>
-        <p:spPr>
-          <a:xfrm>
-            <a:off x="1890011" y="4503624"/>
-            <a:ext cx="2351315" cy="553998"/>
-          </a:xfrm>
-          <a:prstGeom prst="rect">
-            <a:avLst/>
-          </a:prstGeom>
-          <a:noFill/>
-        </p:spPr>
-        <p:txBody>
-          <a:bodyPr wrap="square" rtlCol="0">
-            <a:spAutoFit/>
-          </a:bodyPr>
-          <a:lstStyle/>
-          <a:p>
-            <a:r>
-              <a:rPr lang="tr-TR" dirty="0"/>
-              <a:t>n</a:t>
-            </a:r>
-            <a:r>
-              <a:rPr lang="tr-TR" baseline="-25000" dirty="0"/>
-              <a:t>1</a:t>
-            </a:r>
-            <a:r>
-              <a:rPr lang="tr-TR" dirty="0"/>
-              <a:t>, n</a:t>
-            </a:r>
-            <a:r>
-              <a:rPr lang="tr-TR" baseline="-25000" dirty="0"/>
-              <a:t>2</a:t>
-            </a:r>
-            <a:r>
-              <a:rPr lang="tr-TR" dirty="0"/>
-              <a:t>, …, n</a:t>
-            </a:r>
-            <a:r>
-              <a:rPr lang="tr-TR" baseline="-25000" dirty="0"/>
-              <a:t>8</a:t>
-            </a:r>
-            <a:r>
-              <a:rPr lang="tr-TR" dirty="0"/>
-              <a:t>,</a:t>
-            </a:r>
-            <a:r>
-              <a:rPr lang="tr-TR" baseline="-25000" dirty="0"/>
-              <a:t> </a:t>
-            </a:r>
-            <a:r>
-              <a:rPr lang="tr-TR" dirty="0"/>
-              <a:t>n</a:t>
-            </a:r>
-            <a:r>
-              <a:rPr lang="tr-TR" baseline="-25000" dirty="0"/>
-              <a:t>9</a:t>
-            </a:r>
-            <a:r>
-              <a:rPr lang="tr-TR" dirty="0"/>
-              <a:t>, …, n</a:t>
-            </a:r>
-            <a:r>
-              <a:rPr lang="tr-TR" baseline="-25000" dirty="0"/>
-              <a:t>i</a:t>
-            </a:r>
-          </a:p>
-          <a:p>
-            <a:endParaRPr lang="tr-TR" baseline="-25000" dirty="0"/>
-          </a:p>
-        </p:txBody>
-      </p:sp>
-      <p:sp>
-        <p:nvSpPr>
-          <p:cNvPr id="9" name="TextBox 8">
-            <a:extLst>
-              <a:ext uri="{FF2B5EF4-FFF2-40B4-BE49-F238E27FC236}">
-                <a16:creationId xmlns:a16="http://schemas.microsoft.com/office/drawing/2014/main" id="{8F827179-64AC-9F49-B767-0D0770AEBF4D}"/>
-              </a:ext>
-            </a:extLst>
-          </p:cNvPr>
-          <p:cNvSpPr txBox="1"/>
-          <p:nvPr/>
-        </p:nvSpPr>
-        <p:spPr>
-          <a:xfrm>
-            <a:off x="5146222" y="2054338"/>
-            <a:ext cx="1842408" cy="553998"/>
-          </a:xfrm>
-          <a:prstGeom prst="rect">
-            <a:avLst/>
-          </a:prstGeom>
-          <a:noFill/>
-        </p:spPr>
-        <p:txBody>
-          <a:bodyPr wrap="square" rtlCol="0">
-            <a:spAutoFit/>
-          </a:bodyPr>
-          <a:lstStyle/>
-          <a:p>
-            <a:r>
-              <a:rPr lang="tr-TR" dirty="0"/>
-              <a:t>n</a:t>
-            </a:r>
-            <a:r>
-              <a:rPr lang="tr-TR" baseline="-25000" dirty="0"/>
-              <a:t>j</a:t>
-            </a:r>
-            <a:r>
-              <a:rPr lang="tr-TR" dirty="0"/>
-              <a:t>, n</a:t>
-            </a:r>
-            <a:r>
-              <a:rPr lang="tr-TR" baseline="-25000" dirty="0"/>
-              <a:t>j+1</a:t>
-            </a:r>
-            <a:r>
-              <a:rPr lang="tr-TR" dirty="0"/>
-              <a:t>, n</a:t>
-            </a:r>
-            <a:r>
-              <a:rPr lang="tr-TR" baseline="-25000" dirty="0"/>
-              <a:t>j+2</a:t>
-            </a:r>
-            <a:r>
-              <a:rPr lang="tr-TR" dirty="0"/>
-              <a:t>, …, n</a:t>
-            </a:r>
-            <a:r>
-              <a:rPr lang="tr-TR" baseline="-25000" dirty="0"/>
-              <a:t>k</a:t>
-            </a:r>
-          </a:p>
-          <a:p>
-            <a:endParaRPr lang="tr-TR" baseline="-25000" dirty="0"/>
-          </a:p>
-        </p:txBody>
-      </p:sp>
-      <p:sp>
-        <p:nvSpPr>
-          <p:cNvPr id="10" name="TextBox 9">
-            <a:extLst>
-              <a:ext uri="{FF2B5EF4-FFF2-40B4-BE49-F238E27FC236}">
-                <a16:creationId xmlns:a16="http://schemas.microsoft.com/office/drawing/2014/main" id="{42550BA7-BAD5-7E41-945C-778BAD603765}"/>
-              </a:ext>
-            </a:extLst>
-          </p:cNvPr>
-          <p:cNvSpPr txBox="1"/>
-          <p:nvPr/>
-        </p:nvSpPr>
-        <p:spPr>
-          <a:xfrm>
-            <a:off x="5146222" y="3800550"/>
-            <a:ext cx="1842408" cy="553998"/>
-          </a:xfrm>
-          <a:prstGeom prst="rect">
-            <a:avLst/>
-          </a:prstGeom>
-          <a:noFill/>
-        </p:spPr>
-        <p:txBody>
-          <a:bodyPr wrap="square" rtlCol="0">
-            <a:spAutoFit/>
-          </a:bodyPr>
-          <a:lstStyle/>
-          <a:p>
-            <a:r>
-              <a:rPr lang="tr-TR" dirty="0"/>
-              <a:t>n</a:t>
-            </a:r>
-            <a:r>
-              <a:rPr lang="tr-TR" baseline="-25000" dirty="0"/>
-              <a:t>l</a:t>
-            </a:r>
-            <a:r>
-              <a:rPr lang="tr-TR" dirty="0"/>
-              <a:t>, n</a:t>
-            </a:r>
-            <a:r>
-              <a:rPr lang="tr-TR" baseline="-25000" dirty="0"/>
-              <a:t>l+1</a:t>
-            </a:r>
-            <a:r>
-              <a:rPr lang="tr-TR" dirty="0"/>
-              <a:t>, n</a:t>
-            </a:r>
-            <a:r>
-              <a:rPr lang="tr-TR" baseline="-25000" dirty="0"/>
-              <a:t>l+2</a:t>
-            </a:r>
-            <a:r>
-              <a:rPr lang="tr-TR" dirty="0"/>
-              <a:t>, …, n</a:t>
-            </a:r>
-            <a:r>
-              <a:rPr lang="tr-TR" baseline="-25000" dirty="0"/>
-              <a:t>m</a:t>
-            </a:r>
-          </a:p>
-          <a:p>
-            <a:endParaRPr lang="tr-TR" baseline="-25000" dirty="0"/>
-          </a:p>
-        </p:txBody>
-      </p:sp>
-      <p:sp>
-        <p:nvSpPr>
-          <p:cNvPr id="11" name="TextBox 10">
-            <a:extLst>
-              <a:ext uri="{FF2B5EF4-FFF2-40B4-BE49-F238E27FC236}">
-                <a16:creationId xmlns:a16="http://schemas.microsoft.com/office/drawing/2014/main" id="{092A9B9C-C545-B74F-A669-8C57688FCC76}"/>
-              </a:ext>
-            </a:extLst>
-          </p:cNvPr>
-          <p:cNvSpPr txBox="1"/>
-          <p:nvPr/>
-        </p:nvSpPr>
-        <p:spPr>
-          <a:xfrm>
-            <a:off x="5778856" y="5701773"/>
-            <a:ext cx="620683" cy="369332"/>
-          </a:xfrm>
-          <a:prstGeom prst="rect">
-            <a:avLst/>
-          </a:prstGeom>
-          <a:noFill/>
-        </p:spPr>
-        <p:txBody>
-          <a:bodyPr wrap="none" rtlCol="0">
-            <a:spAutoFit/>
-          </a:bodyPr>
-          <a:lstStyle/>
-          <a:p>
-            <a:r>
-              <a:rPr lang="tr-TR" dirty="0"/>
-              <a:t>Mu2</a:t>
-            </a:r>
-          </a:p>
-        </p:txBody>
-      </p:sp>
-      <p:sp>
-        <p:nvSpPr>
-          <p:cNvPr id="12" name="TextBox 11">
-            <a:extLst>
-              <a:ext uri="{FF2B5EF4-FFF2-40B4-BE49-F238E27FC236}">
-                <a16:creationId xmlns:a16="http://schemas.microsoft.com/office/drawing/2014/main" id="{E33199C6-1AFB-2346-A01B-097D040E12C7}"/>
-              </a:ext>
-            </a:extLst>
-          </p:cNvPr>
-          <p:cNvSpPr txBox="1"/>
-          <p:nvPr/>
-        </p:nvSpPr>
-        <p:spPr>
-          <a:xfrm>
-            <a:off x="2595396" y="3571690"/>
-            <a:ext cx="962315" cy="369332"/>
-          </a:xfrm>
-          <a:prstGeom prst="rect">
-            <a:avLst/>
-          </a:prstGeom>
-          <a:noFill/>
-        </p:spPr>
-        <p:txBody>
-          <a:bodyPr wrap="none" rtlCol="0">
-            <a:spAutoFit/>
-          </a:bodyPr>
-          <a:lstStyle/>
-          <a:p>
-            <a:r>
-              <a:rPr lang="tr-TR" dirty="0"/>
-              <a:t>OTMMB</a:t>
-            </a:r>
-          </a:p>
-        </p:txBody>
-      </p:sp>
-      <p:sp>
-        <p:nvSpPr>
-          <p:cNvPr id="13" name="TextBox 12">
-            <a:extLst>
-              <a:ext uri="{FF2B5EF4-FFF2-40B4-BE49-F238E27FC236}">
-                <a16:creationId xmlns:a16="http://schemas.microsoft.com/office/drawing/2014/main" id="{9D493A40-4FD3-A94F-848B-A8AE0D12072E}"/>
-              </a:ext>
-            </a:extLst>
-          </p:cNvPr>
-          <p:cNvSpPr txBox="1"/>
-          <p:nvPr/>
-        </p:nvSpPr>
-        <p:spPr>
-          <a:xfrm>
-            <a:off x="2595396" y="5322408"/>
-            <a:ext cx="962315" cy="369332"/>
-          </a:xfrm>
-          <a:prstGeom prst="rect">
-            <a:avLst/>
-          </a:prstGeom>
-          <a:noFill/>
-        </p:spPr>
-        <p:txBody>
-          <a:bodyPr wrap="none" rtlCol="0">
-            <a:spAutoFit/>
-          </a:bodyPr>
-          <a:lstStyle/>
-          <a:p>
-            <a:r>
-              <a:rPr lang="tr-TR" dirty="0"/>
-              <a:t>OTMMB</a:t>
-            </a:r>
-          </a:p>
-        </p:txBody>
-      </p:sp>
-      <p:sp>
-        <p:nvSpPr>
-          <p:cNvPr id="14" name="TextBox 13">
-            <a:extLst>
-              <a:ext uri="{FF2B5EF4-FFF2-40B4-BE49-F238E27FC236}">
-                <a16:creationId xmlns:a16="http://schemas.microsoft.com/office/drawing/2014/main" id="{954C20DA-8629-464D-A629-82D6DCFD77A4}"/>
-              </a:ext>
-            </a:extLst>
-          </p:cNvPr>
-          <p:cNvSpPr txBox="1"/>
-          <p:nvPr/>
-        </p:nvSpPr>
-        <p:spPr>
-          <a:xfrm>
-            <a:off x="5586267" y="2882903"/>
-            <a:ext cx="962315" cy="369332"/>
-          </a:xfrm>
-          <a:prstGeom prst="rect">
-            <a:avLst/>
-          </a:prstGeom>
-          <a:noFill/>
-        </p:spPr>
-        <p:txBody>
-          <a:bodyPr wrap="none" rtlCol="0">
-            <a:spAutoFit/>
-          </a:bodyPr>
-          <a:lstStyle/>
-          <a:p>
-            <a:r>
-              <a:rPr lang="tr-TR" dirty="0"/>
-              <a:t>OTMMB</a:t>
-            </a:r>
-          </a:p>
-        </p:txBody>
-      </p:sp>
-      <p:sp>
-        <p:nvSpPr>
-          <p:cNvPr id="15" name="TextBox 14">
-            <a:extLst>
-              <a:ext uri="{FF2B5EF4-FFF2-40B4-BE49-F238E27FC236}">
-                <a16:creationId xmlns:a16="http://schemas.microsoft.com/office/drawing/2014/main" id="{A115514B-0021-D04D-AAC1-B0CF1B3B9B5E}"/>
-              </a:ext>
-            </a:extLst>
-          </p:cNvPr>
-          <p:cNvSpPr txBox="1"/>
-          <p:nvPr/>
-        </p:nvSpPr>
-        <p:spPr>
-          <a:xfrm>
-            <a:off x="5589287" y="4613735"/>
-            <a:ext cx="962315" cy="369332"/>
-          </a:xfrm>
-          <a:prstGeom prst="rect">
-            <a:avLst/>
-          </a:prstGeom>
-          <a:noFill/>
-        </p:spPr>
-        <p:txBody>
-          <a:bodyPr wrap="none" rtlCol="0">
-            <a:spAutoFit/>
-          </a:bodyPr>
-          <a:lstStyle/>
-          <a:p>
-            <a:r>
-              <a:rPr lang="tr-TR" dirty="0"/>
-              <a:t>OTMMB</a:t>
-            </a:r>
-          </a:p>
-        </p:txBody>
-      </p:sp>
-      <p:sp>
-        <p:nvSpPr>
-          <p:cNvPr id="16" name="TextBox 15">
-            <a:extLst>
-              <a:ext uri="{FF2B5EF4-FFF2-40B4-BE49-F238E27FC236}">
-                <a16:creationId xmlns:a16="http://schemas.microsoft.com/office/drawing/2014/main" id="{3917188C-D717-874A-95F3-3AF79012359C}"/>
-              </a:ext>
-            </a:extLst>
-          </p:cNvPr>
-          <p:cNvSpPr txBox="1"/>
-          <p:nvPr/>
-        </p:nvSpPr>
-        <p:spPr>
-          <a:xfrm>
-            <a:off x="1831432" y="2795293"/>
-            <a:ext cx="445956" cy="369332"/>
-          </a:xfrm>
-          <a:prstGeom prst="rect">
-            <a:avLst/>
-          </a:prstGeom>
-          <a:noFill/>
-        </p:spPr>
-        <p:txBody>
-          <a:bodyPr wrap="none" rtlCol="0">
-            <a:spAutoFit/>
-          </a:bodyPr>
-          <a:lstStyle/>
-          <a:p>
-            <a:r>
-              <a:rPr lang="tr-TR" dirty="0"/>
-              <a:t>(K)</a:t>
-            </a:r>
-          </a:p>
-        </p:txBody>
-      </p:sp>
-      <p:sp>
-        <p:nvSpPr>
-          <p:cNvPr id="17" name="TextBox 16">
-            <a:extLst>
-              <a:ext uri="{FF2B5EF4-FFF2-40B4-BE49-F238E27FC236}">
-                <a16:creationId xmlns:a16="http://schemas.microsoft.com/office/drawing/2014/main" id="{213495D5-F978-7449-8248-12F2543D5F92}"/>
-              </a:ext>
-            </a:extLst>
-          </p:cNvPr>
-          <p:cNvSpPr txBox="1"/>
-          <p:nvPr/>
-        </p:nvSpPr>
-        <p:spPr>
-          <a:xfrm>
-            <a:off x="1319805" y="4537016"/>
-            <a:ext cx="445956" cy="369332"/>
-          </a:xfrm>
-          <a:prstGeom prst="rect">
-            <a:avLst/>
-          </a:prstGeom>
-          <a:noFill/>
-        </p:spPr>
-        <p:txBody>
-          <a:bodyPr wrap="none" rtlCol="0">
-            <a:spAutoFit/>
-          </a:bodyPr>
-          <a:lstStyle/>
-          <a:p>
-            <a:r>
-              <a:rPr lang="tr-TR" dirty="0"/>
-              <a:t>(Z)</a:t>
-            </a:r>
-          </a:p>
-        </p:txBody>
-      </p:sp>
-      <p:sp>
-        <p:nvSpPr>
-          <p:cNvPr id="18" name="TextBox 17">
-            <a:extLst>
-              <a:ext uri="{FF2B5EF4-FFF2-40B4-BE49-F238E27FC236}">
-                <a16:creationId xmlns:a16="http://schemas.microsoft.com/office/drawing/2014/main" id="{A852C863-6F02-7243-964D-D3ED33F90F64}"/>
-              </a:ext>
-            </a:extLst>
-          </p:cNvPr>
-          <p:cNvSpPr txBox="1"/>
-          <p:nvPr/>
-        </p:nvSpPr>
-        <p:spPr>
-          <a:xfrm>
-            <a:off x="7383418" y="2105658"/>
-            <a:ext cx="474810" cy="369332"/>
-          </a:xfrm>
-          <a:prstGeom prst="rect">
-            <a:avLst/>
-          </a:prstGeom>
-          <a:noFill/>
-        </p:spPr>
-        <p:txBody>
-          <a:bodyPr wrap="none" rtlCol="0">
-            <a:spAutoFit/>
-          </a:bodyPr>
-          <a:lstStyle/>
-          <a:p>
-            <a:r>
-              <a:rPr lang="tr-TR" dirty="0"/>
-              <a:t>(N)</a:t>
-            </a:r>
-          </a:p>
-        </p:txBody>
-      </p:sp>
-      <p:sp>
-        <p:nvSpPr>
-          <p:cNvPr id="19" name="TextBox 18">
-            <a:extLst>
-              <a:ext uri="{FF2B5EF4-FFF2-40B4-BE49-F238E27FC236}">
-                <a16:creationId xmlns:a16="http://schemas.microsoft.com/office/drawing/2014/main" id="{D9979550-073F-6C4F-960F-84A81045237F}"/>
-              </a:ext>
-            </a:extLst>
-          </p:cNvPr>
-          <p:cNvSpPr txBox="1"/>
-          <p:nvPr/>
-        </p:nvSpPr>
-        <p:spPr>
-          <a:xfrm>
-            <a:off x="7383418" y="3847370"/>
-            <a:ext cx="522900" cy="369332"/>
-          </a:xfrm>
-          <a:prstGeom prst="rect">
-            <a:avLst/>
-          </a:prstGeom>
-          <a:noFill/>
-        </p:spPr>
-        <p:txBody>
-          <a:bodyPr wrap="none" rtlCol="0">
-            <a:spAutoFit/>
-          </a:bodyPr>
-          <a:lstStyle/>
-          <a:p>
-            <a:r>
-              <a:rPr lang="tr-TR" dirty="0"/>
-              <a:t>(M)</a:t>
-            </a:r>
-          </a:p>
-        </p:txBody>
-      </p:sp>
     </p:spTree>
     <p:extLst>
       <p:ext uri="{BB962C8B-B14F-4D97-AF65-F5344CB8AC3E}">
-        <p14:creationId xmlns:p14="http://schemas.microsoft.com/office/powerpoint/2010/main" val="1881069203"/>
+        <p14:creationId xmlns:p14="http://schemas.microsoft.com/office/powerpoint/2010/main" val="4138693522"/>
       </p:ext>
     </p:extLst>
   </p:cSld>
@@ -5484,8 +5515,9 @@
                   <a:srgbClr val="243041"/>
                 </a:solidFill>
                 <a:latin typeface="Cambria" panose="02040503050406030204" pitchFamily="18" charset="0"/>
-              </a:rPr>
-              <a:t>Grafiksel Arayüz (Demo)</a:t>
+                <a:ea typeface="Cambria" panose="02040503050406030204" pitchFamily="18" charset="0"/>
+              </a:rPr>
+              <a:t>Düşünme Egzersizleri</a:t>
             </a:r>
           </a:p>
         </p:txBody>
@@ -5508,21 +5540,54 @@
         </p:nvSpPr>
         <p:spPr/>
         <p:txBody>
-          <a:bodyPr>
-            <a:normAutofit/>
-          </a:bodyPr>
-          <a:lstStyle/>
-          <a:p>
-            <a:pPr marL="0" indent="0">
-              <a:buNone/>
-            </a:pPr>
-            <a:r>
-              <a:rPr lang="tr-TR" sz="3600" dirty="0">
-                <a:solidFill>
-                  <a:srgbClr val="243041"/>
-                </a:solidFill>
-              </a:rPr>
-              <a:t>http://music.cs.deu.edu.tr/tmmgui</a:t>
+          <a:bodyPr/>
+          <a:lstStyle/>
+          <a:p>
+            <a:r>
+              <a:rPr lang="tr-TR" dirty="0">
+                <a:solidFill>
+                  <a:srgbClr val="243041"/>
+                </a:solidFill>
+                <a:latin typeface="Calibri" panose="020F0502020204030204" pitchFamily="34" charset="0"/>
+                <a:ea typeface="Source Sans Pro" panose="020B0503030403020204" pitchFamily="34" charset="0"/>
+                <a:cs typeface="Calibri" panose="020F0502020204030204" pitchFamily="34" charset="0"/>
+              </a:rPr>
+              <a:t>Bir - </a:t>
+            </a:r>
+            <a:r>
+              <a:rPr lang="tr-TR" i="1" dirty="0">
+                <a:solidFill>
+                  <a:srgbClr val="243041"/>
+                </a:solidFill>
+                <a:latin typeface="Calibri" panose="020F0502020204030204" pitchFamily="34" charset="0"/>
+                <a:ea typeface="Source Sans Pro" panose="020B0503030403020204" pitchFamily="34" charset="0"/>
+                <a:cs typeface="Calibri" panose="020F0502020204030204" pitchFamily="34" charset="0"/>
+              </a:rPr>
+              <a:t>makinenin ürettiği</a:t>
+            </a:r>
+            <a:r>
+              <a:rPr lang="tr-TR" dirty="0">
+                <a:solidFill>
+                  <a:srgbClr val="243041"/>
+                </a:solidFill>
+                <a:latin typeface="Calibri" panose="020F0502020204030204" pitchFamily="34" charset="0"/>
+                <a:ea typeface="Source Sans Pro" panose="020B0503030403020204" pitchFamily="34" charset="0"/>
+                <a:cs typeface="Calibri" panose="020F0502020204030204" pitchFamily="34" charset="0"/>
+              </a:rPr>
+              <a:t> - bestenin insanlar tarafından değerli bulunması neye bağlıdır?</a:t>
+            </a:r>
+          </a:p>
+          <a:p>
+            <a:r>
+              <a:rPr lang="tr-TR" dirty="0">
+                <a:solidFill>
+                  <a:srgbClr val="243041"/>
+                </a:solidFill>
+                <a:latin typeface="Calibri" panose="020F0502020204030204" pitchFamily="34" charset="0"/>
+                <a:ea typeface="Source Sans Pro" panose="020B0503030403020204" pitchFamily="34" charset="0"/>
+                <a:cs typeface="Calibri" panose="020F0502020204030204" pitchFamily="34" charset="0"/>
+              </a:rPr>
+              <a:t>Müzikte yaratıcılık nedir? Nasıl ölçülebilir?</a:t>
             </a:r>
           </a:p>
         </p:txBody>
@@ -5551,160 +5616,6 @@
             <a:fld id="{0B0A7288-46A4-3940-A53E-A8FC0B879407}" type="slidenum">
               <a:rPr lang="en-TR" smtClean="0"/>
               <a:t>7</a:t>
-            </a:fld>
-            <a:endParaRPr lang="en-TR"/>
-          </a:p>
-        </p:txBody>
-      </p:sp>
-    </p:spTree>
-    <p:extLst>
-      <p:ext uri="{BB962C8B-B14F-4D97-AF65-F5344CB8AC3E}">
-        <p14:creationId xmlns:p14="http://schemas.microsoft.com/office/powerpoint/2010/main" val="4138693522"/>
-      </p:ext>
-    </p:extLst>
-  </p:cSld>
-  <p:clrMapOvr>
-    <a:masterClrMapping/>
-  </p:clrMapOvr>
-</p:sld>
-</file>
-
-<file path=ppt/slides/slide8.xml><?xml version="1.0" encoding="utf-8"?>
-<p:sld xmlns:a="http://schemas.openxmlformats.org/drawingml/2006/main" xmlns:r="http://schemas.openxmlformats.org/officeDocument/2006/relationships" xmlns:p="http://schemas.openxmlformats.org/presentationml/2006/main">
-  <p:cSld>
-    <p:spTree>
-      <p:nvGrpSpPr>
-        <p:cNvPr id="1" name=""/>
-        <p:cNvGrpSpPr/>
-        <p:nvPr/>
-      </p:nvGrpSpPr>
-      <p:grpSpPr>
-        <a:xfrm>
-          <a:off x="0" y="0"/>
-          <a:ext cx="0" cy="0"/>
-          <a:chOff x="0" y="0"/>
-          <a:chExt cx="0" cy="0"/>
-        </a:xfrm>
-      </p:grpSpPr>
-      <p:sp>
-        <p:nvSpPr>
-          <p:cNvPr id="2" name="Title 1">
-            <a:extLst>
-              <a:ext uri="{FF2B5EF4-FFF2-40B4-BE49-F238E27FC236}">
-                <a16:creationId xmlns:a16="http://schemas.microsoft.com/office/drawing/2014/main" id="{D1B1EED6-F70F-2C42-982B-7304BE48B48E}"/>
-              </a:ext>
-            </a:extLst>
-          </p:cNvPr>
-          <p:cNvSpPr>
-            <a:spLocks noGrp="1"/>
-          </p:cNvSpPr>
-          <p:nvPr>
-            <p:ph type="title"/>
-          </p:nvPr>
-        </p:nvSpPr>
-        <p:spPr/>
-        <p:txBody>
-          <a:bodyPr/>
-          <a:lstStyle/>
-          <a:p>
-            <a:r>
-              <a:rPr lang="tr-TR" dirty="0">
-                <a:solidFill>
-                  <a:srgbClr val="243041"/>
-                </a:solidFill>
-                <a:latin typeface="Cambria" panose="02040503050406030204" pitchFamily="18" charset="0"/>
-                <a:ea typeface="Cambria" panose="02040503050406030204" pitchFamily="18" charset="0"/>
-              </a:rPr>
-              <a:t>Düşünme Egzersizleri</a:t>
-            </a:r>
-          </a:p>
-        </p:txBody>
-      </p:sp>
-      <p:sp>
-        <p:nvSpPr>
-          <p:cNvPr id="3" name="Content Placeholder 2">
-            <a:extLst>
-              <a:ext uri="{FF2B5EF4-FFF2-40B4-BE49-F238E27FC236}">
-                <a16:creationId xmlns:a16="http://schemas.microsoft.com/office/drawing/2014/main" id="{4E958FD7-5D47-F247-A470-4E94A4F14BAB}"/>
-              </a:ext>
-            </a:extLst>
-          </p:cNvPr>
-          <p:cNvSpPr>
-            <a:spLocks noGrp="1"/>
-          </p:cNvSpPr>
-          <p:nvPr>
-            <p:ph idx="1"/>
-          </p:nvPr>
-        </p:nvSpPr>
-        <p:spPr/>
-        <p:txBody>
-          <a:bodyPr/>
-          <a:lstStyle/>
-          <a:p>
-            <a:r>
-              <a:rPr lang="tr-TR" dirty="0">
-                <a:solidFill>
-                  <a:srgbClr val="243041"/>
-                </a:solidFill>
-                <a:latin typeface="Calibri" panose="020F0502020204030204" pitchFamily="34" charset="0"/>
-                <a:ea typeface="Source Sans Pro" panose="020B0503030403020204" pitchFamily="34" charset="0"/>
-                <a:cs typeface="Calibri" panose="020F0502020204030204" pitchFamily="34" charset="0"/>
-              </a:rPr>
-              <a:t>Bir /makinenin yaptığı/ bestenin insanlar tarafından değerli bulunması neye bağlıdır?</a:t>
-            </a:r>
-          </a:p>
-          <a:p>
-            <a:r>
-              <a:rPr lang="tr-TR" dirty="0">
-                <a:solidFill>
-                  <a:srgbClr val="243041"/>
-                </a:solidFill>
-                <a:latin typeface="Calibri" panose="020F0502020204030204" pitchFamily="34" charset="0"/>
-                <a:ea typeface="Source Sans Pro" panose="020B0503030403020204" pitchFamily="34" charset="0"/>
-                <a:cs typeface="Calibri" panose="020F0502020204030204" pitchFamily="34" charset="0"/>
-              </a:rPr>
-              <a:t>Müzikte yaratıcılık nedir?</a:t>
-            </a:r>
-          </a:p>
-          <a:p>
-            <a:r>
-              <a:rPr lang="tr-TR" dirty="0">
-                <a:solidFill>
-                  <a:srgbClr val="243041"/>
-                </a:solidFill>
-                <a:latin typeface="Calibri" panose="020F0502020204030204" pitchFamily="34" charset="0"/>
-                <a:ea typeface="Source Sans Pro" panose="020B0503030403020204" pitchFamily="34" charset="0"/>
-                <a:cs typeface="Calibri" panose="020F0502020204030204" pitchFamily="34" charset="0"/>
-              </a:rPr>
-              <a:t>Zihin tamamen yeni bir şey yaratabilir mi?</a:t>
-            </a:r>
-          </a:p>
-        </p:txBody>
-      </p:sp>
-      <p:sp>
-        <p:nvSpPr>
-          <p:cNvPr id="4" name="Slide Number Placeholder 3">
-            <a:extLst>
-              <a:ext uri="{FF2B5EF4-FFF2-40B4-BE49-F238E27FC236}">
-                <a16:creationId xmlns:a16="http://schemas.microsoft.com/office/drawing/2014/main" id="{21960B8E-F2EC-0C45-8C3C-47B7B748920B}"/>
-              </a:ext>
-            </a:extLst>
-          </p:cNvPr>
-          <p:cNvSpPr>
-            <a:spLocks noGrp="1"/>
-          </p:cNvSpPr>
-          <p:nvPr>
-            <p:ph type="sldNum" sz="quarter" idx="12"/>
-          </p:nvPr>
-        </p:nvSpPr>
-        <p:spPr/>
-        <p:txBody>
-          <a:bodyPr/>
-          <a:lstStyle/>
-          <a:p>
-            <a:fld id="{0B0A7288-46A4-3940-A53E-A8FC0B879407}" type="slidenum">
-              <a:rPr lang="en-TR" smtClean="0"/>
-              <a:t>8</a:t>
             </a:fld>
             <a:endParaRPr lang="en-TR"/>
           </a:p>

--- a/assets/DL_GUI.pptx
+++ b/assets/DL_GUI.pptx
@@ -203,7 +203,7 @@
           <a:p>
             <a:fld id="{BA8D1F55-E99F-5045-8C53-3D21CEBDAA6D}" type="datetimeFigureOut">
               <a:rPr lang="tr-TR" smtClean="0"/>
-              <a:t>25.05.2021</a:t>
+              <a:t>2.06.2021</a:t>
             </a:fld>
             <a:endParaRPr lang="tr-TR" dirty="0"/>
           </a:p>
@@ -602,7 +602,7 @@
           <a:p>
             <a:fld id="{36D0695C-02F7-9E48-99F1-CA76EC165F5F}" type="datetime1">
               <a:rPr lang="tr-TR" smtClean="0"/>
-              <a:t>25.05.2021</a:t>
+              <a:t>2.06.2021</a:t>
             </a:fld>
             <a:endParaRPr lang="en-TR"/>
           </a:p>
@@ -772,7 +772,7 @@
           <a:p>
             <a:fld id="{07669073-FE43-284E-877E-F9D0B9FECE40}" type="datetime1">
               <a:rPr lang="tr-TR" smtClean="0"/>
-              <a:t>25.05.2021</a:t>
+              <a:t>2.06.2021</a:t>
             </a:fld>
             <a:endParaRPr lang="en-TR"/>
           </a:p>
@@ -952,7 +952,7 @@
           <a:p>
             <a:fld id="{93417FB8-E891-1145-9AF2-F81283B1CC0B}" type="datetime1">
               <a:rPr lang="tr-TR" smtClean="0"/>
-              <a:t>25.05.2021</a:t>
+              <a:t>2.06.2021</a:t>
             </a:fld>
             <a:endParaRPr lang="en-TR"/>
           </a:p>
@@ -1122,7 +1122,7 @@
           <a:p>
             <a:fld id="{7BB4C77B-42F8-394E-B013-479195A17602}" type="datetime1">
               <a:rPr lang="tr-TR" smtClean="0"/>
-              <a:t>25.05.2021</a:t>
+              <a:t>2.06.2021</a:t>
             </a:fld>
             <a:endParaRPr lang="en-TR"/>
           </a:p>
@@ -1366,7 +1366,7 @@
           <a:p>
             <a:fld id="{F35B99F1-B0D2-B54F-A547-A51617C4E854}" type="datetime1">
               <a:rPr lang="tr-TR" smtClean="0"/>
-              <a:t>25.05.2021</a:t>
+              <a:t>2.06.2021</a:t>
             </a:fld>
             <a:endParaRPr lang="en-TR"/>
           </a:p>
@@ -1598,7 +1598,7 @@
           <a:p>
             <a:fld id="{E2F121C7-DD52-C240-90E9-DF6893BE1BE2}" type="datetime1">
               <a:rPr lang="tr-TR" smtClean="0"/>
-              <a:t>25.05.2021</a:t>
+              <a:t>2.06.2021</a:t>
             </a:fld>
             <a:endParaRPr lang="en-TR"/>
           </a:p>
@@ -1965,7 +1965,7 @@
           <a:p>
             <a:fld id="{53929604-B735-B94D-B9DF-70C67D50649B}" type="datetime1">
               <a:rPr lang="tr-TR" smtClean="0"/>
-              <a:t>25.05.2021</a:t>
+              <a:t>2.06.2021</a:t>
             </a:fld>
             <a:endParaRPr lang="en-TR"/>
           </a:p>
@@ -2083,7 +2083,7 @@
           <a:p>
             <a:fld id="{AA3D4FE0-3B02-DA46-B96A-05866655B09D}" type="datetime1">
               <a:rPr lang="tr-TR" smtClean="0"/>
-              <a:t>25.05.2021</a:t>
+              <a:t>2.06.2021</a:t>
             </a:fld>
             <a:endParaRPr lang="en-TR"/>
           </a:p>
@@ -2178,7 +2178,7 @@
           <a:p>
             <a:fld id="{902B0211-A2D5-4347-B767-098CAB92A78F}" type="datetime1">
               <a:rPr lang="tr-TR" smtClean="0"/>
-              <a:t>25.05.2021</a:t>
+              <a:t>2.06.2021</a:t>
             </a:fld>
             <a:endParaRPr lang="en-TR"/>
           </a:p>
@@ -2455,7 +2455,7 @@
           <a:p>
             <a:fld id="{F3B2B4EE-0540-454A-82D3-2681F7435D3F}" type="datetime1">
               <a:rPr lang="tr-TR" smtClean="0"/>
-              <a:t>25.05.2021</a:t>
+              <a:t>2.06.2021</a:t>
             </a:fld>
             <a:endParaRPr lang="en-TR"/>
           </a:p>
@@ -2711,7 +2711,7 @@
           <a:p>
             <a:fld id="{D7CF92EB-5677-1144-9B83-595F8BFAD415}" type="datetime1">
               <a:rPr lang="tr-TR" smtClean="0"/>
-              <a:t>25.05.2021</a:t>
+              <a:t>2.06.2021</a:t>
             </a:fld>
             <a:endParaRPr lang="en-TR"/>
           </a:p>
@@ -2941,7 +2941,7 @@
           <a:p>
             <a:fld id="{F2372F51-7A8B-B948-B55B-93554365BB4D}" type="datetime1">
               <a:rPr lang="tr-TR" smtClean="0"/>
-              <a:t>25.05.2021</a:t>
+              <a:t>2.06.2021</a:t>
             </a:fld>
             <a:endParaRPr lang="en-TR"/>
           </a:p>
@@ -5424,8 +5424,71 @@
                   <a:srgbClr val="243041"/>
                 </a:solidFill>
               </a:rPr>
+              <a:t>Arayüz:</a:t>
+            </a:r>
+          </a:p>
+          <a:p>
+            <a:pPr marL="0" indent="0">
+              <a:buNone/>
+            </a:pPr>
+            <a:r>
+              <a:rPr lang="tr-TR" sz="3600" dirty="0">
+                <a:solidFill>
+                  <a:schemeClr val="accent1">
+                    <a:lumMod val="75000"/>
+                  </a:schemeClr>
+                </a:solidFill>
+              </a:rPr>
               <a:t>http://music.cs.deu.edu.tr/tmmgui</a:t>
             </a:r>
+          </a:p>
+          <a:p>
+            <a:pPr marL="0" indent="0">
+              <a:buNone/>
+            </a:pPr>
+            <a:endParaRPr lang="tr-TR" sz="3600" dirty="0">
+              <a:solidFill>
+                <a:srgbClr val="243041"/>
+              </a:solidFill>
+            </a:endParaRPr>
+          </a:p>
+          <a:p>
+            <a:pPr marL="0" indent="0">
+              <a:buNone/>
+            </a:pPr>
+            <a:r>
+              <a:rPr lang="tr-TR" sz="3600" dirty="0">
+                <a:solidFill>
+                  <a:srgbClr val="243041"/>
+                </a:solidFill>
+              </a:rPr>
+              <a:t>Kaynak kod:</a:t>
+            </a:r>
+          </a:p>
+          <a:p>
+            <a:pPr marL="0" indent="0">
+              <a:buNone/>
+            </a:pPr>
+            <a:r>
+              <a:rPr lang="tr-TR" sz="3600" dirty="0">
+                <a:solidFill>
+                  <a:schemeClr val="accent1">
+                    <a:lumMod val="75000"/>
+                  </a:schemeClr>
+                </a:solidFill>
+              </a:rPr>
+              <a:t>https://github.com/ihpar/TMMDLFT</a:t>
+            </a:r>
+          </a:p>
+          <a:p>
+            <a:pPr marL="0" indent="0">
+              <a:buNone/>
+            </a:pPr>
+            <a:endParaRPr lang="tr-TR" sz="3600" dirty="0">
+              <a:solidFill>
+                <a:srgbClr val="243041"/>
+              </a:solidFill>
+            </a:endParaRPr>
           </a:p>
         </p:txBody>
       </p:sp>

--- a/assets/DL_GUI.pptx
+++ b/assets/DL_GUI.pptx
@@ -203,7 +203,7 @@
           <a:p>
             <a:fld id="{BA8D1F55-E99F-5045-8C53-3D21CEBDAA6D}" type="datetimeFigureOut">
               <a:rPr lang="tr-TR" smtClean="0"/>
-              <a:t>2.06.2021</a:t>
+              <a:t>3.06.2021</a:t>
             </a:fld>
             <a:endParaRPr lang="tr-TR" dirty="0"/>
           </a:p>
@@ -602,7 +602,7 @@
           <a:p>
             <a:fld id="{36D0695C-02F7-9E48-99F1-CA76EC165F5F}" type="datetime1">
               <a:rPr lang="tr-TR" smtClean="0"/>
-              <a:t>2.06.2021</a:t>
+              <a:t>3.06.2021</a:t>
             </a:fld>
             <a:endParaRPr lang="en-TR"/>
           </a:p>
@@ -772,7 +772,7 @@
           <a:p>
             <a:fld id="{07669073-FE43-284E-877E-F9D0B9FECE40}" type="datetime1">
               <a:rPr lang="tr-TR" smtClean="0"/>
-              <a:t>2.06.2021</a:t>
+              <a:t>3.06.2021</a:t>
             </a:fld>
             <a:endParaRPr lang="en-TR"/>
           </a:p>
@@ -952,7 +952,7 @@
           <a:p>
             <a:fld id="{93417FB8-E891-1145-9AF2-F81283B1CC0B}" type="datetime1">
               <a:rPr lang="tr-TR" smtClean="0"/>
-              <a:t>2.06.2021</a:t>
+              <a:t>3.06.2021</a:t>
             </a:fld>
             <a:endParaRPr lang="en-TR"/>
           </a:p>
@@ -1122,7 +1122,7 @@
           <a:p>
             <a:fld id="{7BB4C77B-42F8-394E-B013-479195A17602}" type="datetime1">
               <a:rPr lang="tr-TR" smtClean="0"/>
-              <a:t>2.06.2021</a:t>
+              <a:t>3.06.2021</a:t>
             </a:fld>
             <a:endParaRPr lang="en-TR"/>
           </a:p>
@@ -1366,7 +1366,7 @@
           <a:p>
             <a:fld id="{F35B99F1-B0D2-B54F-A547-A51617C4E854}" type="datetime1">
               <a:rPr lang="tr-TR" smtClean="0"/>
-              <a:t>2.06.2021</a:t>
+              <a:t>3.06.2021</a:t>
             </a:fld>
             <a:endParaRPr lang="en-TR"/>
           </a:p>
@@ -1598,7 +1598,7 @@
           <a:p>
             <a:fld id="{E2F121C7-DD52-C240-90E9-DF6893BE1BE2}" type="datetime1">
               <a:rPr lang="tr-TR" smtClean="0"/>
-              <a:t>2.06.2021</a:t>
+              <a:t>3.06.2021</a:t>
             </a:fld>
             <a:endParaRPr lang="en-TR"/>
           </a:p>
@@ -1965,7 +1965,7 @@
           <a:p>
             <a:fld id="{53929604-B735-B94D-B9DF-70C67D50649B}" type="datetime1">
               <a:rPr lang="tr-TR" smtClean="0"/>
-              <a:t>2.06.2021</a:t>
+              <a:t>3.06.2021</a:t>
             </a:fld>
             <a:endParaRPr lang="en-TR"/>
           </a:p>
@@ -2083,7 +2083,7 @@
           <a:p>
             <a:fld id="{AA3D4FE0-3B02-DA46-B96A-05866655B09D}" type="datetime1">
               <a:rPr lang="tr-TR" smtClean="0"/>
-              <a:t>2.06.2021</a:t>
+              <a:t>3.06.2021</a:t>
             </a:fld>
             <a:endParaRPr lang="en-TR"/>
           </a:p>
@@ -2178,7 +2178,7 @@
           <a:p>
             <a:fld id="{902B0211-A2D5-4347-B767-098CAB92A78F}" type="datetime1">
               <a:rPr lang="tr-TR" smtClean="0"/>
-              <a:t>2.06.2021</a:t>
+              <a:t>3.06.2021</a:t>
             </a:fld>
             <a:endParaRPr lang="en-TR"/>
           </a:p>
@@ -2455,7 +2455,7 @@
           <a:p>
             <a:fld id="{F3B2B4EE-0540-454A-82D3-2681F7435D3F}" type="datetime1">
               <a:rPr lang="tr-TR" smtClean="0"/>
-              <a:t>2.06.2021</a:t>
+              <a:t>3.06.2021</a:t>
             </a:fld>
             <a:endParaRPr lang="en-TR"/>
           </a:p>
@@ -2711,7 +2711,7 @@
           <a:p>
             <a:fld id="{D7CF92EB-5677-1144-9B83-595F8BFAD415}" type="datetime1">
               <a:rPr lang="tr-TR" smtClean="0"/>
-              <a:t>2.06.2021</a:t>
+              <a:t>3.06.2021</a:t>
             </a:fld>
             <a:endParaRPr lang="en-TR"/>
           </a:p>
@@ -2941,7 +2941,7 @@
           <a:p>
             <a:fld id="{F2372F51-7A8B-B948-B55B-93554365BB4D}" type="datetime1">
               <a:rPr lang="tr-TR" smtClean="0"/>
-              <a:t>2.06.2021</a:t>
+              <a:t>3.06.2021</a:t>
             </a:fld>
             <a:endParaRPr lang="en-TR"/>
           </a:p>
@@ -5419,7 +5419,7 @@
               <a:buNone/>
             </a:pPr>
             <a:r>
-              <a:rPr lang="tr-TR" sz="3600" dirty="0">
+              <a:rPr lang="tr-TR" sz="2600" dirty="0">
                 <a:solidFill>
                   <a:srgbClr val="243041"/>
                 </a:solidFill>
@@ -5432,7 +5432,7 @@
               <a:buNone/>
             </a:pPr>
             <a:r>
-              <a:rPr lang="tr-TR" sz="3600" dirty="0">
+              <a:rPr lang="tr-TR" sz="2600" dirty="0">
                 <a:solidFill>
                   <a:schemeClr val="accent1">
                     <a:lumMod val="75000"/>
@@ -5446,7 +5446,7 @@
             <a:pPr marL="0" indent="0">
               <a:buNone/>
             </a:pPr>
-            <a:endParaRPr lang="tr-TR" sz="3600" dirty="0">
+            <a:endParaRPr lang="tr-TR" sz="2600" dirty="0">
               <a:solidFill>
                 <a:srgbClr val="243041"/>
               </a:solidFill>
@@ -5457,7 +5457,7 @@
               <a:buNone/>
             </a:pPr>
             <a:r>
-              <a:rPr lang="tr-TR" sz="3600" dirty="0">
+              <a:rPr lang="tr-TR" sz="2600" dirty="0">
                 <a:solidFill>
                   <a:srgbClr val="243041"/>
                 </a:solidFill>
@@ -5470,7 +5470,7 @@
               <a:buNone/>
             </a:pPr>
             <a:r>
-              <a:rPr lang="tr-TR" sz="3600" dirty="0">
+              <a:rPr lang="tr-TR" sz="2600" dirty="0">
                 <a:solidFill>
                   <a:schemeClr val="accent1">
                     <a:lumMod val="75000"/>
@@ -5484,9 +5484,96 @@
             <a:pPr marL="0" indent="0">
               <a:buNone/>
             </a:pPr>
-            <a:endParaRPr lang="tr-TR" sz="3600" dirty="0">
+            <a:endParaRPr lang="tr-TR" sz="2600" dirty="0">
               <a:solidFill>
-                <a:srgbClr val="243041"/>
+                <a:schemeClr val="accent1">
+                  <a:lumMod val="75000"/>
+                </a:schemeClr>
+              </a:solidFill>
+            </a:endParaRPr>
+          </a:p>
+          <a:p>
+            <a:pPr marL="0" indent="0">
+              <a:buNone/>
+            </a:pPr>
+            <a:r>
+              <a:rPr lang="tr-TR" sz="2600" dirty="0">
+                <a:solidFill>
+                  <a:srgbClr val="243041"/>
+                </a:solidFill>
+              </a:rPr>
+              <a:t>Örnekler:</a:t>
+            </a:r>
+          </a:p>
+          <a:p>
+            <a:pPr marL="0" indent="0">
+              <a:buNone/>
+            </a:pPr>
+            <a:r>
+              <a:rPr lang="tr-TR" sz="2600" dirty="0">
+                <a:solidFill>
+                  <a:schemeClr val="accent1">
+                    <a:lumMod val="75000"/>
+                  </a:schemeClr>
+                </a:solidFill>
+              </a:rPr>
+              <a:t>http://</a:t>
+            </a:r>
+            <a:r>
+              <a:rPr lang="tr-TR" sz="2600" dirty="0" err="1">
+                <a:solidFill>
+                  <a:schemeClr val="accent1">
+                    <a:lumMod val="75000"/>
+                  </a:schemeClr>
+                </a:solidFill>
+              </a:rPr>
+              <a:t>music.cs.deu.edu.tr</a:t>
+            </a:r>
+            <a:r>
+              <a:rPr lang="tr-TR" sz="2600" dirty="0">
+                <a:solidFill>
+                  <a:schemeClr val="accent1">
+                    <a:lumMod val="75000"/>
+                  </a:schemeClr>
+                </a:solidFill>
+              </a:rPr>
+              <a:t>/tmmgui/</a:t>
+            </a:r>
+            <a:r>
+              <a:rPr lang="tr-TR" sz="2600" dirty="0" err="1">
+                <a:solidFill>
+                  <a:schemeClr val="accent1">
+                    <a:lumMod val="75000"/>
+                  </a:schemeClr>
+                </a:solidFill>
+              </a:rPr>
+              <a:t>shared</a:t>
+            </a:r>
+            <a:r>
+              <a:rPr lang="tr-TR" sz="2600" dirty="0">
+                <a:solidFill>
+                  <a:schemeClr val="accent1">
+                    <a:lumMod val="75000"/>
+                  </a:schemeClr>
+                </a:solidFill>
+              </a:rPr>
+              <a:t>/</a:t>
+            </a:r>
+            <a:r>
+              <a:rPr lang="tr-TR" sz="2600" dirty="0" err="1">
+                <a:solidFill>
+                  <a:schemeClr val="accent1">
+                    <a:lumMod val="75000"/>
+                  </a:schemeClr>
+                </a:solidFill>
+              </a:rPr>
+              <a:t>TMM_DL.zip</a:t>
+            </a:r>
+            <a:endParaRPr lang="tr-TR" sz="2600" dirty="0">
+              <a:solidFill>
+                <a:schemeClr val="accent1">
+                  <a:lumMod val="75000"/>
+                </a:schemeClr>
               </a:solidFill>
             </a:endParaRPr>
           </a:p>
@@ -5637,8 +5724,29 @@
                 <a:ea typeface="Source Sans Pro" panose="020B0503030403020204" pitchFamily="34" charset="0"/>
                 <a:cs typeface="Calibri" panose="020F0502020204030204" pitchFamily="34" charset="0"/>
               </a:rPr>
-              <a:t> - bestenin insanlar tarafından değerli bulunması neye bağlıdır?</a:t>
-            </a:r>
+              <a:t> - bestenin insanlar tarafından değerli bulunması neye bağlıdır? Bunu </a:t>
+            </a:r>
+            <a:r>
+              <a:rPr lang="tr-TR">
+                <a:solidFill>
+                  <a:srgbClr val="243041"/>
+                </a:solidFill>
+                <a:latin typeface="Calibri" panose="020F0502020204030204" pitchFamily="34" charset="0"/>
+                <a:ea typeface="Source Sans Pro" panose="020B0503030403020204" pitchFamily="34" charset="0"/>
+                <a:cs typeface="Calibri" panose="020F0502020204030204" pitchFamily="34" charset="0"/>
+              </a:rPr>
+              <a:t>nasıl ölçebiliriz?</a:t>
+            </a:r>
+          </a:p>
+          <a:p>
+            <a:endParaRPr lang="tr-TR" dirty="0">
+              <a:solidFill>
+                <a:srgbClr val="243041"/>
+              </a:solidFill>
+              <a:latin typeface="Calibri" panose="020F0502020204030204" pitchFamily="34" charset="0"/>
+              <a:ea typeface="Source Sans Pro" panose="020B0503030403020204" pitchFamily="34" charset="0"/>
+              <a:cs typeface="Calibri" panose="020F0502020204030204" pitchFamily="34" charset="0"/>
+            </a:endParaRPr>
           </a:p>
           <a:p>
             <a:r>
